--- a/slides/figures.pptx
+++ b/slides/figures.pptx
@@ -5,10 +5,11 @@
     <p:sldMasterId id="2147483648" r:id="rId1"/>
   </p:sldMasterIdLst>
   <p:sldIdLst>
-    <p:sldId id="256" r:id="rId2"/>
-    <p:sldId id="257" r:id="rId3"/>
-    <p:sldId id="258" r:id="rId4"/>
-    <p:sldId id="259" r:id="rId5"/>
+    <p:sldId id="260" r:id="rId2"/>
+    <p:sldId id="256" r:id="rId3"/>
+    <p:sldId id="257" r:id="rId4"/>
+    <p:sldId id="258" r:id="rId5"/>
+    <p:sldId id="259" r:id="rId6"/>
   </p:sldIdLst>
   <p:sldSz cx="12192000" cy="6858000"/>
   <p:notesSz cx="6858000" cy="9144000"/>
@@ -117,6 +118,150 @@
 
 <file path=ppt/changesInfos/changesInfo1.xml><?xml version="1.0" encoding="utf-8"?>
 <pc:chgInfo xmlns:a="http://schemas.openxmlformats.org/drawingml/2006/main" xmlns:r="http://schemas.openxmlformats.org/officeDocument/2006/relationships" xmlns:ac="http://schemas.microsoft.com/office/drawing/2013/main/command" xmlns:pc="http://schemas.microsoft.com/office/powerpoint/2013/main/command">
+  <pc:docChgLst>
+    <pc:chgData name="Matteo Francia" userId="fbe833e6-b551-4418-a2a7-4d1023d25bd4" providerId="ADAL" clId="{311254AA-4EF9-4254-B4D7-C74A03F1F869}"/>
+    <pc:docChg chg="custSel addSld modSld sldOrd">
+      <pc:chgData name="Matteo Francia" userId="fbe833e6-b551-4418-a2a7-4d1023d25bd4" providerId="ADAL" clId="{311254AA-4EF9-4254-B4D7-C74A03F1F869}" dt="2025-10-07T06:52:38.147" v="5" actId="552"/>
+      <pc:docMkLst>
+        <pc:docMk/>
+      </pc:docMkLst>
+      <pc:sldChg chg="addSp delSp modSp new mod ord">
+        <pc:chgData name="Matteo Francia" userId="fbe833e6-b551-4418-a2a7-4d1023d25bd4" providerId="ADAL" clId="{311254AA-4EF9-4254-B4D7-C74A03F1F869}" dt="2025-10-07T06:52:38.147" v="5" actId="552"/>
+        <pc:sldMkLst>
+          <pc:docMk/>
+          <pc:sldMk cId="3489260295" sldId="260"/>
+        </pc:sldMkLst>
+        <pc:spChg chg="del">
+          <ac:chgData name="Matteo Francia" userId="fbe833e6-b551-4418-a2a7-4d1023d25bd4" providerId="ADAL" clId="{311254AA-4EF9-4254-B4D7-C74A03F1F869}" dt="2025-10-07T06:52:11.372" v="3" actId="478"/>
+          <ac:spMkLst>
+            <pc:docMk/>
+            <pc:sldMk cId="3489260295" sldId="260"/>
+            <ac:spMk id="2" creationId="{9064D62B-CDBA-4A2E-91AE-CA41601FB024}"/>
+          </ac:spMkLst>
+        </pc:spChg>
+        <pc:spChg chg="del">
+          <ac:chgData name="Matteo Francia" userId="fbe833e6-b551-4418-a2a7-4d1023d25bd4" providerId="ADAL" clId="{311254AA-4EF9-4254-B4D7-C74A03F1F869}" dt="2025-10-07T06:52:11.372" v="3" actId="478"/>
+          <ac:spMkLst>
+            <pc:docMk/>
+            <pc:sldMk cId="3489260295" sldId="260"/>
+            <ac:spMk id="3" creationId="{F8ED68B8-DC24-413A-98AD-D0C674CDB36D}"/>
+          </ac:spMkLst>
+        </pc:spChg>
+        <pc:spChg chg="add mod">
+          <ac:chgData name="Matteo Francia" userId="fbe833e6-b551-4418-a2a7-4d1023d25bd4" providerId="ADAL" clId="{311254AA-4EF9-4254-B4D7-C74A03F1F869}" dt="2025-10-07T06:52:12.410" v="4"/>
+          <ac:spMkLst>
+            <pc:docMk/>
+            <pc:sldMk cId="3489260295" sldId="260"/>
+            <ac:spMk id="4" creationId="{328B136E-0EF1-449D-B8CD-34C80C851327}"/>
+          </ac:spMkLst>
+        </pc:spChg>
+        <pc:spChg chg="add mod">
+          <ac:chgData name="Matteo Francia" userId="fbe833e6-b551-4418-a2a7-4d1023d25bd4" providerId="ADAL" clId="{311254AA-4EF9-4254-B4D7-C74A03F1F869}" dt="2025-10-07T06:52:12.410" v="4"/>
+          <ac:spMkLst>
+            <pc:docMk/>
+            <pc:sldMk cId="3489260295" sldId="260"/>
+            <ac:spMk id="5" creationId="{B59FCE38-D076-4501-BACD-903A43116EF0}"/>
+          </ac:spMkLst>
+        </pc:spChg>
+        <pc:spChg chg="add mod">
+          <ac:chgData name="Matteo Francia" userId="fbe833e6-b551-4418-a2a7-4d1023d25bd4" providerId="ADAL" clId="{311254AA-4EF9-4254-B4D7-C74A03F1F869}" dt="2025-10-07T06:52:12.410" v="4"/>
+          <ac:spMkLst>
+            <pc:docMk/>
+            <pc:sldMk cId="3489260295" sldId="260"/>
+            <ac:spMk id="6" creationId="{529CC3F4-03F9-4CEA-BB04-57E507F2EBF0}"/>
+          </ac:spMkLst>
+        </pc:spChg>
+        <pc:spChg chg="add mod">
+          <ac:chgData name="Matteo Francia" userId="fbe833e6-b551-4418-a2a7-4d1023d25bd4" providerId="ADAL" clId="{311254AA-4EF9-4254-B4D7-C74A03F1F869}" dt="2025-10-07T06:52:12.410" v="4"/>
+          <ac:spMkLst>
+            <pc:docMk/>
+            <pc:sldMk cId="3489260295" sldId="260"/>
+            <ac:spMk id="7" creationId="{0D1BCC33-7D80-43A0-AA25-FFFC022AE9EA}"/>
+          </ac:spMkLst>
+        </pc:spChg>
+        <pc:spChg chg="add mod">
+          <ac:chgData name="Matteo Francia" userId="fbe833e6-b551-4418-a2a7-4d1023d25bd4" providerId="ADAL" clId="{311254AA-4EF9-4254-B4D7-C74A03F1F869}" dt="2025-10-07T06:52:12.410" v="4"/>
+          <ac:spMkLst>
+            <pc:docMk/>
+            <pc:sldMk cId="3489260295" sldId="260"/>
+            <ac:spMk id="8" creationId="{667A2D1A-4DDC-4708-8589-DEE4A8670048}"/>
+          </ac:spMkLst>
+        </pc:spChg>
+        <pc:spChg chg="add mod">
+          <ac:chgData name="Matteo Francia" userId="fbe833e6-b551-4418-a2a7-4d1023d25bd4" providerId="ADAL" clId="{311254AA-4EF9-4254-B4D7-C74A03F1F869}" dt="2025-10-07T06:52:12.410" v="4"/>
+          <ac:spMkLst>
+            <pc:docMk/>
+            <pc:sldMk cId="3489260295" sldId="260"/>
+            <ac:spMk id="9" creationId="{C7C337A9-3F9D-450E-AF70-35E6EEF98CAF}"/>
+          </ac:spMkLst>
+        </pc:spChg>
+        <pc:spChg chg="add mod">
+          <ac:chgData name="Matteo Francia" userId="fbe833e6-b551-4418-a2a7-4d1023d25bd4" providerId="ADAL" clId="{311254AA-4EF9-4254-B4D7-C74A03F1F869}" dt="2025-10-07T06:52:12.410" v="4"/>
+          <ac:spMkLst>
+            <pc:docMk/>
+            <pc:sldMk cId="3489260295" sldId="260"/>
+            <ac:spMk id="10" creationId="{4F4BC64E-124B-4CBB-B534-23350DCFA10E}"/>
+          </ac:spMkLst>
+        </pc:spChg>
+        <pc:spChg chg="add mod">
+          <ac:chgData name="Matteo Francia" userId="fbe833e6-b551-4418-a2a7-4d1023d25bd4" providerId="ADAL" clId="{311254AA-4EF9-4254-B4D7-C74A03F1F869}" dt="2025-10-07T06:52:12.410" v="4"/>
+          <ac:spMkLst>
+            <pc:docMk/>
+            <pc:sldMk cId="3489260295" sldId="260"/>
+            <ac:spMk id="11" creationId="{4F868CD8-2C87-419A-825D-C7002355B957}"/>
+          </ac:spMkLst>
+        </pc:spChg>
+        <pc:spChg chg="add mod">
+          <ac:chgData name="Matteo Francia" userId="fbe833e6-b551-4418-a2a7-4d1023d25bd4" providerId="ADAL" clId="{311254AA-4EF9-4254-B4D7-C74A03F1F869}" dt="2025-10-07T06:52:38.147" v="5" actId="552"/>
+          <ac:spMkLst>
+            <pc:docMk/>
+            <pc:sldMk cId="3489260295" sldId="260"/>
+            <ac:spMk id="13" creationId="{6782E3DF-46B9-46A8-A8F3-B9953653CDF1}"/>
+          </ac:spMkLst>
+        </pc:spChg>
+        <pc:spChg chg="add mod">
+          <ac:chgData name="Matteo Francia" userId="fbe833e6-b551-4418-a2a7-4d1023d25bd4" providerId="ADAL" clId="{311254AA-4EF9-4254-B4D7-C74A03F1F869}" dt="2025-10-07T06:52:38.147" v="5" actId="552"/>
+          <ac:spMkLst>
+            <pc:docMk/>
+            <pc:sldMk cId="3489260295" sldId="260"/>
+            <ac:spMk id="14" creationId="{9491729C-B102-4164-A4B4-A47965957282}"/>
+          </ac:spMkLst>
+        </pc:spChg>
+        <pc:spChg chg="add mod">
+          <ac:chgData name="Matteo Francia" userId="fbe833e6-b551-4418-a2a7-4d1023d25bd4" providerId="ADAL" clId="{311254AA-4EF9-4254-B4D7-C74A03F1F869}" dt="2025-10-07T06:52:12.410" v="4"/>
+          <ac:spMkLst>
+            <pc:docMk/>
+            <pc:sldMk cId="3489260295" sldId="260"/>
+            <ac:spMk id="15" creationId="{5EEA6E57-1511-49AC-ABD8-7A5AEE76DFB4}"/>
+          </ac:spMkLst>
+        </pc:spChg>
+        <pc:spChg chg="add mod">
+          <ac:chgData name="Matteo Francia" userId="fbe833e6-b551-4418-a2a7-4d1023d25bd4" providerId="ADAL" clId="{311254AA-4EF9-4254-B4D7-C74A03F1F869}" dt="2025-10-07T06:52:12.410" v="4"/>
+          <ac:spMkLst>
+            <pc:docMk/>
+            <pc:sldMk cId="3489260295" sldId="260"/>
+            <ac:spMk id="16" creationId="{63177FD2-7A6E-4FB3-B189-9B2874A254F2}"/>
+          </ac:spMkLst>
+        </pc:spChg>
+        <pc:spChg chg="add mod">
+          <ac:chgData name="Matteo Francia" userId="fbe833e6-b551-4418-a2a7-4d1023d25bd4" providerId="ADAL" clId="{311254AA-4EF9-4254-B4D7-C74A03F1F869}" dt="2025-10-07T06:52:12.410" v="4"/>
+          <ac:spMkLst>
+            <pc:docMk/>
+            <pc:sldMk cId="3489260295" sldId="260"/>
+            <ac:spMk id="17" creationId="{A7E44423-813B-4C8C-8964-2FA85F6736C9}"/>
+          </ac:spMkLst>
+        </pc:spChg>
+        <pc:picChg chg="add mod">
+          <ac:chgData name="Matteo Francia" userId="fbe833e6-b551-4418-a2a7-4d1023d25bd4" providerId="ADAL" clId="{311254AA-4EF9-4254-B4D7-C74A03F1F869}" dt="2025-10-07T06:52:12.410" v="4"/>
+          <ac:picMkLst>
+            <pc:docMk/>
+            <pc:sldMk cId="3489260295" sldId="260"/>
+            <ac:picMk id="12" creationId="{4B569E36-E15D-4426-88C0-D7B96854281E}"/>
+          </ac:picMkLst>
+        </pc:picChg>
+      </pc:sldChg>
+    </pc:docChg>
+  </pc:docChgLst>
   <pc:docChgLst>
     <pc:chgData name="Matteo Francia" userId="fbe833e6-b551-4418-a2a7-4d1023d25bd4" providerId="ADAL" clId="{9BDAC726-A033-456D-871E-61EBD8BAEF58}"/>
     <pc:docChg chg="undo custSel addSld modSld">
@@ -3328,7 +3473,7 @@
           <a:p>
             <a:fld id="{E531EAE6-DB01-47E1-A442-261F67AA92F8}" type="datetimeFigureOut">
               <a:rPr lang="en-US" smtClean="0"/>
-              <a:t>11/11/2024</a:t>
+              <a:t>10/7/2025</a:t>
             </a:fld>
             <a:endParaRPr lang="en-US"/>
           </a:p>
@@ -3526,7 +3671,7 @@
           <a:p>
             <a:fld id="{E531EAE6-DB01-47E1-A442-261F67AA92F8}" type="datetimeFigureOut">
               <a:rPr lang="en-US" smtClean="0"/>
-              <a:t>11/11/2024</a:t>
+              <a:t>10/7/2025</a:t>
             </a:fld>
             <a:endParaRPr lang="en-US"/>
           </a:p>
@@ -3734,7 +3879,7 @@
           <a:p>
             <a:fld id="{E531EAE6-DB01-47E1-A442-261F67AA92F8}" type="datetimeFigureOut">
               <a:rPr lang="en-US" smtClean="0"/>
-              <a:t>11/11/2024</a:t>
+              <a:t>10/7/2025</a:t>
             </a:fld>
             <a:endParaRPr lang="en-US"/>
           </a:p>
@@ -3932,7 +4077,7 @@
           <a:p>
             <a:fld id="{E531EAE6-DB01-47E1-A442-261F67AA92F8}" type="datetimeFigureOut">
               <a:rPr lang="en-US" smtClean="0"/>
-              <a:t>11/11/2024</a:t>
+              <a:t>10/7/2025</a:t>
             </a:fld>
             <a:endParaRPr lang="en-US"/>
           </a:p>
@@ -4207,7 +4352,7 @@
           <a:p>
             <a:fld id="{E531EAE6-DB01-47E1-A442-261F67AA92F8}" type="datetimeFigureOut">
               <a:rPr lang="en-US" smtClean="0"/>
-              <a:t>11/11/2024</a:t>
+              <a:t>10/7/2025</a:t>
             </a:fld>
             <a:endParaRPr lang="en-US"/>
           </a:p>
@@ -4472,7 +4617,7 @@
           <a:p>
             <a:fld id="{E531EAE6-DB01-47E1-A442-261F67AA92F8}" type="datetimeFigureOut">
               <a:rPr lang="en-US" smtClean="0"/>
-              <a:t>11/11/2024</a:t>
+              <a:t>10/7/2025</a:t>
             </a:fld>
             <a:endParaRPr lang="en-US"/>
           </a:p>
@@ -4884,7 +5029,7 @@
           <a:p>
             <a:fld id="{E531EAE6-DB01-47E1-A442-261F67AA92F8}" type="datetimeFigureOut">
               <a:rPr lang="en-US" smtClean="0"/>
-              <a:t>11/11/2024</a:t>
+              <a:t>10/7/2025</a:t>
             </a:fld>
             <a:endParaRPr lang="en-US"/>
           </a:p>
@@ -5025,7 +5170,7 @@
           <a:p>
             <a:fld id="{E531EAE6-DB01-47E1-A442-261F67AA92F8}" type="datetimeFigureOut">
               <a:rPr lang="en-US" smtClean="0"/>
-              <a:t>11/11/2024</a:t>
+              <a:t>10/7/2025</a:t>
             </a:fld>
             <a:endParaRPr lang="en-US"/>
           </a:p>
@@ -5138,7 +5283,7 @@
           <a:p>
             <a:fld id="{E531EAE6-DB01-47E1-A442-261F67AA92F8}" type="datetimeFigureOut">
               <a:rPr lang="en-US" smtClean="0"/>
-              <a:t>11/11/2024</a:t>
+              <a:t>10/7/2025</a:t>
             </a:fld>
             <a:endParaRPr lang="en-US"/>
           </a:p>
@@ -5449,7 +5594,7 @@
           <a:p>
             <a:fld id="{E531EAE6-DB01-47E1-A442-261F67AA92F8}" type="datetimeFigureOut">
               <a:rPr lang="en-US" smtClean="0"/>
-              <a:t>11/11/2024</a:t>
+              <a:t>10/7/2025</a:t>
             </a:fld>
             <a:endParaRPr lang="en-US"/>
           </a:p>
@@ -5737,7 +5882,7 @@
           <a:p>
             <a:fld id="{E531EAE6-DB01-47E1-A442-261F67AA92F8}" type="datetimeFigureOut">
               <a:rPr lang="en-US" smtClean="0"/>
-              <a:t>11/11/2024</a:t>
+              <a:t>10/7/2025</a:t>
             </a:fld>
             <a:endParaRPr lang="en-US"/>
           </a:p>
@@ -5978,7 +6123,7 @@
           <a:p>
             <a:fld id="{E531EAE6-DB01-47E1-A442-261F67AA92F8}" type="datetimeFigureOut">
               <a:rPr lang="en-US" smtClean="0"/>
-              <a:t>11/11/2024</a:t>
+              <a:t>10/7/2025</a:t>
             </a:fld>
             <a:endParaRPr lang="en-US"/>
           </a:p>
@@ -6395,6 +6540,992 @@
           <a:chExt cx="0" cy="0"/>
         </a:xfrm>
       </p:grpSpPr>
+      <p:sp>
+        <p:nvSpPr>
+          <p:cNvPr id="4" name="Rettangolo 3">
+            <a:extLst>
+              <a:ext uri="{FF2B5EF4-FFF2-40B4-BE49-F238E27FC236}">
+                <a16:creationId xmlns:a16="http://schemas.microsoft.com/office/drawing/2014/main" id="{328B136E-0EF1-449D-B8CD-34C80C851327}"/>
+              </a:ext>
+            </a:extLst>
+          </p:cNvPr>
+          <p:cNvSpPr/>
+          <p:nvPr/>
+        </p:nvSpPr>
+        <p:spPr>
+          <a:xfrm>
+            <a:off x="3313404" y="1218886"/>
+            <a:ext cx="2924300" cy="2205956"/>
+          </a:xfrm>
+          <a:prstGeom prst="rect">
+            <a:avLst/>
+          </a:prstGeom>
+          <a:solidFill>
+            <a:srgbClr val="DA5354">
+              <a:alpha val="50196"/>
+            </a:srgbClr>
+          </a:solidFill>
+          <a:ln>
+            <a:solidFill>
+              <a:schemeClr val="tx1"/>
+            </a:solidFill>
+          </a:ln>
+        </p:spPr>
+        <p:style>
+          <a:lnRef idx="2">
+            <a:schemeClr val="accent1">
+              <a:shade val="50000"/>
+            </a:schemeClr>
+          </a:lnRef>
+          <a:fillRef idx="1">
+            <a:schemeClr val="accent1"/>
+          </a:fillRef>
+          <a:effectRef idx="0">
+            <a:schemeClr val="accent1"/>
+          </a:effectRef>
+          <a:fontRef idx="minor">
+            <a:schemeClr val="lt1"/>
+          </a:fontRef>
+        </p:style>
+        <p:txBody>
+          <a:bodyPr rtlCol="0" anchor="ctr"/>
+          <a:lstStyle/>
+          <a:p>
+            <a:pPr algn="ctr"/>
+            <a:r>
+              <a:rPr lang="it-IT" dirty="0">
+                <a:solidFill>
+                  <a:schemeClr val="tx1"/>
+                </a:solidFill>
+              </a:rPr>
+              <a:t>Information Systems &amp; Business Intelligence</a:t>
+            </a:r>
+          </a:p>
+          <a:p>
+            <a:pPr algn="ctr"/>
+            <a:endParaRPr lang="it-IT" dirty="0">
+              <a:solidFill>
+                <a:schemeClr val="tx1"/>
+              </a:solidFill>
+            </a:endParaRPr>
+          </a:p>
+          <a:p>
+            <a:pPr algn="ctr"/>
+            <a:endParaRPr lang="it-IT" dirty="0">
+              <a:solidFill>
+                <a:schemeClr val="tx1"/>
+              </a:solidFill>
+            </a:endParaRPr>
+          </a:p>
+          <a:p>
+            <a:pPr algn="ctr"/>
+            <a:endParaRPr lang="it-IT" dirty="0">
+              <a:solidFill>
+                <a:schemeClr val="tx1"/>
+              </a:solidFill>
+            </a:endParaRPr>
+          </a:p>
+          <a:p>
+            <a:pPr algn="ctr"/>
+            <a:endParaRPr lang="it-IT" dirty="0">
+              <a:solidFill>
+                <a:schemeClr val="tx1"/>
+              </a:solidFill>
+            </a:endParaRPr>
+          </a:p>
+          <a:p>
+            <a:pPr algn="ctr"/>
+            <a:endParaRPr lang="it-IT" dirty="0">
+              <a:solidFill>
+                <a:schemeClr val="tx1"/>
+              </a:solidFill>
+            </a:endParaRPr>
+          </a:p>
+        </p:txBody>
+      </p:sp>
+      <p:sp>
+        <p:nvSpPr>
+          <p:cNvPr id="5" name="Rettangolo 4">
+            <a:extLst>
+              <a:ext uri="{FF2B5EF4-FFF2-40B4-BE49-F238E27FC236}">
+                <a16:creationId xmlns:a16="http://schemas.microsoft.com/office/drawing/2014/main" id="{B59FCE38-D076-4501-BACD-903A43116EF0}"/>
+              </a:ext>
+            </a:extLst>
+          </p:cNvPr>
+          <p:cNvSpPr/>
+          <p:nvPr/>
+        </p:nvSpPr>
+        <p:spPr>
+          <a:xfrm>
+            <a:off x="3327288" y="3619608"/>
+            <a:ext cx="6958103" cy="2279542"/>
+          </a:xfrm>
+          <a:prstGeom prst="rect">
+            <a:avLst/>
+          </a:prstGeom>
+          <a:solidFill>
+            <a:srgbClr val="EC8B34">
+              <a:alpha val="50196"/>
+            </a:srgbClr>
+          </a:solidFill>
+          <a:ln>
+            <a:solidFill>
+              <a:schemeClr val="tx1"/>
+            </a:solidFill>
+          </a:ln>
+        </p:spPr>
+        <p:style>
+          <a:lnRef idx="2">
+            <a:schemeClr val="accent1">
+              <a:shade val="50000"/>
+            </a:schemeClr>
+          </a:lnRef>
+          <a:fillRef idx="1">
+            <a:schemeClr val="accent1"/>
+          </a:fillRef>
+          <a:effectRef idx="0">
+            <a:schemeClr val="accent1"/>
+          </a:effectRef>
+          <a:fontRef idx="minor">
+            <a:schemeClr val="lt1"/>
+          </a:fontRef>
+        </p:style>
+        <p:txBody>
+          <a:bodyPr rtlCol="0" anchor="ctr"/>
+          <a:lstStyle/>
+          <a:p>
+            <a:pPr algn="ctr"/>
+            <a:r>
+              <a:rPr lang="it-IT" dirty="0">
+                <a:solidFill>
+                  <a:schemeClr val="tx1"/>
+                </a:solidFill>
+              </a:rPr>
+              <a:t>Big Data and Cloud </a:t>
+            </a:r>
+            <a:r>
+              <a:rPr lang="it-IT" dirty="0" err="1">
+                <a:solidFill>
+                  <a:schemeClr val="tx1"/>
+                </a:solidFill>
+              </a:rPr>
+              <a:t>Platforms</a:t>
+            </a:r>
+            <a:endParaRPr lang="it-IT" dirty="0">
+              <a:solidFill>
+                <a:schemeClr val="tx1"/>
+              </a:solidFill>
+            </a:endParaRPr>
+          </a:p>
+          <a:p>
+            <a:pPr algn="ctr"/>
+            <a:endParaRPr lang="it-IT" dirty="0">
+              <a:solidFill>
+                <a:schemeClr val="tx1"/>
+              </a:solidFill>
+            </a:endParaRPr>
+          </a:p>
+          <a:p>
+            <a:pPr algn="ctr"/>
+            <a:endParaRPr lang="it-IT" dirty="0">
+              <a:solidFill>
+                <a:schemeClr val="tx1"/>
+              </a:solidFill>
+            </a:endParaRPr>
+          </a:p>
+          <a:p>
+            <a:pPr algn="ctr"/>
+            <a:endParaRPr lang="it-IT" dirty="0">
+              <a:solidFill>
+                <a:schemeClr val="tx1"/>
+              </a:solidFill>
+            </a:endParaRPr>
+          </a:p>
+          <a:p>
+            <a:pPr algn="ctr"/>
+            <a:endParaRPr lang="it-IT" dirty="0">
+              <a:solidFill>
+                <a:schemeClr val="tx1"/>
+              </a:solidFill>
+            </a:endParaRPr>
+          </a:p>
+          <a:p>
+            <a:pPr algn="ctr"/>
+            <a:endParaRPr lang="it-IT" dirty="0">
+              <a:solidFill>
+                <a:schemeClr val="tx1"/>
+              </a:solidFill>
+            </a:endParaRPr>
+          </a:p>
+          <a:p>
+            <a:pPr algn="ctr"/>
+            <a:endParaRPr lang="it-IT" dirty="0">
+              <a:solidFill>
+                <a:schemeClr val="tx1"/>
+              </a:solidFill>
+            </a:endParaRPr>
+          </a:p>
+          <a:p>
+            <a:pPr algn="ctr"/>
+            <a:endParaRPr lang="it-IT" dirty="0">
+              <a:solidFill>
+                <a:schemeClr val="tx1"/>
+              </a:solidFill>
+            </a:endParaRPr>
+          </a:p>
+        </p:txBody>
+      </p:sp>
+      <p:sp>
+        <p:nvSpPr>
+          <p:cNvPr id="6" name="Rettangolo 5">
+            <a:extLst>
+              <a:ext uri="{FF2B5EF4-FFF2-40B4-BE49-F238E27FC236}">
+                <a16:creationId xmlns:a16="http://schemas.microsoft.com/office/drawing/2014/main" id="{529CC3F4-03F9-4CEA-BB04-57E507F2EBF0}"/>
+              </a:ext>
+            </a:extLst>
+          </p:cNvPr>
+          <p:cNvSpPr/>
+          <p:nvPr/>
+        </p:nvSpPr>
+        <p:spPr>
+          <a:xfrm>
+            <a:off x="718147" y="2404333"/>
+            <a:ext cx="1949778" cy="2668636"/>
+          </a:xfrm>
+          <a:prstGeom prst="rect">
+            <a:avLst/>
+          </a:prstGeom>
+          <a:solidFill>
+            <a:srgbClr val="4C76A0">
+              <a:alpha val="50196"/>
+            </a:srgbClr>
+          </a:solidFill>
+          <a:ln>
+            <a:solidFill>
+              <a:schemeClr val="tx1"/>
+            </a:solidFill>
+          </a:ln>
+        </p:spPr>
+        <p:style>
+          <a:lnRef idx="2">
+            <a:schemeClr val="accent1">
+              <a:shade val="50000"/>
+            </a:schemeClr>
+          </a:lnRef>
+          <a:fillRef idx="1">
+            <a:schemeClr val="accent1"/>
+          </a:fillRef>
+          <a:effectRef idx="0">
+            <a:schemeClr val="accent1"/>
+          </a:effectRef>
+          <a:fontRef idx="minor">
+            <a:schemeClr val="lt1"/>
+          </a:fontRef>
+        </p:style>
+        <p:txBody>
+          <a:bodyPr rtlCol="0" anchor="ctr"/>
+          <a:lstStyle/>
+          <a:p>
+            <a:pPr algn="ctr"/>
+            <a:r>
+              <a:rPr lang="it-IT" dirty="0">
+                <a:solidFill>
+                  <a:schemeClr val="tx1"/>
+                </a:solidFill>
+              </a:rPr>
+              <a:t>Databases</a:t>
+            </a:r>
+          </a:p>
+          <a:p>
+            <a:pPr algn="ctr"/>
+            <a:endParaRPr lang="it-IT" dirty="0">
+              <a:solidFill>
+                <a:schemeClr val="tx1"/>
+              </a:solidFill>
+            </a:endParaRPr>
+          </a:p>
+          <a:p>
+            <a:pPr algn="ctr"/>
+            <a:endParaRPr lang="it-IT" dirty="0">
+              <a:solidFill>
+                <a:schemeClr val="tx1"/>
+              </a:solidFill>
+            </a:endParaRPr>
+          </a:p>
+          <a:p>
+            <a:pPr algn="ctr"/>
+            <a:endParaRPr lang="it-IT" dirty="0">
+              <a:solidFill>
+                <a:schemeClr val="tx1"/>
+              </a:solidFill>
+            </a:endParaRPr>
+          </a:p>
+          <a:p>
+            <a:pPr algn="ctr"/>
+            <a:endParaRPr lang="it-IT" dirty="0">
+              <a:solidFill>
+                <a:schemeClr val="tx1"/>
+              </a:solidFill>
+            </a:endParaRPr>
+          </a:p>
+          <a:p>
+            <a:pPr algn="ctr"/>
+            <a:endParaRPr lang="it-IT" dirty="0">
+              <a:solidFill>
+                <a:schemeClr val="tx1"/>
+              </a:solidFill>
+            </a:endParaRPr>
+          </a:p>
+          <a:p>
+            <a:pPr algn="ctr"/>
+            <a:endParaRPr lang="it-IT" dirty="0">
+              <a:solidFill>
+                <a:schemeClr val="tx1"/>
+              </a:solidFill>
+            </a:endParaRPr>
+          </a:p>
+          <a:p>
+            <a:pPr algn="ctr"/>
+            <a:endParaRPr lang="it-IT" dirty="0">
+              <a:solidFill>
+                <a:schemeClr val="tx1"/>
+              </a:solidFill>
+            </a:endParaRPr>
+          </a:p>
+        </p:txBody>
+      </p:sp>
+      <p:sp>
+        <p:nvSpPr>
+          <p:cNvPr id="7" name="Cilindro 6">
+            <a:extLst>
+              <a:ext uri="{FF2B5EF4-FFF2-40B4-BE49-F238E27FC236}">
+                <a16:creationId xmlns:a16="http://schemas.microsoft.com/office/drawing/2014/main" id="{0D1BCC33-7D80-43A0-AA25-FFFC022AE9EA}"/>
+              </a:ext>
+            </a:extLst>
+          </p:cNvPr>
+          <p:cNvSpPr/>
+          <p:nvPr/>
+        </p:nvSpPr>
+        <p:spPr>
+          <a:xfrm>
+            <a:off x="1235836" y="3173528"/>
+            <a:ext cx="914400" cy="1216152"/>
+          </a:xfrm>
+          <a:prstGeom prst="can">
+            <a:avLst/>
+          </a:prstGeom>
+          <a:ln>
+            <a:solidFill>
+              <a:schemeClr val="tx1"/>
+            </a:solidFill>
+          </a:ln>
+        </p:spPr>
+        <p:style>
+          <a:lnRef idx="2">
+            <a:schemeClr val="accent1">
+              <a:shade val="50000"/>
+            </a:schemeClr>
+          </a:lnRef>
+          <a:fillRef idx="1">
+            <a:schemeClr val="accent1"/>
+          </a:fillRef>
+          <a:effectRef idx="0">
+            <a:schemeClr val="accent1"/>
+          </a:effectRef>
+          <a:fontRef idx="minor">
+            <a:schemeClr val="lt1"/>
+          </a:fontRef>
+        </p:style>
+        <p:txBody>
+          <a:bodyPr rtlCol="0" anchor="ctr"/>
+          <a:lstStyle/>
+          <a:p>
+            <a:pPr algn="ctr"/>
+            <a:r>
+              <a:rPr lang="it-IT" sz="1300" dirty="0" err="1"/>
+              <a:t>Relational</a:t>
+            </a:r>
+            <a:r>
+              <a:rPr lang="it-IT" sz="1300" dirty="0"/>
+              <a:t> DB</a:t>
+            </a:r>
+          </a:p>
+        </p:txBody>
+      </p:sp>
+      <p:sp>
+        <p:nvSpPr>
+          <p:cNvPr id="8" name="Cilindro 7">
+            <a:extLst>
+              <a:ext uri="{FF2B5EF4-FFF2-40B4-BE49-F238E27FC236}">
+                <a16:creationId xmlns:a16="http://schemas.microsoft.com/office/drawing/2014/main" id="{667A2D1A-4DDC-4708-8589-DEE4A8670048}"/>
+              </a:ext>
+            </a:extLst>
+          </p:cNvPr>
+          <p:cNvSpPr/>
+          <p:nvPr/>
+        </p:nvSpPr>
+        <p:spPr>
+          <a:xfrm>
+            <a:off x="4460835" y="4392728"/>
+            <a:ext cx="914400" cy="1216152"/>
+          </a:xfrm>
+          <a:prstGeom prst="can">
+            <a:avLst/>
+          </a:prstGeom>
+          <a:ln>
+            <a:solidFill>
+              <a:schemeClr val="tx1"/>
+            </a:solidFill>
+          </a:ln>
+        </p:spPr>
+        <p:style>
+          <a:lnRef idx="2">
+            <a:schemeClr val="accent1">
+              <a:shade val="50000"/>
+            </a:schemeClr>
+          </a:lnRef>
+          <a:fillRef idx="1">
+            <a:schemeClr val="accent1"/>
+          </a:fillRef>
+          <a:effectRef idx="0">
+            <a:schemeClr val="accent1"/>
+          </a:effectRef>
+          <a:fontRef idx="minor">
+            <a:schemeClr val="lt1"/>
+          </a:fontRef>
+        </p:style>
+        <p:txBody>
+          <a:bodyPr rtlCol="0" anchor="ctr"/>
+          <a:lstStyle/>
+          <a:p>
+            <a:pPr algn="ctr"/>
+            <a:r>
+              <a:rPr lang="it-IT" sz="1300" dirty="0" err="1"/>
+              <a:t>NoSQL</a:t>
+            </a:r>
+            <a:r>
+              <a:rPr lang="it-IT" sz="1300" dirty="0"/>
+              <a:t> DB</a:t>
+            </a:r>
+          </a:p>
+        </p:txBody>
+      </p:sp>
+      <p:sp>
+        <p:nvSpPr>
+          <p:cNvPr id="9" name="Cilindro 8">
+            <a:extLst>
+              <a:ext uri="{FF2B5EF4-FFF2-40B4-BE49-F238E27FC236}">
+                <a16:creationId xmlns:a16="http://schemas.microsoft.com/office/drawing/2014/main" id="{C7C337A9-3F9D-450E-AF70-35E6EEF98CAF}"/>
+              </a:ext>
+            </a:extLst>
+          </p:cNvPr>
+          <p:cNvSpPr/>
+          <p:nvPr/>
+        </p:nvSpPr>
+        <p:spPr>
+          <a:xfrm>
+            <a:off x="6671616" y="4392728"/>
+            <a:ext cx="914400" cy="1216152"/>
+          </a:xfrm>
+          <a:prstGeom prst="can">
+            <a:avLst/>
+          </a:prstGeom>
+          <a:ln>
+            <a:solidFill>
+              <a:schemeClr val="tx1"/>
+            </a:solidFill>
+          </a:ln>
+        </p:spPr>
+        <p:style>
+          <a:lnRef idx="2">
+            <a:schemeClr val="accent1">
+              <a:shade val="50000"/>
+            </a:schemeClr>
+          </a:lnRef>
+          <a:fillRef idx="1">
+            <a:schemeClr val="accent1"/>
+          </a:fillRef>
+          <a:effectRef idx="0">
+            <a:schemeClr val="accent1"/>
+          </a:effectRef>
+          <a:fontRef idx="minor">
+            <a:schemeClr val="lt1"/>
+          </a:fontRef>
+        </p:style>
+        <p:txBody>
+          <a:bodyPr rtlCol="0" anchor="ctr"/>
+          <a:lstStyle/>
+          <a:p>
+            <a:pPr algn="ctr"/>
+            <a:r>
+              <a:rPr lang="it-IT" sz="1300" dirty="0"/>
+              <a:t>Data</a:t>
+            </a:r>
+            <a:br>
+              <a:rPr lang="it-IT" sz="1300" dirty="0"/>
+            </a:br>
+            <a:r>
+              <a:rPr lang="it-IT" sz="1300" dirty="0"/>
+              <a:t>Lake</a:t>
+            </a:r>
+          </a:p>
+        </p:txBody>
+      </p:sp>
+      <p:sp>
+        <p:nvSpPr>
+          <p:cNvPr id="10" name="Cilindro 9">
+            <a:extLst>
+              <a:ext uri="{FF2B5EF4-FFF2-40B4-BE49-F238E27FC236}">
+                <a16:creationId xmlns:a16="http://schemas.microsoft.com/office/drawing/2014/main" id="{4F4BC64E-124B-4CBB-B534-23350DCFA10E}"/>
+              </a:ext>
+            </a:extLst>
+          </p:cNvPr>
+          <p:cNvSpPr/>
+          <p:nvPr/>
+        </p:nvSpPr>
+        <p:spPr>
+          <a:xfrm>
+            <a:off x="8882397" y="4392728"/>
+            <a:ext cx="914400" cy="1216152"/>
+          </a:xfrm>
+          <a:prstGeom prst="can">
+            <a:avLst/>
+          </a:prstGeom>
+          <a:ln>
+            <a:solidFill>
+              <a:schemeClr val="tx1"/>
+            </a:solidFill>
+          </a:ln>
+        </p:spPr>
+        <p:style>
+          <a:lnRef idx="2">
+            <a:schemeClr val="accent1">
+              <a:shade val="50000"/>
+            </a:schemeClr>
+          </a:lnRef>
+          <a:fillRef idx="1">
+            <a:schemeClr val="accent1"/>
+          </a:fillRef>
+          <a:effectRef idx="0">
+            <a:schemeClr val="accent1"/>
+          </a:effectRef>
+          <a:fontRef idx="minor">
+            <a:schemeClr val="lt1"/>
+          </a:fontRef>
+        </p:style>
+        <p:txBody>
+          <a:bodyPr rtlCol="0" anchor="ctr"/>
+          <a:lstStyle/>
+          <a:p>
+            <a:pPr algn="ctr"/>
+            <a:r>
+              <a:rPr lang="it-IT" sz="1300" dirty="0"/>
+              <a:t>Data</a:t>
+            </a:r>
+            <a:br>
+              <a:rPr lang="it-IT" sz="1300" dirty="0"/>
+            </a:br>
+            <a:r>
+              <a:rPr lang="it-IT" sz="1300" dirty="0" err="1"/>
+              <a:t>Lakehouse</a:t>
+            </a:r>
+            <a:endParaRPr lang="it-IT" sz="1300" dirty="0"/>
+          </a:p>
+        </p:txBody>
+      </p:sp>
+      <p:sp>
+        <p:nvSpPr>
+          <p:cNvPr id="11" name="Cilindro 10">
+            <a:extLst>
+              <a:ext uri="{FF2B5EF4-FFF2-40B4-BE49-F238E27FC236}">
+                <a16:creationId xmlns:a16="http://schemas.microsoft.com/office/drawing/2014/main" id="{4F868CD8-2C87-419A-825D-C7002355B957}"/>
+              </a:ext>
+            </a:extLst>
+          </p:cNvPr>
+          <p:cNvSpPr/>
+          <p:nvPr/>
+        </p:nvSpPr>
+        <p:spPr>
+          <a:xfrm>
+            <a:off x="4318354" y="2103539"/>
+            <a:ext cx="914400" cy="1216152"/>
+          </a:xfrm>
+          <a:prstGeom prst="can">
+            <a:avLst/>
+          </a:prstGeom>
+          <a:ln>
+            <a:solidFill>
+              <a:schemeClr val="tx1"/>
+            </a:solidFill>
+          </a:ln>
+        </p:spPr>
+        <p:style>
+          <a:lnRef idx="2">
+            <a:schemeClr val="accent1">
+              <a:shade val="50000"/>
+            </a:schemeClr>
+          </a:lnRef>
+          <a:fillRef idx="1">
+            <a:schemeClr val="accent1"/>
+          </a:fillRef>
+          <a:effectRef idx="0">
+            <a:schemeClr val="accent1"/>
+          </a:effectRef>
+          <a:fontRef idx="minor">
+            <a:schemeClr val="lt1"/>
+          </a:fontRef>
+        </p:style>
+        <p:txBody>
+          <a:bodyPr rtlCol="0" anchor="ctr"/>
+          <a:lstStyle/>
+          <a:p>
+            <a:pPr algn="ctr"/>
+            <a:r>
+              <a:rPr lang="it-IT" sz="1300" dirty="0"/>
+              <a:t>DWH</a:t>
+            </a:r>
+          </a:p>
+        </p:txBody>
+      </p:sp>
+      <p:pic>
+        <p:nvPicPr>
+          <p:cNvPr id="12" name="Immagine 11">
+            <a:extLst>
+              <a:ext uri="{FF2B5EF4-FFF2-40B4-BE49-F238E27FC236}">
+                <a16:creationId xmlns:a16="http://schemas.microsoft.com/office/drawing/2014/main" id="{4B569E36-E15D-4426-88C0-D7B96854281E}"/>
+              </a:ext>
+            </a:extLst>
+          </p:cNvPr>
+          <p:cNvPicPr>
+            <a:picLocks noChangeAspect="1"/>
+          </p:cNvPicPr>
+          <p:nvPr/>
+        </p:nvPicPr>
+        <p:blipFill>
+          <a:blip r:embed="rId2"/>
+          <a:stretch>
+            <a:fillRect/>
+          </a:stretch>
+        </p:blipFill>
+        <p:spPr>
+          <a:xfrm>
+            <a:off x="-3153653" y="-1239686"/>
+            <a:ext cx="1958510" cy="3825572"/>
+          </a:xfrm>
+          <a:prstGeom prst="rect">
+            <a:avLst/>
+          </a:prstGeom>
+        </p:spPr>
+      </p:pic>
+      <p:sp>
+        <p:nvSpPr>
+          <p:cNvPr id="13" name="Freccia a destra 12">
+            <a:extLst>
+              <a:ext uri="{FF2B5EF4-FFF2-40B4-BE49-F238E27FC236}">
+                <a16:creationId xmlns:a16="http://schemas.microsoft.com/office/drawing/2014/main" id="{6782E3DF-46B9-46A8-A8F3-B9953653CDF1}"/>
+              </a:ext>
+            </a:extLst>
+          </p:cNvPr>
+          <p:cNvSpPr/>
+          <p:nvPr/>
+        </p:nvSpPr>
+        <p:spPr>
+          <a:xfrm rot="1650588">
+            <a:off x="2312858" y="4226669"/>
+            <a:ext cx="1684638" cy="484632"/>
+          </a:xfrm>
+          <a:prstGeom prst="rightArrow">
+            <a:avLst/>
+          </a:prstGeom>
+          <a:solidFill>
+            <a:schemeClr val="bg1"/>
+          </a:solidFill>
+          <a:ln>
+            <a:solidFill>
+              <a:schemeClr val="tx1"/>
+            </a:solidFill>
+          </a:ln>
+        </p:spPr>
+        <p:style>
+          <a:lnRef idx="2">
+            <a:schemeClr val="accent1">
+              <a:shade val="50000"/>
+            </a:schemeClr>
+          </a:lnRef>
+          <a:fillRef idx="1">
+            <a:schemeClr val="accent1"/>
+          </a:fillRef>
+          <a:effectRef idx="0">
+            <a:schemeClr val="accent1"/>
+          </a:effectRef>
+          <a:fontRef idx="minor">
+            <a:schemeClr val="lt1"/>
+          </a:fontRef>
+        </p:style>
+        <p:txBody>
+          <a:bodyPr rtlCol="0" anchor="ctr"/>
+          <a:lstStyle/>
+          <a:p>
+            <a:pPr algn="ctr"/>
+            <a:endParaRPr lang="it-IT"/>
+          </a:p>
+        </p:txBody>
+      </p:sp>
+      <p:sp>
+        <p:nvSpPr>
+          <p:cNvPr id="14" name="Freccia a destra 13">
+            <a:extLst>
+              <a:ext uri="{FF2B5EF4-FFF2-40B4-BE49-F238E27FC236}">
+                <a16:creationId xmlns:a16="http://schemas.microsoft.com/office/drawing/2014/main" id="{9491729C-B102-4164-A4B4-A47965957282}"/>
+              </a:ext>
+            </a:extLst>
+          </p:cNvPr>
+          <p:cNvSpPr/>
+          <p:nvPr/>
+        </p:nvSpPr>
+        <p:spPr>
+          <a:xfrm rot="20390566">
+            <a:off x="2328081" y="2859555"/>
+            <a:ext cx="1684638" cy="484632"/>
+          </a:xfrm>
+          <a:prstGeom prst="rightArrow">
+            <a:avLst/>
+          </a:prstGeom>
+          <a:solidFill>
+            <a:schemeClr val="bg1"/>
+          </a:solidFill>
+          <a:ln>
+            <a:solidFill>
+              <a:schemeClr val="tx1"/>
+            </a:solidFill>
+          </a:ln>
+        </p:spPr>
+        <p:style>
+          <a:lnRef idx="2">
+            <a:schemeClr val="accent1">
+              <a:shade val="50000"/>
+            </a:schemeClr>
+          </a:lnRef>
+          <a:fillRef idx="1">
+            <a:schemeClr val="accent1"/>
+          </a:fillRef>
+          <a:effectRef idx="0">
+            <a:schemeClr val="accent1"/>
+          </a:effectRef>
+          <a:fontRef idx="minor">
+            <a:schemeClr val="lt1"/>
+          </a:fontRef>
+        </p:style>
+        <p:txBody>
+          <a:bodyPr rtlCol="0" anchor="ctr"/>
+          <a:lstStyle/>
+          <a:p>
+            <a:pPr algn="ctr"/>
+            <a:endParaRPr lang="it-IT"/>
+          </a:p>
+        </p:txBody>
+      </p:sp>
+      <p:sp>
+        <p:nvSpPr>
+          <p:cNvPr id="15" name="Rettangolo 14">
+            <a:extLst>
+              <a:ext uri="{FF2B5EF4-FFF2-40B4-BE49-F238E27FC236}">
+                <a16:creationId xmlns:a16="http://schemas.microsoft.com/office/drawing/2014/main" id="{5EEA6E57-1511-49AC-ABD8-7A5AEE76DFB4}"/>
+              </a:ext>
+            </a:extLst>
+          </p:cNvPr>
+          <p:cNvSpPr/>
+          <p:nvPr/>
+        </p:nvSpPr>
+        <p:spPr>
+          <a:xfrm>
+            <a:off x="10621671" y="1212851"/>
+            <a:ext cx="1231900" cy="4686299"/>
+          </a:xfrm>
+          <a:prstGeom prst="rect">
+            <a:avLst/>
+          </a:prstGeom>
+          <a:solidFill>
+            <a:srgbClr val="569B50">
+              <a:alpha val="50196"/>
+            </a:srgbClr>
+          </a:solidFill>
+          <a:ln>
+            <a:solidFill>
+              <a:schemeClr val="tx1"/>
+            </a:solidFill>
+          </a:ln>
+        </p:spPr>
+        <p:style>
+          <a:lnRef idx="2">
+            <a:schemeClr val="accent1">
+              <a:shade val="50000"/>
+            </a:schemeClr>
+          </a:lnRef>
+          <a:fillRef idx="1">
+            <a:schemeClr val="accent1"/>
+          </a:fillRef>
+          <a:effectRef idx="0">
+            <a:schemeClr val="accent1"/>
+          </a:effectRef>
+          <a:fontRef idx="minor">
+            <a:schemeClr val="lt1"/>
+          </a:fontRef>
+        </p:style>
+        <p:txBody>
+          <a:bodyPr vert="vert" rtlCol="0" anchor="ctr"/>
+          <a:lstStyle/>
+          <a:p>
+            <a:pPr algn="ctr"/>
+            <a:r>
+              <a:rPr lang="it-IT" dirty="0">
+                <a:solidFill>
+                  <a:schemeClr val="tx1"/>
+                </a:solidFill>
+              </a:rPr>
+              <a:t>Data Mining and Machine Learning</a:t>
+            </a:r>
+          </a:p>
+        </p:txBody>
+      </p:sp>
+      <p:sp>
+        <p:nvSpPr>
+          <p:cNvPr id="16" name="Freccia a destra 15">
+            <a:extLst>
+              <a:ext uri="{FF2B5EF4-FFF2-40B4-BE49-F238E27FC236}">
+                <a16:creationId xmlns:a16="http://schemas.microsoft.com/office/drawing/2014/main" id="{63177FD2-7A6E-4FB3-B189-9B2874A254F2}"/>
+              </a:ext>
+            </a:extLst>
+          </p:cNvPr>
+          <p:cNvSpPr/>
+          <p:nvPr/>
+        </p:nvSpPr>
+        <p:spPr>
+          <a:xfrm>
+            <a:off x="5641247" y="4758488"/>
+            <a:ext cx="764357" cy="484632"/>
+          </a:xfrm>
+          <a:prstGeom prst="rightArrow">
+            <a:avLst/>
+          </a:prstGeom>
+          <a:solidFill>
+            <a:schemeClr val="bg1"/>
+          </a:solidFill>
+          <a:ln>
+            <a:solidFill>
+              <a:schemeClr val="tx1"/>
+            </a:solidFill>
+          </a:ln>
+        </p:spPr>
+        <p:style>
+          <a:lnRef idx="2">
+            <a:schemeClr val="accent1">
+              <a:shade val="50000"/>
+            </a:schemeClr>
+          </a:lnRef>
+          <a:fillRef idx="1">
+            <a:schemeClr val="accent1"/>
+          </a:fillRef>
+          <a:effectRef idx="0">
+            <a:schemeClr val="accent1"/>
+          </a:effectRef>
+          <a:fontRef idx="minor">
+            <a:schemeClr val="lt1"/>
+          </a:fontRef>
+        </p:style>
+        <p:txBody>
+          <a:bodyPr rtlCol="0" anchor="ctr"/>
+          <a:lstStyle/>
+          <a:p>
+            <a:pPr algn="ctr"/>
+            <a:endParaRPr lang="it-IT"/>
+          </a:p>
+        </p:txBody>
+      </p:sp>
+      <p:sp>
+        <p:nvSpPr>
+          <p:cNvPr id="17" name="Freccia a destra 16">
+            <a:extLst>
+              <a:ext uri="{FF2B5EF4-FFF2-40B4-BE49-F238E27FC236}">
+                <a16:creationId xmlns:a16="http://schemas.microsoft.com/office/drawing/2014/main" id="{A7E44423-813B-4C8C-8964-2FA85F6736C9}"/>
+              </a:ext>
+            </a:extLst>
+          </p:cNvPr>
+          <p:cNvSpPr/>
+          <p:nvPr/>
+        </p:nvSpPr>
+        <p:spPr>
+          <a:xfrm>
+            <a:off x="7852028" y="4758488"/>
+            <a:ext cx="764357" cy="484632"/>
+          </a:xfrm>
+          <a:prstGeom prst="rightArrow">
+            <a:avLst/>
+          </a:prstGeom>
+          <a:solidFill>
+            <a:schemeClr val="bg1"/>
+          </a:solidFill>
+          <a:ln>
+            <a:solidFill>
+              <a:schemeClr val="tx1"/>
+            </a:solidFill>
+          </a:ln>
+        </p:spPr>
+        <p:style>
+          <a:lnRef idx="2">
+            <a:schemeClr val="accent1">
+              <a:shade val="50000"/>
+            </a:schemeClr>
+          </a:lnRef>
+          <a:fillRef idx="1">
+            <a:schemeClr val="accent1"/>
+          </a:fillRef>
+          <a:effectRef idx="0">
+            <a:schemeClr val="accent1"/>
+          </a:effectRef>
+          <a:fontRef idx="minor">
+            <a:schemeClr val="lt1"/>
+          </a:fontRef>
+        </p:style>
+        <p:txBody>
+          <a:bodyPr rtlCol="0" anchor="ctr"/>
+          <a:lstStyle/>
+          <a:p>
+            <a:pPr algn="ctr"/>
+            <a:endParaRPr lang="it-IT"/>
+          </a:p>
+        </p:txBody>
+      </p:sp>
+    </p:spTree>
+    <p:extLst>
+      <p:ext uri="{BB962C8B-B14F-4D97-AF65-F5344CB8AC3E}">
+        <p14:creationId xmlns:p14="http://schemas.microsoft.com/office/powerpoint/2010/main" val="3489260295"/>
+      </p:ext>
+    </p:extLst>
+  </p:cSld>
+  <p:clrMapOvr>
+    <a:masterClrMapping/>
+  </p:clrMapOvr>
+</p:sld>
+</file>
+
+<file path=ppt/slides/slide2.xml><?xml version="1.0" encoding="utf-8"?>
+<p:sld xmlns:a="http://schemas.openxmlformats.org/drawingml/2006/main" xmlns:r="http://schemas.openxmlformats.org/officeDocument/2006/relationships" xmlns:p="http://schemas.openxmlformats.org/presentationml/2006/main">
+  <p:cSld>
+    <p:spTree>
+      <p:nvGrpSpPr>
+        <p:cNvPr id="1" name=""/>
+        <p:cNvGrpSpPr/>
+        <p:nvPr/>
+      </p:nvGrpSpPr>
+      <p:grpSpPr>
+        <a:xfrm>
+          <a:off x="0" y="0"/>
+          <a:ext cx="0" cy="0"/>
+          <a:chOff x="0" y="0"/>
+          <a:chExt cx="0" cy="0"/>
+        </a:xfrm>
+      </p:grpSpPr>
       <p:grpSp>
         <p:nvGrpSpPr>
           <p:cNvPr id="24" name="Group 23">
@@ -7374,7 +8505,7 @@
 </p:sld>
 </file>
 
-<file path=ppt/slides/slide2.xml><?xml version="1.0" encoding="utf-8"?>
+<file path=ppt/slides/slide3.xml><?xml version="1.0" encoding="utf-8"?>
 <p:sld xmlns:a="http://schemas.openxmlformats.org/drawingml/2006/main" xmlns:r="http://schemas.openxmlformats.org/officeDocument/2006/relationships" xmlns:p="http://schemas.openxmlformats.org/presentationml/2006/main">
   <p:cSld>
     <p:spTree>
@@ -14098,7 +15229,7 @@
 </p:sld>
 </file>
 
-<file path=ppt/slides/slide3.xml><?xml version="1.0" encoding="utf-8"?>
+<file path=ppt/slides/slide4.xml><?xml version="1.0" encoding="utf-8"?>
 <p:sld xmlns:a="http://schemas.openxmlformats.org/drawingml/2006/main" xmlns:r="http://schemas.openxmlformats.org/officeDocument/2006/relationships" xmlns:p="http://schemas.openxmlformats.org/presentationml/2006/main">
   <p:cSld>
     <p:spTree>
@@ -14995,7 +16126,7 @@
 </p:sld>
 </file>
 
-<file path=ppt/slides/slide4.xml><?xml version="1.0" encoding="utf-8"?>
+<file path=ppt/slides/slide5.xml><?xml version="1.0" encoding="utf-8"?>
 <p:sld xmlns:a="http://schemas.openxmlformats.org/drawingml/2006/main" xmlns:r="http://schemas.openxmlformats.org/officeDocument/2006/relationships" xmlns:p="http://schemas.openxmlformats.org/presentationml/2006/main">
   <p:cSld>
     <p:spTree>

--- a/slides/figures.pptx
+++ b/slides/figures.pptx
@@ -10,6 +10,7 @@
     <p:sldId id="257" r:id="rId4"/>
     <p:sldId id="258" r:id="rId5"/>
     <p:sldId id="259" r:id="rId6"/>
+    <p:sldId id="261" r:id="rId7"/>
   </p:sldIdLst>
   <p:sldSz cx="12192000" cy="6858000"/>
   <p:notesSz cx="6858000" cy="9144000"/>
@@ -120,8 +121,8 @@
 <pc:chgInfo xmlns:a="http://schemas.openxmlformats.org/drawingml/2006/main" xmlns:r="http://schemas.openxmlformats.org/officeDocument/2006/relationships" xmlns:ac="http://schemas.microsoft.com/office/drawing/2013/main/command" xmlns:pc="http://schemas.microsoft.com/office/powerpoint/2013/main/command">
   <pc:docChgLst>
     <pc:chgData name="Matteo Francia" userId="fbe833e6-b551-4418-a2a7-4d1023d25bd4" providerId="ADAL" clId="{311254AA-4EF9-4254-B4D7-C74A03F1F869}"/>
-    <pc:docChg chg="custSel addSld modSld sldOrd">
-      <pc:chgData name="Matteo Francia" userId="fbe833e6-b551-4418-a2a7-4d1023d25bd4" providerId="ADAL" clId="{311254AA-4EF9-4254-B4D7-C74A03F1F869}" dt="2025-10-07T06:52:38.147" v="5" actId="552"/>
+    <pc:docChg chg="undo custSel addSld modSld sldOrd">
+      <pc:chgData name="Matteo Francia" userId="fbe833e6-b551-4418-a2a7-4d1023d25bd4" providerId="ADAL" clId="{311254AA-4EF9-4254-B4D7-C74A03F1F869}" dt="2025-10-21T07:29:59.116" v="288" actId="207"/>
       <pc:docMkLst>
         <pc:docMk/>
       </pc:docMkLst>
@@ -259,6 +260,1005 @@
             <ac:picMk id="12" creationId="{4B569E36-E15D-4426-88C0-D7B96854281E}"/>
           </ac:picMkLst>
         </pc:picChg>
+      </pc:sldChg>
+      <pc:sldChg chg="addSp delSp modSp new mod">
+        <pc:chgData name="Matteo Francia" userId="fbe833e6-b551-4418-a2a7-4d1023d25bd4" providerId="ADAL" clId="{311254AA-4EF9-4254-B4D7-C74A03F1F869}" dt="2025-10-21T07:29:59.116" v="288" actId="207"/>
+        <pc:sldMkLst>
+          <pc:docMk/>
+          <pc:sldMk cId="3430071294" sldId="261"/>
+        </pc:sldMkLst>
+        <pc:spChg chg="del">
+          <ac:chgData name="Matteo Francia" userId="fbe833e6-b551-4418-a2a7-4d1023d25bd4" providerId="ADAL" clId="{311254AA-4EF9-4254-B4D7-C74A03F1F869}" dt="2025-10-21T07:21:31.944" v="7" actId="478"/>
+          <ac:spMkLst>
+            <pc:docMk/>
+            <pc:sldMk cId="3430071294" sldId="261"/>
+            <ac:spMk id="2" creationId="{FA01AB42-FCF4-4C0A-8606-9014C40A3AB1}"/>
+          </ac:spMkLst>
+        </pc:spChg>
+        <pc:spChg chg="del">
+          <ac:chgData name="Matteo Francia" userId="fbe833e6-b551-4418-a2a7-4d1023d25bd4" providerId="ADAL" clId="{311254AA-4EF9-4254-B4D7-C74A03F1F869}" dt="2025-10-21T07:21:31.944" v="7" actId="478"/>
+          <ac:spMkLst>
+            <pc:docMk/>
+            <pc:sldMk cId="3430071294" sldId="261"/>
+            <ac:spMk id="3" creationId="{65C36818-6608-4DC3-B683-3470BE2C9A68}"/>
+          </ac:spMkLst>
+        </pc:spChg>
+        <pc:spChg chg="add mod">
+          <ac:chgData name="Matteo Francia" userId="fbe833e6-b551-4418-a2a7-4d1023d25bd4" providerId="ADAL" clId="{311254AA-4EF9-4254-B4D7-C74A03F1F869}" dt="2025-10-21T07:29:28.357" v="282" actId="1076"/>
+          <ac:spMkLst>
+            <pc:docMk/>
+            <pc:sldMk cId="3430071294" sldId="261"/>
+            <ac:spMk id="4" creationId="{EFF204D0-86B7-4A0B-9C03-70B8CAEB2CE6}"/>
+          </ac:spMkLst>
+        </pc:spChg>
+        <pc:spChg chg="add mod topLvl">
+          <ac:chgData name="Matteo Francia" userId="fbe833e6-b551-4418-a2a7-4d1023d25bd4" providerId="ADAL" clId="{311254AA-4EF9-4254-B4D7-C74A03F1F869}" dt="2025-10-21T07:26:40.799" v="226" actId="164"/>
+          <ac:spMkLst>
+            <pc:docMk/>
+            <pc:sldMk cId="3430071294" sldId="261"/>
+            <ac:spMk id="5" creationId="{BAC326DD-5E0E-4563-A708-4AC6FFBDDF32}"/>
+          </ac:spMkLst>
+        </pc:spChg>
+        <pc:spChg chg="add mod topLvl">
+          <ac:chgData name="Matteo Francia" userId="fbe833e6-b551-4418-a2a7-4d1023d25bd4" providerId="ADAL" clId="{311254AA-4EF9-4254-B4D7-C74A03F1F869}" dt="2025-10-21T07:26:40.799" v="226" actId="164"/>
+          <ac:spMkLst>
+            <pc:docMk/>
+            <pc:sldMk cId="3430071294" sldId="261"/>
+            <ac:spMk id="6" creationId="{5861E861-0B52-4A80-9023-0F0B391CDF8C}"/>
+          </ac:spMkLst>
+        </pc:spChg>
+        <pc:spChg chg="add mod topLvl">
+          <ac:chgData name="Matteo Francia" userId="fbe833e6-b551-4418-a2a7-4d1023d25bd4" providerId="ADAL" clId="{311254AA-4EF9-4254-B4D7-C74A03F1F869}" dt="2025-10-21T07:26:40.799" v="226" actId="164"/>
+          <ac:spMkLst>
+            <pc:docMk/>
+            <pc:sldMk cId="3430071294" sldId="261"/>
+            <ac:spMk id="7" creationId="{ED8EB74C-8DE9-4B1D-B73C-4747EECEB0CE}"/>
+          </ac:spMkLst>
+        </pc:spChg>
+        <pc:spChg chg="add mod topLvl">
+          <ac:chgData name="Matteo Francia" userId="fbe833e6-b551-4418-a2a7-4d1023d25bd4" providerId="ADAL" clId="{311254AA-4EF9-4254-B4D7-C74A03F1F869}" dt="2025-10-21T07:26:40.799" v="226" actId="164"/>
+          <ac:spMkLst>
+            <pc:docMk/>
+            <pc:sldMk cId="3430071294" sldId="261"/>
+            <ac:spMk id="8" creationId="{CD7CD046-58CB-4024-BD4F-AFA50D080E2B}"/>
+          </ac:spMkLst>
+        </pc:spChg>
+        <pc:spChg chg="mod">
+          <ac:chgData name="Matteo Francia" userId="fbe833e6-b551-4418-a2a7-4d1023d25bd4" providerId="ADAL" clId="{311254AA-4EF9-4254-B4D7-C74A03F1F869}" dt="2025-10-21T07:22:26.365" v="38" actId="20577"/>
+          <ac:spMkLst>
+            <pc:docMk/>
+            <pc:sldMk cId="3430071294" sldId="261"/>
+            <ac:spMk id="11" creationId="{4DE23869-1604-48CD-99BE-AF0C720180F8}"/>
+          </ac:spMkLst>
+        </pc:spChg>
+        <pc:spChg chg="mod">
+          <ac:chgData name="Matteo Francia" userId="fbe833e6-b551-4418-a2a7-4d1023d25bd4" providerId="ADAL" clId="{311254AA-4EF9-4254-B4D7-C74A03F1F869}" dt="2025-10-21T07:22:21.929" v="34"/>
+          <ac:spMkLst>
+            <pc:docMk/>
+            <pc:sldMk cId="3430071294" sldId="261"/>
+            <ac:spMk id="12" creationId="{A9B57422-3097-40D7-A77D-95091E665C0B}"/>
+          </ac:spMkLst>
+        </pc:spChg>
+        <pc:spChg chg="mod">
+          <ac:chgData name="Matteo Francia" userId="fbe833e6-b551-4418-a2a7-4d1023d25bd4" providerId="ADAL" clId="{311254AA-4EF9-4254-B4D7-C74A03F1F869}" dt="2025-10-21T07:22:21.929" v="34"/>
+          <ac:spMkLst>
+            <pc:docMk/>
+            <pc:sldMk cId="3430071294" sldId="261"/>
+            <ac:spMk id="13" creationId="{2EE17586-5877-44BD-B9DD-4E16E311DA91}"/>
+          </ac:spMkLst>
+        </pc:spChg>
+        <pc:spChg chg="mod">
+          <ac:chgData name="Matteo Francia" userId="fbe833e6-b551-4418-a2a7-4d1023d25bd4" providerId="ADAL" clId="{311254AA-4EF9-4254-B4D7-C74A03F1F869}" dt="2025-10-21T07:22:21.929" v="34"/>
+          <ac:spMkLst>
+            <pc:docMk/>
+            <pc:sldMk cId="3430071294" sldId="261"/>
+            <ac:spMk id="14" creationId="{011F74DA-1116-42CA-88F6-10B4E4FE0C8F}"/>
+          </ac:spMkLst>
+        </pc:spChg>
+        <pc:spChg chg="add mod">
+          <ac:chgData name="Matteo Francia" userId="fbe833e6-b551-4418-a2a7-4d1023d25bd4" providerId="ADAL" clId="{311254AA-4EF9-4254-B4D7-C74A03F1F869}" dt="2025-10-21T07:25:57.984" v="171" actId="164"/>
+          <ac:spMkLst>
+            <pc:docMk/>
+            <pc:sldMk cId="3430071294" sldId="261"/>
+            <ac:spMk id="15" creationId="{EDC8FF47-1CE4-4F60-9DC3-7BA529D4B641}"/>
+          </ac:spMkLst>
+        </pc:spChg>
+        <pc:spChg chg="add mod">
+          <ac:chgData name="Matteo Francia" userId="fbe833e6-b551-4418-a2a7-4d1023d25bd4" providerId="ADAL" clId="{311254AA-4EF9-4254-B4D7-C74A03F1F869}" dt="2025-10-21T07:25:57.984" v="171" actId="164"/>
+          <ac:spMkLst>
+            <pc:docMk/>
+            <pc:sldMk cId="3430071294" sldId="261"/>
+            <ac:spMk id="16" creationId="{9AD60953-C331-4602-87A7-DEC8D6836671}"/>
+          </ac:spMkLst>
+        </pc:spChg>
+        <pc:spChg chg="add mod">
+          <ac:chgData name="Matteo Francia" userId="fbe833e6-b551-4418-a2a7-4d1023d25bd4" providerId="ADAL" clId="{311254AA-4EF9-4254-B4D7-C74A03F1F869}" dt="2025-10-21T07:25:57.984" v="171" actId="164"/>
+          <ac:spMkLst>
+            <pc:docMk/>
+            <pc:sldMk cId="3430071294" sldId="261"/>
+            <ac:spMk id="17" creationId="{6D109FFB-2C27-4C00-924B-6C5AAA49E532}"/>
+          </ac:spMkLst>
+        </pc:spChg>
+        <pc:spChg chg="add mod">
+          <ac:chgData name="Matteo Francia" userId="fbe833e6-b551-4418-a2a7-4d1023d25bd4" providerId="ADAL" clId="{311254AA-4EF9-4254-B4D7-C74A03F1F869}" dt="2025-10-21T07:25:57.984" v="171" actId="164"/>
+          <ac:spMkLst>
+            <pc:docMk/>
+            <pc:sldMk cId="3430071294" sldId="261"/>
+            <ac:spMk id="18" creationId="{08040202-43AB-4247-B1B4-7E16123A8FE5}"/>
+          </ac:spMkLst>
+        </pc:spChg>
+        <pc:spChg chg="add mod">
+          <ac:chgData name="Matteo Francia" userId="fbe833e6-b551-4418-a2a7-4d1023d25bd4" providerId="ADAL" clId="{311254AA-4EF9-4254-B4D7-C74A03F1F869}" dt="2025-10-21T07:25:57.984" v="171" actId="164"/>
+          <ac:spMkLst>
+            <pc:docMk/>
+            <pc:sldMk cId="3430071294" sldId="261"/>
+            <ac:spMk id="19" creationId="{5A268FCB-60C0-4B76-970E-011962564634}"/>
+          </ac:spMkLst>
+        </pc:spChg>
+        <pc:spChg chg="add mod">
+          <ac:chgData name="Matteo Francia" userId="fbe833e6-b551-4418-a2a7-4d1023d25bd4" providerId="ADAL" clId="{311254AA-4EF9-4254-B4D7-C74A03F1F869}" dt="2025-10-21T07:25:57.984" v="171" actId="164"/>
+          <ac:spMkLst>
+            <pc:docMk/>
+            <pc:sldMk cId="3430071294" sldId="261"/>
+            <ac:spMk id="20" creationId="{F8E357B3-3BF6-4B4D-A9AB-F32FBA9E63C2}"/>
+          </ac:spMkLst>
+        </pc:spChg>
+        <pc:spChg chg="add mod">
+          <ac:chgData name="Matteo Francia" userId="fbe833e6-b551-4418-a2a7-4d1023d25bd4" providerId="ADAL" clId="{311254AA-4EF9-4254-B4D7-C74A03F1F869}" dt="2025-10-21T07:26:52.176" v="228" actId="164"/>
+          <ac:spMkLst>
+            <pc:docMk/>
+            <pc:sldMk cId="3430071294" sldId="261"/>
+            <ac:spMk id="21" creationId="{3A7DFE6D-03B8-4CCD-84C4-BC3AECEE01E2}"/>
+          </ac:spMkLst>
+        </pc:spChg>
+        <pc:spChg chg="add mod">
+          <ac:chgData name="Matteo Francia" userId="fbe833e6-b551-4418-a2a7-4d1023d25bd4" providerId="ADAL" clId="{311254AA-4EF9-4254-B4D7-C74A03F1F869}" dt="2025-10-21T07:26:52.176" v="228" actId="164"/>
+          <ac:spMkLst>
+            <pc:docMk/>
+            <pc:sldMk cId="3430071294" sldId="261"/>
+            <ac:spMk id="22" creationId="{61E1252A-A4A0-4DB3-9A48-75F2A0E433E2}"/>
+          </ac:spMkLst>
+        </pc:spChg>
+        <pc:spChg chg="add mod">
+          <ac:chgData name="Matteo Francia" userId="fbe833e6-b551-4418-a2a7-4d1023d25bd4" providerId="ADAL" clId="{311254AA-4EF9-4254-B4D7-C74A03F1F869}" dt="2025-10-21T07:26:52.176" v="228" actId="164"/>
+          <ac:spMkLst>
+            <pc:docMk/>
+            <pc:sldMk cId="3430071294" sldId="261"/>
+            <ac:spMk id="23" creationId="{77426073-999B-4374-9F89-95836F1AF05A}"/>
+          </ac:spMkLst>
+        </pc:spChg>
+        <pc:spChg chg="add mod">
+          <ac:chgData name="Matteo Francia" userId="fbe833e6-b551-4418-a2a7-4d1023d25bd4" providerId="ADAL" clId="{311254AA-4EF9-4254-B4D7-C74A03F1F869}" dt="2025-10-21T07:26:52.176" v="228" actId="164"/>
+          <ac:spMkLst>
+            <pc:docMk/>
+            <pc:sldMk cId="3430071294" sldId="261"/>
+            <ac:spMk id="24" creationId="{CB8BEE8A-A16B-4E16-B77D-1C0291651E03}"/>
+          </ac:spMkLst>
+        </pc:spChg>
+        <pc:spChg chg="add mod">
+          <ac:chgData name="Matteo Francia" userId="fbe833e6-b551-4418-a2a7-4d1023d25bd4" providerId="ADAL" clId="{311254AA-4EF9-4254-B4D7-C74A03F1F869}" dt="2025-10-21T07:29:28.357" v="282" actId="1076"/>
+          <ac:spMkLst>
+            <pc:docMk/>
+            <pc:sldMk cId="3430071294" sldId="261"/>
+            <ac:spMk id="25" creationId="{D930A2C6-73FB-4966-BF8A-026897441508}"/>
+          </ac:spMkLst>
+        </pc:spChg>
+        <pc:spChg chg="add mod">
+          <ac:chgData name="Matteo Francia" userId="fbe833e6-b551-4418-a2a7-4d1023d25bd4" providerId="ADAL" clId="{311254AA-4EF9-4254-B4D7-C74A03F1F869}" dt="2025-10-21T07:28:35.569" v="277" actId="571"/>
+          <ac:spMkLst>
+            <pc:docMk/>
+            <pc:sldMk cId="3430071294" sldId="261"/>
+            <ac:spMk id="134" creationId="{F4763112-6586-4873-B224-934FE72E11EA}"/>
+          </ac:spMkLst>
+        </pc:spChg>
+        <pc:spChg chg="mod">
+          <ac:chgData name="Matteo Francia" userId="fbe833e6-b551-4418-a2a7-4d1023d25bd4" providerId="ADAL" clId="{311254AA-4EF9-4254-B4D7-C74A03F1F869}" dt="2025-10-21T07:28:35.569" v="277" actId="571"/>
+          <ac:spMkLst>
+            <pc:docMk/>
+            <pc:sldMk cId="3430071294" sldId="261"/>
+            <ac:spMk id="136" creationId="{2468C633-C6F2-45F0-AD24-593B13C433C8}"/>
+          </ac:spMkLst>
+        </pc:spChg>
+        <pc:spChg chg="mod">
+          <ac:chgData name="Matteo Francia" userId="fbe833e6-b551-4418-a2a7-4d1023d25bd4" providerId="ADAL" clId="{311254AA-4EF9-4254-B4D7-C74A03F1F869}" dt="2025-10-21T07:28:35.569" v="277" actId="571"/>
+          <ac:spMkLst>
+            <pc:docMk/>
+            <pc:sldMk cId="3430071294" sldId="261"/>
+            <ac:spMk id="137" creationId="{95250C4B-A4B7-446E-BBE4-B9B4D822C7B6}"/>
+          </ac:spMkLst>
+        </pc:spChg>
+        <pc:spChg chg="mod">
+          <ac:chgData name="Matteo Francia" userId="fbe833e6-b551-4418-a2a7-4d1023d25bd4" providerId="ADAL" clId="{311254AA-4EF9-4254-B4D7-C74A03F1F869}" dt="2025-10-21T07:28:35.569" v="277" actId="571"/>
+          <ac:spMkLst>
+            <pc:docMk/>
+            <pc:sldMk cId="3430071294" sldId="261"/>
+            <ac:spMk id="138" creationId="{9275A395-BD52-4006-B09A-7F7A6BE74A3B}"/>
+          </ac:spMkLst>
+        </pc:spChg>
+        <pc:spChg chg="mod">
+          <ac:chgData name="Matteo Francia" userId="fbe833e6-b551-4418-a2a7-4d1023d25bd4" providerId="ADAL" clId="{311254AA-4EF9-4254-B4D7-C74A03F1F869}" dt="2025-10-21T07:28:35.569" v="277" actId="571"/>
+          <ac:spMkLst>
+            <pc:docMk/>
+            <pc:sldMk cId="3430071294" sldId="261"/>
+            <ac:spMk id="139" creationId="{EBE67E4A-6944-476B-99EF-83077BA466CB}"/>
+          </ac:spMkLst>
+        </pc:spChg>
+        <pc:spChg chg="mod">
+          <ac:chgData name="Matteo Francia" userId="fbe833e6-b551-4418-a2a7-4d1023d25bd4" providerId="ADAL" clId="{311254AA-4EF9-4254-B4D7-C74A03F1F869}" dt="2025-10-21T07:28:35.569" v="277" actId="571"/>
+          <ac:spMkLst>
+            <pc:docMk/>
+            <pc:sldMk cId="3430071294" sldId="261"/>
+            <ac:spMk id="141" creationId="{73995B5B-8130-4F5C-9EE8-A42B029ABF36}"/>
+          </ac:spMkLst>
+        </pc:spChg>
+        <pc:spChg chg="mod">
+          <ac:chgData name="Matteo Francia" userId="fbe833e6-b551-4418-a2a7-4d1023d25bd4" providerId="ADAL" clId="{311254AA-4EF9-4254-B4D7-C74A03F1F869}" dt="2025-10-21T07:28:35.569" v="277" actId="571"/>
+          <ac:spMkLst>
+            <pc:docMk/>
+            <pc:sldMk cId="3430071294" sldId="261"/>
+            <ac:spMk id="142" creationId="{DE5D31D2-4E3D-4496-9C93-A483258AF7B8}"/>
+          </ac:spMkLst>
+        </pc:spChg>
+        <pc:spChg chg="mod">
+          <ac:chgData name="Matteo Francia" userId="fbe833e6-b551-4418-a2a7-4d1023d25bd4" providerId="ADAL" clId="{311254AA-4EF9-4254-B4D7-C74A03F1F869}" dt="2025-10-21T07:28:35.569" v="277" actId="571"/>
+          <ac:spMkLst>
+            <pc:docMk/>
+            <pc:sldMk cId="3430071294" sldId="261"/>
+            <ac:spMk id="143" creationId="{CF3BF0DE-2488-48F0-B6B7-EC4E770B08FD}"/>
+          </ac:spMkLst>
+        </pc:spChg>
+        <pc:spChg chg="mod">
+          <ac:chgData name="Matteo Francia" userId="fbe833e6-b551-4418-a2a7-4d1023d25bd4" providerId="ADAL" clId="{311254AA-4EF9-4254-B4D7-C74A03F1F869}" dt="2025-10-21T07:28:35.569" v="277" actId="571"/>
+          <ac:spMkLst>
+            <pc:docMk/>
+            <pc:sldMk cId="3430071294" sldId="261"/>
+            <ac:spMk id="144" creationId="{57A0C2BB-AF7C-4208-B820-70631F533518}"/>
+          </ac:spMkLst>
+        </pc:spChg>
+        <pc:spChg chg="mod">
+          <ac:chgData name="Matteo Francia" userId="fbe833e6-b551-4418-a2a7-4d1023d25bd4" providerId="ADAL" clId="{311254AA-4EF9-4254-B4D7-C74A03F1F869}" dt="2025-10-21T07:28:35.569" v="277" actId="571"/>
+          <ac:spMkLst>
+            <pc:docMk/>
+            <pc:sldMk cId="3430071294" sldId="261"/>
+            <ac:spMk id="145" creationId="{B787856D-0AF2-4CC0-9D4F-E3695ED223F7}"/>
+          </ac:spMkLst>
+        </pc:spChg>
+        <pc:spChg chg="mod">
+          <ac:chgData name="Matteo Francia" userId="fbe833e6-b551-4418-a2a7-4d1023d25bd4" providerId="ADAL" clId="{311254AA-4EF9-4254-B4D7-C74A03F1F869}" dt="2025-10-21T07:28:35.569" v="277" actId="571"/>
+          <ac:spMkLst>
+            <pc:docMk/>
+            <pc:sldMk cId="3430071294" sldId="261"/>
+            <ac:spMk id="146" creationId="{8AEC262D-10EB-4012-A88C-9259C99C50DE}"/>
+          </ac:spMkLst>
+        </pc:spChg>
+        <pc:spChg chg="add mod">
+          <ac:chgData name="Matteo Francia" userId="fbe833e6-b551-4418-a2a7-4d1023d25bd4" providerId="ADAL" clId="{311254AA-4EF9-4254-B4D7-C74A03F1F869}" dt="2025-10-21T07:29:34.575" v="284" actId="1076"/>
+          <ac:spMkLst>
+            <pc:docMk/>
+            <pc:sldMk cId="3430071294" sldId="261"/>
+            <ac:spMk id="147" creationId="{C4FE0EE4-A2B8-4B1F-AC94-F164FD292557}"/>
+          </ac:spMkLst>
+        </pc:spChg>
+        <pc:spChg chg="mod">
+          <ac:chgData name="Matteo Francia" userId="fbe833e6-b551-4418-a2a7-4d1023d25bd4" providerId="ADAL" clId="{311254AA-4EF9-4254-B4D7-C74A03F1F869}" dt="2025-10-21T07:29:32.163" v="283"/>
+          <ac:spMkLst>
+            <pc:docMk/>
+            <pc:sldMk cId="3430071294" sldId="261"/>
+            <ac:spMk id="149" creationId="{4B5BEA43-9456-4ED1-B55D-F1F3247DFA8B}"/>
+          </ac:spMkLst>
+        </pc:spChg>
+        <pc:spChg chg="mod">
+          <ac:chgData name="Matteo Francia" userId="fbe833e6-b551-4418-a2a7-4d1023d25bd4" providerId="ADAL" clId="{311254AA-4EF9-4254-B4D7-C74A03F1F869}" dt="2025-10-21T07:29:59.116" v="288" actId="207"/>
+          <ac:spMkLst>
+            <pc:docMk/>
+            <pc:sldMk cId="3430071294" sldId="261"/>
+            <ac:spMk id="150" creationId="{85B0E22F-9A95-46B8-985F-206D5CC51DAB}"/>
+          </ac:spMkLst>
+        </pc:spChg>
+        <pc:spChg chg="mod">
+          <ac:chgData name="Matteo Francia" userId="fbe833e6-b551-4418-a2a7-4d1023d25bd4" providerId="ADAL" clId="{311254AA-4EF9-4254-B4D7-C74A03F1F869}" dt="2025-10-21T07:29:32.163" v="283"/>
+          <ac:spMkLst>
+            <pc:docMk/>
+            <pc:sldMk cId="3430071294" sldId="261"/>
+            <ac:spMk id="151" creationId="{441BB5C9-3452-4DE5-B34C-D922D9AE351F}"/>
+          </ac:spMkLst>
+        </pc:spChg>
+        <pc:spChg chg="mod">
+          <ac:chgData name="Matteo Francia" userId="fbe833e6-b551-4418-a2a7-4d1023d25bd4" providerId="ADAL" clId="{311254AA-4EF9-4254-B4D7-C74A03F1F869}" dt="2025-10-21T07:29:32.163" v="283"/>
+          <ac:spMkLst>
+            <pc:docMk/>
+            <pc:sldMk cId="3430071294" sldId="261"/>
+            <ac:spMk id="152" creationId="{F0B133FC-1D0C-44A9-B77F-56CE2E676EBA}"/>
+          </ac:spMkLst>
+        </pc:spChg>
+        <pc:spChg chg="mod">
+          <ac:chgData name="Matteo Francia" userId="fbe833e6-b551-4418-a2a7-4d1023d25bd4" providerId="ADAL" clId="{311254AA-4EF9-4254-B4D7-C74A03F1F869}" dt="2025-10-21T07:29:32.163" v="283"/>
+          <ac:spMkLst>
+            <pc:docMk/>
+            <pc:sldMk cId="3430071294" sldId="261"/>
+            <ac:spMk id="154" creationId="{49A40FD2-C49C-4430-A0D8-2A5E646ADA4C}"/>
+          </ac:spMkLst>
+        </pc:spChg>
+        <pc:spChg chg="mod">
+          <ac:chgData name="Matteo Francia" userId="fbe833e6-b551-4418-a2a7-4d1023d25bd4" providerId="ADAL" clId="{311254AA-4EF9-4254-B4D7-C74A03F1F869}" dt="2025-10-21T07:29:32.163" v="283"/>
+          <ac:spMkLst>
+            <pc:docMk/>
+            <pc:sldMk cId="3430071294" sldId="261"/>
+            <ac:spMk id="155" creationId="{3B47E496-296B-458E-8A3F-4AC3A9893A20}"/>
+          </ac:spMkLst>
+        </pc:spChg>
+        <pc:spChg chg="mod">
+          <ac:chgData name="Matteo Francia" userId="fbe833e6-b551-4418-a2a7-4d1023d25bd4" providerId="ADAL" clId="{311254AA-4EF9-4254-B4D7-C74A03F1F869}" dt="2025-10-21T07:29:32.163" v="283"/>
+          <ac:spMkLst>
+            <pc:docMk/>
+            <pc:sldMk cId="3430071294" sldId="261"/>
+            <ac:spMk id="156" creationId="{99B9E992-975B-46D2-A7A2-69A0430C31BE}"/>
+          </ac:spMkLst>
+        </pc:spChg>
+        <pc:spChg chg="mod">
+          <ac:chgData name="Matteo Francia" userId="fbe833e6-b551-4418-a2a7-4d1023d25bd4" providerId="ADAL" clId="{311254AA-4EF9-4254-B4D7-C74A03F1F869}" dt="2025-10-21T07:29:32.163" v="283"/>
+          <ac:spMkLst>
+            <pc:docMk/>
+            <pc:sldMk cId="3430071294" sldId="261"/>
+            <ac:spMk id="157" creationId="{D9FF9973-53F2-4BC4-867B-B815C09F0920}"/>
+          </ac:spMkLst>
+        </pc:spChg>
+        <pc:spChg chg="mod">
+          <ac:chgData name="Matteo Francia" userId="fbe833e6-b551-4418-a2a7-4d1023d25bd4" providerId="ADAL" clId="{311254AA-4EF9-4254-B4D7-C74A03F1F869}" dt="2025-10-21T07:29:53.389" v="287" actId="207"/>
+          <ac:spMkLst>
+            <pc:docMk/>
+            <pc:sldMk cId="3430071294" sldId="261"/>
+            <ac:spMk id="158" creationId="{472A9E98-4A37-484A-82C4-0C005CEE6E03}"/>
+          </ac:spMkLst>
+        </pc:spChg>
+        <pc:spChg chg="mod">
+          <ac:chgData name="Matteo Francia" userId="fbe833e6-b551-4418-a2a7-4d1023d25bd4" providerId="ADAL" clId="{311254AA-4EF9-4254-B4D7-C74A03F1F869}" dt="2025-10-21T07:29:32.163" v="283"/>
+          <ac:spMkLst>
+            <pc:docMk/>
+            <pc:sldMk cId="3430071294" sldId="261"/>
+            <ac:spMk id="159" creationId="{3007BDAE-6F6D-42D1-9E84-556966A01249}"/>
+          </ac:spMkLst>
+        </pc:spChg>
+        <pc:spChg chg="mod">
+          <ac:chgData name="Matteo Francia" userId="fbe833e6-b551-4418-a2a7-4d1023d25bd4" providerId="ADAL" clId="{311254AA-4EF9-4254-B4D7-C74A03F1F869}" dt="2025-10-21T07:29:32.163" v="283"/>
+          <ac:spMkLst>
+            <pc:docMk/>
+            <pc:sldMk cId="3430071294" sldId="261"/>
+            <ac:spMk id="161" creationId="{6E85A76F-822D-4B73-8DCC-4B552850B1D7}"/>
+          </ac:spMkLst>
+        </pc:spChg>
+        <pc:spChg chg="mod">
+          <ac:chgData name="Matteo Francia" userId="fbe833e6-b551-4418-a2a7-4d1023d25bd4" providerId="ADAL" clId="{311254AA-4EF9-4254-B4D7-C74A03F1F869}" dt="2025-10-21T07:29:47.750" v="286" actId="207"/>
+          <ac:spMkLst>
+            <pc:docMk/>
+            <pc:sldMk cId="3430071294" sldId="261"/>
+            <ac:spMk id="162" creationId="{DC24DD42-8962-42D9-8D36-B41DEE72ED37}"/>
+          </ac:spMkLst>
+        </pc:spChg>
+        <pc:spChg chg="mod">
+          <ac:chgData name="Matteo Francia" userId="fbe833e6-b551-4418-a2a7-4d1023d25bd4" providerId="ADAL" clId="{311254AA-4EF9-4254-B4D7-C74A03F1F869}" dt="2025-10-21T07:29:32.163" v="283"/>
+          <ac:spMkLst>
+            <pc:docMk/>
+            <pc:sldMk cId="3430071294" sldId="261"/>
+            <ac:spMk id="163" creationId="{A1E8F5B1-9387-4432-8816-7F4967024668}"/>
+          </ac:spMkLst>
+        </pc:spChg>
+        <pc:spChg chg="mod">
+          <ac:chgData name="Matteo Francia" userId="fbe833e6-b551-4418-a2a7-4d1023d25bd4" providerId="ADAL" clId="{311254AA-4EF9-4254-B4D7-C74A03F1F869}" dt="2025-10-21T07:29:32.163" v="283"/>
+          <ac:spMkLst>
+            <pc:docMk/>
+            <pc:sldMk cId="3430071294" sldId="261"/>
+            <ac:spMk id="164" creationId="{CDD98285-759B-4CA3-B212-00B663F40E9F}"/>
+          </ac:spMkLst>
+        </pc:spChg>
+        <pc:spChg chg="add mod">
+          <ac:chgData name="Matteo Francia" userId="fbe833e6-b551-4418-a2a7-4d1023d25bd4" providerId="ADAL" clId="{311254AA-4EF9-4254-B4D7-C74A03F1F869}" dt="2025-10-21T07:29:44.718" v="285" actId="207"/>
+          <ac:spMkLst>
+            <pc:docMk/>
+            <pc:sldMk cId="3430071294" sldId="261"/>
+            <ac:spMk id="165" creationId="{E2325B56-9429-4B0C-9E08-201D4CF8F23F}"/>
+          </ac:spMkLst>
+        </pc:spChg>
+        <pc:grpChg chg="add del mod">
+          <ac:chgData name="Matteo Francia" userId="fbe833e6-b551-4418-a2a7-4d1023d25bd4" providerId="ADAL" clId="{311254AA-4EF9-4254-B4D7-C74A03F1F869}" dt="2025-10-21T07:26:07.489" v="211" actId="165"/>
+          <ac:grpSpMkLst>
+            <pc:docMk/>
+            <pc:sldMk cId="3430071294" sldId="261"/>
+            <ac:grpSpMk id="9" creationId="{3B032968-FEA4-49BA-AB9F-F80A140E73AB}"/>
+          </ac:grpSpMkLst>
+        </pc:grpChg>
+        <pc:grpChg chg="add del mod">
+          <ac:chgData name="Matteo Francia" userId="fbe833e6-b551-4418-a2a7-4d1023d25bd4" providerId="ADAL" clId="{311254AA-4EF9-4254-B4D7-C74A03F1F869}" dt="2025-10-21T07:22:28.915" v="39" actId="478"/>
+          <ac:grpSpMkLst>
+            <pc:docMk/>
+            <pc:sldMk cId="3430071294" sldId="261"/>
+            <ac:grpSpMk id="10" creationId="{DC461A71-E50A-4AD0-A1D2-FC770943F0A2}"/>
+          </ac:grpSpMkLst>
+        </pc:grpChg>
+        <pc:grpChg chg="add mod">
+          <ac:chgData name="Matteo Francia" userId="fbe833e6-b551-4418-a2a7-4d1023d25bd4" providerId="ADAL" clId="{311254AA-4EF9-4254-B4D7-C74A03F1F869}" dt="2025-10-21T07:29:28.357" v="282" actId="1076"/>
+          <ac:grpSpMkLst>
+            <pc:docMk/>
+            <pc:sldMk cId="3430071294" sldId="261"/>
+            <ac:grpSpMk id="69" creationId="{82CA68E1-CF7D-4A71-AE4A-FDE1CC602A03}"/>
+          </ac:grpSpMkLst>
+        </pc:grpChg>
+        <pc:grpChg chg="add mod">
+          <ac:chgData name="Matteo Francia" userId="fbe833e6-b551-4418-a2a7-4d1023d25bd4" providerId="ADAL" clId="{311254AA-4EF9-4254-B4D7-C74A03F1F869}" dt="2025-10-21T07:29:28.357" v="282" actId="1076"/>
+          <ac:grpSpMkLst>
+            <pc:docMk/>
+            <pc:sldMk cId="3430071294" sldId="261"/>
+            <ac:grpSpMk id="83" creationId="{234336F0-48D4-4869-A7B3-4854D5FA23C2}"/>
+          </ac:grpSpMkLst>
+        </pc:grpChg>
+        <pc:grpChg chg="add mod">
+          <ac:chgData name="Matteo Francia" userId="fbe833e6-b551-4418-a2a7-4d1023d25bd4" providerId="ADAL" clId="{311254AA-4EF9-4254-B4D7-C74A03F1F869}" dt="2025-10-21T07:29:28.357" v="282" actId="1076"/>
+          <ac:grpSpMkLst>
+            <pc:docMk/>
+            <pc:sldMk cId="3430071294" sldId="261"/>
+            <ac:grpSpMk id="84" creationId="{D795621A-F494-44CF-AC58-3C41877711B7}"/>
+          </ac:grpSpMkLst>
+        </pc:grpChg>
+        <pc:grpChg chg="add mod">
+          <ac:chgData name="Matteo Francia" userId="fbe833e6-b551-4418-a2a7-4d1023d25bd4" providerId="ADAL" clId="{311254AA-4EF9-4254-B4D7-C74A03F1F869}" dt="2025-10-21T07:28:35.569" v="277" actId="571"/>
+          <ac:grpSpMkLst>
+            <pc:docMk/>
+            <pc:sldMk cId="3430071294" sldId="261"/>
+            <ac:grpSpMk id="135" creationId="{63FC615F-7DBD-42E0-818A-2BCB2DC9E316}"/>
+          </ac:grpSpMkLst>
+        </pc:grpChg>
+        <pc:grpChg chg="add mod">
+          <ac:chgData name="Matteo Francia" userId="fbe833e6-b551-4418-a2a7-4d1023d25bd4" providerId="ADAL" clId="{311254AA-4EF9-4254-B4D7-C74A03F1F869}" dt="2025-10-21T07:28:35.569" v="277" actId="571"/>
+          <ac:grpSpMkLst>
+            <pc:docMk/>
+            <pc:sldMk cId="3430071294" sldId="261"/>
+            <ac:grpSpMk id="140" creationId="{44F08DDA-00DD-4664-B467-5E703CC7D825}"/>
+          </ac:grpSpMkLst>
+        </pc:grpChg>
+        <pc:grpChg chg="add mod">
+          <ac:chgData name="Matteo Francia" userId="fbe833e6-b551-4418-a2a7-4d1023d25bd4" providerId="ADAL" clId="{311254AA-4EF9-4254-B4D7-C74A03F1F869}" dt="2025-10-21T07:29:34.575" v="284" actId="1076"/>
+          <ac:grpSpMkLst>
+            <pc:docMk/>
+            <pc:sldMk cId="3430071294" sldId="261"/>
+            <ac:grpSpMk id="148" creationId="{1FABA7C6-7F29-4588-AF69-16674BBBDD6C}"/>
+          </ac:grpSpMkLst>
+        </pc:grpChg>
+        <pc:grpChg chg="add mod">
+          <ac:chgData name="Matteo Francia" userId="fbe833e6-b551-4418-a2a7-4d1023d25bd4" providerId="ADAL" clId="{311254AA-4EF9-4254-B4D7-C74A03F1F869}" dt="2025-10-21T07:29:34.575" v="284" actId="1076"/>
+          <ac:grpSpMkLst>
+            <pc:docMk/>
+            <pc:sldMk cId="3430071294" sldId="261"/>
+            <ac:grpSpMk id="153" creationId="{F60D0E96-4EB9-45B0-B65F-1F77FBA73825}"/>
+          </ac:grpSpMkLst>
+        </pc:grpChg>
+        <pc:grpChg chg="add mod">
+          <ac:chgData name="Matteo Francia" userId="fbe833e6-b551-4418-a2a7-4d1023d25bd4" providerId="ADAL" clId="{311254AA-4EF9-4254-B4D7-C74A03F1F869}" dt="2025-10-21T07:29:34.575" v="284" actId="1076"/>
+          <ac:grpSpMkLst>
+            <pc:docMk/>
+            <pc:sldMk cId="3430071294" sldId="261"/>
+            <ac:grpSpMk id="160" creationId="{54F54A95-D15A-4EA3-9C40-57CADC8BE8FF}"/>
+          </ac:grpSpMkLst>
+        </pc:grpChg>
+        <pc:cxnChg chg="add mod">
+          <ac:chgData name="Matteo Francia" userId="fbe833e6-b551-4418-a2a7-4d1023d25bd4" providerId="ADAL" clId="{311254AA-4EF9-4254-B4D7-C74A03F1F869}" dt="2025-10-21T07:29:28.357" v="282" actId="1076"/>
+          <ac:cxnSpMkLst>
+            <pc:docMk/>
+            <pc:sldMk cId="3430071294" sldId="261"/>
+            <ac:cxnSpMk id="27" creationId="{5C28F226-77A0-4933-8DE7-258F67549E62}"/>
+          </ac:cxnSpMkLst>
+        </pc:cxnChg>
+        <pc:cxnChg chg="add mod">
+          <ac:chgData name="Matteo Francia" userId="fbe833e6-b551-4418-a2a7-4d1023d25bd4" providerId="ADAL" clId="{311254AA-4EF9-4254-B4D7-C74A03F1F869}" dt="2025-10-21T07:29:28.357" v="282" actId="1076"/>
+          <ac:cxnSpMkLst>
+            <pc:docMk/>
+            <pc:sldMk cId="3430071294" sldId="261"/>
+            <ac:cxnSpMk id="29" creationId="{D1E707BC-A697-44A8-9D7E-BC625B65D933}"/>
+          </ac:cxnSpMkLst>
+        </pc:cxnChg>
+        <pc:cxnChg chg="add mod">
+          <ac:chgData name="Matteo Francia" userId="fbe833e6-b551-4418-a2a7-4d1023d25bd4" providerId="ADAL" clId="{311254AA-4EF9-4254-B4D7-C74A03F1F869}" dt="2025-10-21T07:29:28.357" v="282" actId="1076"/>
+          <ac:cxnSpMkLst>
+            <pc:docMk/>
+            <pc:sldMk cId="3430071294" sldId="261"/>
+            <ac:cxnSpMk id="32" creationId="{2BCB2CB5-05CE-40F5-9591-3C6A51784385}"/>
+          </ac:cxnSpMkLst>
+        </pc:cxnChg>
+        <pc:cxnChg chg="add mod">
+          <ac:chgData name="Matteo Francia" userId="fbe833e6-b551-4418-a2a7-4d1023d25bd4" providerId="ADAL" clId="{311254AA-4EF9-4254-B4D7-C74A03F1F869}" dt="2025-10-21T07:29:28.357" v="282" actId="1076"/>
+          <ac:cxnSpMkLst>
+            <pc:docMk/>
+            <pc:sldMk cId="3430071294" sldId="261"/>
+            <ac:cxnSpMk id="35" creationId="{2C5EFC85-C63B-44C7-B4AB-C27392ED2A03}"/>
+          </ac:cxnSpMkLst>
+        </pc:cxnChg>
+        <pc:cxnChg chg="add mod">
+          <ac:chgData name="Matteo Francia" userId="fbe833e6-b551-4418-a2a7-4d1023d25bd4" providerId="ADAL" clId="{311254AA-4EF9-4254-B4D7-C74A03F1F869}" dt="2025-10-21T07:29:28.357" v="282" actId="1076"/>
+          <ac:cxnSpMkLst>
+            <pc:docMk/>
+            <pc:sldMk cId="3430071294" sldId="261"/>
+            <ac:cxnSpMk id="38" creationId="{AB867CA9-C9E0-4809-AC83-3B9D037262A8}"/>
+          </ac:cxnSpMkLst>
+        </pc:cxnChg>
+        <pc:cxnChg chg="add mod">
+          <ac:chgData name="Matteo Francia" userId="fbe833e6-b551-4418-a2a7-4d1023d25bd4" providerId="ADAL" clId="{311254AA-4EF9-4254-B4D7-C74A03F1F869}" dt="2025-10-21T07:29:28.357" v="282" actId="1076"/>
+          <ac:cxnSpMkLst>
+            <pc:docMk/>
+            <pc:sldMk cId="3430071294" sldId="261"/>
+            <ac:cxnSpMk id="41" creationId="{CF95207B-6A81-4635-80E1-CEC2AB6F4F60}"/>
+          </ac:cxnSpMkLst>
+        </pc:cxnChg>
+        <pc:cxnChg chg="add mod">
+          <ac:chgData name="Matteo Francia" userId="fbe833e6-b551-4418-a2a7-4d1023d25bd4" providerId="ADAL" clId="{311254AA-4EF9-4254-B4D7-C74A03F1F869}" dt="2025-10-21T07:29:28.357" v="282" actId="1076"/>
+          <ac:cxnSpMkLst>
+            <pc:docMk/>
+            <pc:sldMk cId="3430071294" sldId="261"/>
+            <ac:cxnSpMk id="44" creationId="{6E26C0D0-B45C-4209-ADCC-F2748939056B}"/>
+          </ac:cxnSpMkLst>
+        </pc:cxnChg>
+        <pc:cxnChg chg="add mod">
+          <ac:chgData name="Matteo Francia" userId="fbe833e6-b551-4418-a2a7-4d1023d25bd4" providerId="ADAL" clId="{311254AA-4EF9-4254-B4D7-C74A03F1F869}" dt="2025-10-21T07:29:28.357" v="282" actId="1076"/>
+          <ac:cxnSpMkLst>
+            <pc:docMk/>
+            <pc:sldMk cId="3430071294" sldId="261"/>
+            <ac:cxnSpMk id="47" creationId="{F82465AF-CBA3-498D-A7FF-F204374C2B1D}"/>
+          </ac:cxnSpMkLst>
+        </pc:cxnChg>
+        <pc:cxnChg chg="add mod">
+          <ac:chgData name="Matteo Francia" userId="fbe833e6-b551-4418-a2a7-4d1023d25bd4" providerId="ADAL" clId="{311254AA-4EF9-4254-B4D7-C74A03F1F869}" dt="2025-10-21T07:29:28.357" v="282" actId="1076"/>
+          <ac:cxnSpMkLst>
+            <pc:docMk/>
+            <pc:sldMk cId="3430071294" sldId="261"/>
+            <ac:cxnSpMk id="50" creationId="{044393D4-4FDF-4FCA-AF77-E796E24ED23D}"/>
+          </ac:cxnSpMkLst>
+        </pc:cxnChg>
+        <pc:cxnChg chg="add mod">
+          <ac:chgData name="Matteo Francia" userId="fbe833e6-b551-4418-a2a7-4d1023d25bd4" providerId="ADAL" clId="{311254AA-4EF9-4254-B4D7-C74A03F1F869}" dt="2025-10-21T07:29:28.357" v="282" actId="1076"/>
+          <ac:cxnSpMkLst>
+            <pc:docMk/>
+            <pc:sldMk cId="3430071294" sldId="261"/>
+            <ac:cxnSpMk id="53" creationId="{2EF8C15A-6A54-4315-8E2A-8674984973EE}"/>
+          </ac:cxnSpMkLst>
+        </pc:cxnChg>
+        <pc:cxnChg chg="add mod">
+          <ac:chgData name="Matteo Francia" userId="fbe833e6-b551-4418-a2a7-4d1023d25bd4" providerId="ADAL" clId="{311254AA-4EF9-4254-B4D7-C74A03F1F869}" dt="2025-10-21T07:29:28.357" v="282" actId="1076"/>
+          <ac:cxnSpMkLst>
+            <pc:docMk/>
+            <pc:sldMk cId="3430071294" sldId="261"/>
+            <ac:cxnSpMk id="57" creationId="{E95207E8-C431-485E-AFE5-F83E5516C6BB}"/>
+          </ac:cxnSpMkLst>
+        </pc:cxnChg>
+        <pc:cxnChg chg="add mod">
+          <ac:chgData name="Matteo Francia" userId="fbe833e6-b551-4418-a2a7-4d1023d25bd4" providerId="ADAL" clId="{311254AA-4EF9-4254-B4D7-C74A03F1F869}" dt="2025-10-21T07:29:28.357" v="282" actId="1076"/>
+          <ac:cxnSpMkLst>
+            <pc:docMk/>
+            <pc:sldMk cId="3430071294" sldId="261"/>
+            <ac:cxnSpMk id="60" creationId="{A4BEC4D1-F58A-4FA4-BF5F-E7CFD6F0FCE5}"/>
+          </ac:cxnSpMkLst>
+        </pc:cxnChg>
+        <pc:cxnChg chg="add mod">
+          <ac:chgData name="Matteo Francia" userId="fbe833e6-b551-4418-a2a7-4d1023d25bd4" providerId="ADAL" clId="{311254AA-4EF9-4254-B4D7-C74A03F1F869}" dt="2025-10-21T07:29:28.357" v="282" actId="1076"/>
+          <ac:cxnSpMkLst>
+            <pc:docMk/>
+            <pc:sldMk cId="3430071294" sldId="261"/>
+            <ac:cxnSpMk id="63" creationId="{B7A105F4-FB40-4449-885A-AE6C183E1F84}"/>
+          </ac:cxnSpMkLst>
+        </pc:cxnChg>
+        <pc:cxnChg chg="add mod">
+          <ac:chgData name="Matteo Francia" userId="fbe833e6-b551-4418-a2a7-4d1023d25bd4" providerId="ADAL" clId="{311254AA-4EF9-4254-B4D7-C74A03F1F869}" dt="2025-10-21T07:29:28.357" v="282" actId="1076"/>
+          <ac:cxnSpMkLst>
+            <pc:docMk/>
+            <pc:sldMk cId="3430071294" sldId="261"/>
+            <ac:cxnSpMk id="66" creationId="{D171C7A9-0C72-44C8-B2D3-5EDE05A4CCD7}"/>
+          </ac:cxnSpMkLst>
+        </pc:cxnChg>
+        <pc:cxnChg chg="add mod">
+          <ac:chgData name="Matteo Francia" userId="fbe833e6-b551-4418-a2a7-4d1023d25bd4" providerId="ADAL" clId="{311254AA-4EF9-4254-B4D7-C74A03F1F869}" dt="2025-10-21T07:29:28.357" v="282" actId="1076"/>
+          <ac:cxnSpMkLst>
+            <pc:docMk/>
+            <pc:sldMk cId="3430071294" sldId="261"/>
+            <ac:cxnSpMk id="70" creationId="{889F7FC5-AD5E-4118-8471-994CD74B60BE}"/>
+          </ac:cxnSpMkLst>
+        </pc:cxnChg>
+        <pc:cxnChg chg="add mod">
+          <ac:chgData name="Matteo Francia" userId="fbe833e6-b551-4418-a2a7-4d1023d25bd4" providerId="ADAL" clId="{311254AA-4EF9-4254-B4D7-C74A03F1F869}" dt="2025-10-21T07:29:28.357" v="282" actId="1076"/>
+          <ac:cxnSpMkLst>
+            <pc:docMk/>
+            <pc:sldMk cId="3430071294" sldId="261"/>
+            <ac:cxnSpMk id="74" creationId="{2C1FFA9B-E678-4817-BB20-CB9572AC7723}"/>
+          </ac:cxnSpMkLst>
+        </pc:cxnChg>
+        <pc:cxnChg chg="add mod">
+          <ac:chgData name="Matteo Francia" userId="fbe833e6-b551-4418-a2a7-4d1023d25bd4" providerId="ADAL" clId="{311254AA-4EF9-4254-B4D7-C74A03F1F869}" dt="2025-10-21T07:29:28.357" v="282" actId="1076"/>
+          <ac:cxnSpMkLst>
+            <pc:docMk/>
+            <pc:sldMk cId="3430071294" sldId="261"/>
+            <ac:cxnSpMk id="77" creationId="{B5442502-EDAE-4E9E-BB36-3BD783E5C04B}"/>
+          </ac:cxnSpMkLst>
+        </pc:cxnChg>
+        <pc:cxnChg chg="add mod">
+          <ac:chgData name="Matteo Francia" userId="fbe833e6-b551-4418-a2a7-4d1023d25bd4" providerId="ADAL" clId="{311254AA-4EF9-4254-B4D7-C74A03F1F869}" dt="2025-10-21T07:29:28.357" v="282" actId="1076"/>
+          <ac:cxnSpMkLst>
+            <pc:docMk/>
+            <pc:sldMk cId="3430071294" sldId="261"/>
+            <ac:cxnSpMk id="80" creationId="{5E947313-578C-4B94-B4A0-8E88B3436735}"/>
+          </ac:cxnSpMkLst>
+        </pc:cxnChg>
+        <pc:cxnChg chg="add mod">
+          <ac:chgData name="Matteo Francia" userId="fbe833e6-b551-4418-a2a7-4d1023d25bd4" providerId="ADAL" clId="{311254AA-4EF9-4254-B4D7-C74A03F1F869}" dt="2025-10-21T07:29:28.357" v="282" actId="1076"/>
+          <ac:cxnSpMkLst>
+            <pc:docMk/>
+            <pc:sldMk cId="3430071294" sldId="261"/>
+            <ac:cxnSpMk id="85" creationId="{EC0E0308-516D-4DFF-B88F-9D5301A30F01}"/>
+          </ac:cxnSpMkLst>
+        </pc:cxnChg>
+        <pc:cxnChg chg="add mod">
+          <ac:chgData name="Matteo Francia" userId="fbe833e6-b551-4418-a2a7-4d1023d25bd4" providerId="ADAL" clId="{311254AA-4EF9-4254-B4D7-C74A03F1F869}" dt="2025-10-21T07:29:28.357" v="282" actId="1076"/>
+          <ac:cxnSpMkLst>
+            <pc:docMk/>
+            <pc:sldMk cId="3430071294" sldId="261"/>
+            <ac:cxnSpMk id="88" creationId="{DE54CFDD-E802-428E-A49D-6A3417FF5B9C}"/>
+          </ac:cxnSpMkLst>
+        </pc:cxnChg>
+        <pc:cxnChg chg="add mod">
+          <ac:chgData name="Matteo Francia" userId="fbe833e6-b551-4418-a2a7-4d1023d25bd4" providerId="ADAL" clId="{311254AA-4EF9-4254-B4D7-C74A03F1F869}" dt="2025-10-21T07:29:28.357" v="282" actId="1076"/>
+          <ac:cxnSpMkLst>
+            <pc:docMk/>
+            <pc:sldMk cId="3430071294" sldId="261"/>
+            <ac:cxnSpMk id="91" creationId="{A02E1078-9BC3-43C3-BAB9-02EA77423380}"/>
+          </ac:cxnSpMkLst>
+        </pc:cxnChg>
+        <pc:cxnChg chg="add mod">
+          <ac:chgData name="Matteo Francia" userId="fbe833e6-b551-4418-a2a7-4d1023d25bd4" providerId="ADAL" clId="{311254AA-4EF9-4254-B4D7-C74A03F1F869}" dt="2025-10-21T07:29:28.357" v="282" actId="1076"/>
+          <ac:cxnSpMkLst>
+            <pc:docMk/>
+            <pc:sldMk cId="3430071294" sldId="261"/>
+            <ac:cxnSpMk id="94" creationId="{38601383-2C3B-4F45-9D74-C9A4C354CD5F}"/>
+          </ac:cxnSpMkLst>
+        </pc:cxnChg>
+        <pc:cxnChg chg="add mod">
+          <ac:chgData name="Matteo Francia" userId="fbe833e6-b551-4418-a2a7-4d1023d25bd4" providerId="ADAL" clId="{311254AA-4EF9-4254-B4D7-C74A03F1F869}" dt="2025-10-21T07:29:28.357" v="282" actId="1076"/>
+          <ac:cxnSpMkLst>
+            <pc:docMk/>
+            <pc:sldMk cId="3430071294" sldId="261"/>
+            <ac:cxnSpMk id="97" creationId="{A0D552D1-C98A-415B-B231-998F91E87033}"/>
+          </ac:cxnSpMkLst>
+        </pc:cxnChg>
+        <pc:cxnChg chg="add mod">
+          <ac:chgData name="Matteo Francia" userId="fbe833e6-b551-4418-a2a7-4d1023d25bd4" providerId="ADAL" clId="{311254AA-4EF9-4254-B4D7-C74A03F1F869}" dt="2025-10-21T07:29:28.357" v="282" actId="1076"/>
+          <ac:cxnSpMkLst>
+            <pc:docMk/>
+            <pc:sldMk cId="3430071294" sldId="261"/>
+            <ac:cxnSpMk id="100" creationId="{8972A3AF-B624-4C41-91E4-CA019D4E742B}"/>
+          </ac:cxnSpMkLst>
+        </pc:cxnChg>
+        <pc:cxnChg chg="add del mod">
+          <ac:chgData name="Matteo Francia" userId="fbe833e6-b551-4418-a2a7-4d1023d25bd4" providerId="ADAL" clId="{311254AA-4EF9-4254-B4D7-C74A03F1F869}" dt="2025-10-21T07:27:34.235" v="250" actId="478"/>
+          <ac:cxnSpMkLst>
+            <pc:docMk/>
+            <pc:sldMk cId="3430071294" sldId="261"/>
+            <ac:cxnSpMk id="103" creationId="{9B985828-9C28-43E1-B8CC-A3F1FB1DF9E8}"/>
+          </ac:cxnSpMkLst>
+        </pc:cxnChg>
+        <pc:cxnChg chg="add mod">
+          <ac:chgData name="Matteo Francia" userId="fbe833e6-b551-4418-a2a7-4d1023d25bd4" providerId="ADAL" clId="{311254AA-4EF9-4254-B4D7-C74A03F1F869}" dt="2025-10-21T07:29:28.357" v="282" actId="1076"/>
+          <ac:cxnSpMkLst>
+            <pc:docMk/>
+            <pc:sldMk cId="3430071294" sldId="261"/>
+            <ac:cxnSpMk id="106" creationId="{38C3DBB9-AC1B-4202-8487-F96937996FFA}"/>
+          </ac:cxnSpMkLst>
+        </pc:cxnChg>
+        <pc:cxnChg chg="add mod">
+          <ac:chgData name="Matteo Francia" userId="fbe833e6-b551-4418-a2a7-4d1023d25bd4" providerId="ADAL" clId="{311254AA-4EF9-4254-B4D7-C74A03F1F869}" dt="2025-10-21T07:29:28.357" v="282" actId="1076"/>
+          <ac:cxnSpMkLst>
+            <pc:docMk/>
+            <pc:sldMk cId="3430071294" sldId="261"/>
+            <ac:cxnSpMk id="109" creationId="{8CC5C5C6-53CA-4747-B776-8D7CB37FE7EF}"/>
+          </ac:cxnSpMkLst>
+        </pc:cxnChg>
+        <pc:cxnChg chg="add mod">
+          <ac:chgData name="Matteo Francia" userId="fbe833e6-b551-4418-a2a7-4d1023d25bd4" providerId="ADAL" clId="{311254AA-4EF9-4254-B4D7-C74A03F1F869}" dt="2025-10-21T07:29:28.357" v="282" actId="1076"/>
+          <ac:cxnSpMkLst>
+            <pc:docMk/>
+            <pc:sldMk cId="3430071294" sldId="261"/>
+            <ac:cxnSpMk id="112" creationId="{5D41812A-C37E-4EA2-AF14-96564783C8B0}"/>
+          </ac:cxnSpMkLst>
+        </pc:cxnChg>
+        <pc:cxnChg chg="add mod">
+          <ac:chgData name="Matteo Francia" userId="fbe833e6-b551-4418-a2a7-4d1023d25bd4" providerId="ADAL" clId="{311254AA-4EF9-4254-B4D7-C74A03F1F869}" dt="2025-10-21T07:29:28.357" v="282" actId="1076"/>
+          <ac:cxnSpMkLst>
+            <pc:docMk/>
+            <pc:sldMk cId="3430071294" sldId="261"/>
+            <ac:cxnSpMk id="115" creationId="{70F5D3A9-0948-4731-B3F8-F7B3D387DC57}"/>
+          </ac:cxnSpMkLst>
+        </pc:cxnChg>
+        <pc:cxnChg chg="add mod">
+          <ac:chgData name="Matteo Francia" userId="fbe833e6-b551-4418-a2a7-4d1023d25bd4" providerId="ADAL" clId="{311254AA-4EF9-4254-B4D7-C74A03F1F869}" dt="2025-10-21T07:29:28.357" v="282" actId="1076"/>
+          <ac:cxnSpMkLst>
+            <pc:docMk/>
+            <pc:sldMk cId="3430071294" sldId="261"/>
+            <ac:cxnSpMk id="118" creationId="{D67CA0C4-5425-4E44-9124-9CB6581175D3}"/>
+          </ac:cxnSpMkLst>
+        </pc:cxnChg>
+        <pc:cxnChg chg="add mod">
+          <ac:chgData name="Matteo Francia" userId="fbe833e6-b551-4418-a2a7-4d1023d25bd4" providerId="ADAL" clId="{311254AA-4EF9-4254-B4D7-C74A03F1F869}" dt="2025-10-21T07:29:28.357" v="282" actId="1076"/>
+          <ac:cxnSpMkLst>
+            <pc:docMk/>
+            <pc:sldMk cId="3430071294" sldId="261"/>
+            <ac:cxnSpMk id="121" creationId="{59B034F0-8851-4CA5-8D39-EF2BBC8F4F21}"/>
+          </ac:cxnSpMkLst>
+        </pc:cxnChg>
+        <pc:cxnChg chg="add mod">
+          <ac:chgData name="Matteo Francia" userId="fbe833e6-b551-4418-a2a7-4d1023d25bd4" providerId="ADAL" clId="{311254AA-4EF9-4254-B4D7-C74A03F1F869}" dt="2025-10-21T07:29:28.357" v="282" actId="1076"/>
+          <ac:cxnSpMkLst>
+            <pc:docMk/>
+            <pc:sldMk cId="3430071294" sldId="261"/>
+            <ac:cxnSpMk id="124" creationId="{F3A7F63D-6FBC-479D-8FA1-AFD9A53835FE}"/>
+          </ac:cxnSpMkLst>
+        </pc:cxnChg>
+        <pc:cxnChg chg="add mod">
+          <ac:chgData name="Matteo Francia" userId="fbe833e6-b551-4418-a2a7-4d1023d25bd4" providerId="ADAL" clId="{311254AA-4EF9-4254-B4D7-C74A03F1F869}" dt="2025-10-21T07:29:28.357" v="282" actId="1076"/>
+          <ac:cxnSpMkLst>
+            <pc:docMk/>
+            <pc:sldMk cId="3430071294" sldId="261"/>
+            <ac:cxnSpMk id="127" creationId="{81BCCAA7-FD37-4B4E-86AB-7501BE083AA2}"/>
+          </ac:cxnSpMkLst>
+        </pc:cxnChg>
+        <pc:cxnChg chg="add mod">
+          <ac:chgData name="Matteo Francia" userId="fbe833e6-b551-4418-a2a7-4d1023d25bd4" providerId="ADAL" clId="{311254AA-4EF9-4254-B4D7-C74A03F1F869}" dt="2025-10-21T07:29:34.575" v="284" actId="1076"/>
+          <ac:cxnSpMkLst>
+            <pc:docMk/>
+            <pc:sldMk cId="3430071294" sldId="261"/>
+            <ac:cxnSpMk id="166" creationId="{92BD447D-9A6C-41BC-9767-8BBE4FA5DD51}"/>
+          </ac:cxnSpMkLst>
+        </pc:cxnChg>
+        <pc:cxnChg chg="add mod">
+          <ac:chgData name="Matteo Francia" userId="fbe833e6-b551-4418-a2a7-4d1023d25bd4" providerId="ADAL" clId="{311254AA-4EF9-4254-B4D7-C74A03F1F869}" dt="2025-10-21T07:29:34.575" v="284" actId="1076"/>
+          <ac:cxnSpMkLst>
+            <pc:docMk/>
+            <pc:sldMk cId="3430071294" sldId="261"/>
+            <ac:cxnSpMk id="167" creationId="{3B27FCBC-B77D-4D49-97B9-D1DFA7CADE28}"/>
+          </ac:cxnSpMkLst>
+        </pc:cxnChg>
+        <pc:cxnChg chg="add mod">
+          <ac:chgData name="Matteo Francia" userId="fbe833e6-b551-4418-a2a7-4d1023d25bd4" providerId="ADAL" clId="{311254AA-4EF9-4254-B4D7-C74A03F1F869}" dt="2025-10-21T07:29:34.575" v="284" actId="1076"/>
+          <ac:cxnSpMkLst>
+            <pc:docMk/>
+            <pc:sldMk cId="3430071294" sldId="261"/>
+            <ac:cxnSpMk id="168" creationId="{E6D9A336-B3FA-4FB3-8588-EE8EB95E120F}"/>
+          </ac:cxnSpMkLst>
+        </pc:cxnChg>
+        <pc:cxnChg chg="add mod">
+          <ac:chgData name="Matteo Francia" userId="fbe833e6-b551-4418-a2a7-4d1023d25bd4" providerId="ADAL" clId="{311254AA-4EF9-4254-B4D7-C74A03F1F869}" dt="2025-10-21T07:29:34.575" v="284" actId="1076"/>
+          <ac:cxnSpMkLst>
+            <pc:docMk/>
+            <pc:sldMk cId="3430071294" sldId="261"/>
+            <ac:cxnSpMk id="169" creationId="{86A1DD60-153E-480E-8E30-87A69AE794FA}"/>
+          </ac:cxnSpMkLst>
+        </pc:cxnChg>
+        <pc:cxnChg chg="add mod">
+          <ac:chgData name="Matteo Francia" userId="fbe833e6-b551-4418-a2a7-4d1023d25bd4" providerId="ADAL" clId="{311254AA-4EF9-4254-B4D7-C74A03F1F869}" dt="2025-10-21T07:29:34.575" v="284" actId="1076"/>
+          <ac:cxnSpMkLst>
+            <pc:docMk/>
+            <pc:sldMk cId="3430071294" sldId="261"/>
+            <ac:cxnSpMk id="170" creationId="{339522BF-F23E-493E-A7D2-ED4A8E68AE62}"/>
+          </ac:cxnSpMkLst>
+        </pc:cxnChg>
+        <pc:cxnChg chg="add mod">
+          <ac:chgData name="Matteo Francia" userId="fbe833e6-b551-4418-a2a7-4d1023d25bd4" providerId="ADAL" clId="{311254AA-4EF9-4254-B4D7-C74A03F1F869}" dt="2025-10-21T07:29:34.575" v="284" actId="1076"/>
+          <ac:cxnSpMkLst>
+            <pc:docMk/>
+            <pc:sldMk cId="3430071294" sldId="261"/>
+            <ac:cxnSpMk id="171" creationId="{DEB5D3A6-4D43-4DF6-8AE6-974D08D3810F}"/>
+          </ac:cxnSpMkLst>
+        </pc:cxnChg>
+        <pc:cxnChg chg="add mod">
+          <ac:chgData name="Matteo Francia" userId="fbe833e6-b551-4418-a2a7-4d1023d25bd4" providerId="ADAL" clId="{311254AA-4EF9-4254-B4D7-C74A03F1F869}" dt="2025-10-21T07:29:34.575" v="284" actId="1076"/>
+          <ac:cxnSpMkLst>
+            <pc:docMk/>
+            <pc:sldMk cId="3430071294" sldId="261"/>
+            <ac:cxnSpMk id="172" creationId="{B69ED712-48AF-4BAA-BC18-2F4C3C6F2E01}"/>
+          </ac:cxnSpMkLst>
+        </pc:cxnChg>
+        <pc:cxnChg chg="add mod">
+          <ac:chgData name="Matteo Francia" userId="fbe833e6-b551-4418-a2a7-4d1023d25bd4" providerId="ADAL" clId="{311254AA-4EF9-4254-B4D7-C74A03F1F869}" dt="2025-10-21T07:29:34.575" v="284" actId="1076"/>
+          <ac:cxnSpMkLst>
+            <pc:docMk/>
+            <pc:sldMk cId="3430071294" sldId="261"/>
+            <ac:cxnSpMk id="173" creationId="{DFF42CC1-D964-4324-9037-C135FB77FB0C}"/>
+          </ac:cxnSpMkLst>
+        </pc:cxnChg>
+        <pc:cxnChg chg="add mod">
+          <ac:chgData name="Matteo Francia" userId="fbe833e6-b551-4418-a2a7-4d1023d25bd4" providerId="ADAL" clId="{311254AA-4EF9-4254-B4D7-C74A03F1F869}" dt="2025-10-21T07:29:34.575" v="284" actId="1076"/>
+          <ac:cxnSpMkLst>
+            <pc:docMk/>
+            <pc:sldMk cId="3430071294" sldId="261"/>
+            <ac:cxnSpMk id="174" creationId="{CBBCD69B-4299-4984-9D78-87E4AB1A967D}"/>
+          </ac:cxnSpMkLst>
+        </pc:cxnChg>
+        <pc:cxnChg chg="add mod">
+          <ac:chgData name="Matteo Francia" userId="fbe833e6-b551-4418-a2a7-4d1023d25bd4" providerId="ADAL" clId="{311254AA-4EF9-4254-B4D7-C74A03F1F869}" dt="2025-10-21T07:29:34.575" v="284" actId="1076"/>
+          <ac:cxnSpMkLst>
+            <pc:docMk/>
+            <pc:sldMk cId="3430071294" sldId="261"/>
+            <ac:cxnSpMk id="175" creationId="{2207D8A2-0069-4A21-A744-C6CC22B50CB5}"/>
+          </ac:cxnSpMkLst>
+        </pc:cxnChg>
+        <pc:cxnChg chg="add mod">
+          <ac:chgData name="Matteo Francia" userId="fbe833e6-b551-4418-a2a7-4d1023d25bd4" providerId="ADAL" clId="{311254AA-4EF9-4254-B4D7-C74A03F1F869}" dt="2025-10-21T07:29:34.575" v="284" actId="1076"/>
+          <ac:cxnSpMkLst>
+            <pc:docMk/>
+            <pc:sldMk cId="3430071294" sldId="261"/>
+            <ac:cxnSpMk id="176" creationId="{EA45F532-C08D-4852-9BD1-EE9FFDFB8DA4}"/>
+          </ac:cxnSpMkLst>
+        </pc:cxnChg>
+        <pc:cxnChg chg="add mod">
+          <ac:chgData name="Matteo Francia" userId="fbe833e6-b551-4418-a2a7-4d1023d25bd4" providerId="ADAL" clId="{311254AA-4EF9-4254-B4D7-C74A03F1F869}" dt="2025-10-21T07:29:34.575" v="284" actId="1076"/>
+          <ac:cxnSpMkLst>
+            <pc:docMk/>
+            <pc:sldMk cId="3430071294" sldId="261"/>
+            <ac:cxnSpMk id="177" creationId="{33307C18-F49B-4DA5-BA54-1D90DD02478E}"/>
+          </ac:cxnSpMkLst>
+        </pc:cxnChg>
+        <pc:cxnChg chg="add mod">
+          <ac:chgData name="Matteo Francia" userId="fbe833e6-b551-4418-a2a7-4d1023d25bd4" providerId="ADAL" clId="{311254AA-4EF9-4254-B4D7-C74A03F1F869}" dt="2025-10-21T07:29:34.575" v="284" actId="1076"/>
+          <ac:cxnSpMkLst>
+            <pc:docMk/>
+            <pc:sldMk cId="3430071294" sldId="261"/>
+            <ac:cxnSpMk id="178" creationId="{26F386D2-0FD8-4542-83A7-1951F00FDF3A}"/>
+          </ac:cxnSpMkLst>
+        </pc:cxnChg>
+        <pc:cxnChg chg="add mod">
+          <ac:chgData name="Matteo Francia" userId="fbe833e6-b551-4418-a2a7-4d1023d25bd4" providerId="ADAL" clId="{311254AA-4EF9-4254-B4D7-C74A03F1F869}" dt="2025-10-21T07:29:34.575" v="284" actId="1076"/>
+          <ac:cxnSpMkLst>
+            <pc:docMk/>
+            <pc:sldMk cId="3430071294" sldId="261"/>
+            <ac:cxnSpMk id="179" creationId="{88E95A7F-C32C-4ED4-844B-33113CB8EAA5}"/>
+          </ac:cxnSpMkLst>
+        </pc:cxnChg>
+        <pc:cxnChg chg="add mod">
+          <ac:chgData name="Matteo Francia" userId="fbe833e6-b551-4418-a2a7-4d1023d25bd4" providerId="ADAL" clId="{311254AA-4EF9-4254-B4D7-C74A03F1F869}" dt="2025-10-21T07:29:34.575" v="284" actId="1076"/>
+          <ac:cxnSpMkLst>
+            <pc:docMk/>
+            <pc:sldMk cId="3430071294" sldId="261"/>
+            <ac:cxnSpMk id="180" creationId="{99C3B1A9-1509-477D-93CD-73EFE1D8FC48}"/>
+          </ac:cxnSpMkLst>
+        </pc:cxnChg>
+        <pc:cxnChg chg="add mod">
+          <ac:chgData name="Matteo Francia" userId="fbe833e6-b551-4418-a2a7-4d1023d25bd4" providerId="ADAL" clId="{311254AA-4EF9-4254-B4D7-C74A03F1F869}" dt="2025-10-21T07:29:34.575" v="284" actId="1076"/>
+          <ac:cxnSpMkLst>
+            <pc:docMk/>
+            <pc:sldMk cId="3430071294" sldId="261"/>
+            <ac:cxnSpMk id="181" creationId="{A092A57B-B422-4FEC-B060-445A6B63ABE0}"/>
+          </ac:cxnSpMkLst>
+        </pc:cxnChg>
+        <pc:cxnChg chg="add mod">
+          <ac:chgData name="Matteo Francia" userId="fbe833e6-b551-4418-a2a7-4d1023d25bd4" providerId="ADAL" clId="{311254AA-4EF9-4254-B4D7-C74A03F1F869}" dt="2025-10-21T07:29:34.575" v="284" actId="1076"/>
+          <ac:cxnSpMkLst>
+            <pc:docMk/>
+            <pc:sldMk cId="3430071294" sldId="261"/>
+            <ac:cxnSpMk id="182" creationId="{8AD36805-A958-446B-9BA3-31077E865116}"/>
+          </ac:cxnSpMkLst>
+        </pc:cxnChg>
+        <pc:cxnChg chg="add mod">
+          <ac:chgData name="Matteo Francia" userId="fbe833e6-b551-4418-a2a7-4d1023d25bd4" providerId="ADAL" clId="{311254AA-4EF9-4254-B4D7-C74A03F1F869}" dt="2025-10-21T07:29:34.575" v="284" actId="1076"/>
+          <ac:cxnSpMkLst>
+            <pc:docMk/>
+            <pc:sldMk cId="3430071294" sldId="261"/>
+            <ac:cxnSpMk id="183" creationId="{E79734D5-43BA-422C-AD53-047D68582DAB}"/>
+          </ac:cxnSpMkLst>
+        </pc:cxnChg>
+        <pc:cxnChg chg="add mod">
+          <ac:chgData name="Matteo Francia" userId="fbe833e6-b551-4418-a2a7-4d1023d25bd4" providerId="ADAL" clId="{311254AA-4EF9-4254-B4D7-C74A03F1F869}" dt="2025-10-21T07:29:34.575" v="284" actId="1076"/>
+          <ac:cxnSpMkLst>
+            <pc:docMk/>
+            <pc:sldMk cId="3430071294" sldId="261"/>
+            <ac:cxnSpMk id="184" creationId="{6D2B4158-AE58-4E45-BD46-5D39F4168062}"/>
+          </ac:cxnSpMkLst>
+        </pc:cxnChg>
+        <pc:cxnChg chg="add mod">
+          <ac:chgData name="Matteo Francia" userId="fbe833e6-b551-4418-a2a7-4d1023d25bd4" providerId="ADAL" clId="{311254AA-4EF9-4254-B4D7-C74A03F1F869}" dt="2025-10-21T07:29:34.575" v="284" actId="1076"/>
+          <ac:cxnSpMkLst>
+            <pc:docMk/>
+            <pc:sldMk cId="3430071294" sldId="261"/>
+            <ac:cxnSpMk id="185" creationId="{B07399C2-4BFB-4444-8224-1210868089BC}"/>
+          </ac:cxnSpMkLst>
+        </pc:cxnChg>
+        <pc:cxnChg chg="add mod">
+          <ac:chgData name="Matteo Francia" userId="fbe833e6-b551-4418-a2a7-4d1023d25bd4" providerId="ADAL" clId="{311254AA-4EF9-4254-B4D7-C74A03F1F869}" dt="2025-10-21T07:29:34.575" v="284" actId="1076"/>
+          <ac:cxnSpMkLst>
+            <pc:docMk/>
+            <pc:sldMk cId="3430071294" sldId="261"/>
+            <ac:cxnSpMk id="186" creationId="{338837ED-D2AD-4FEF-9312-2B537671D6FE}"/>
+          </ac:cxnSpMkLst>
+        </pc:cxnChg>
+        <pc:cxnChg chg="add mod">
+          <ac:chgData name="Matteo Francia" userId="fbe833e6-b551-4418-a2a7-4d1023d25bd4" providerId="ADAL" clId="{311254AA-4EF9-4254-B4D7-C74A03F1F869}" dt="2025-10-21T07:29:34.575" v="284" actId="1076"/>
+          <ac:cxnSpMkLst>
+            <pc:docMk/>
+            <pc:sldMk cId="3430071294" sldId="261"/>
+            <ac:cxnSpMk id="187" creationId="{51F610CB-6A6D-4BAC-9766-9E8CAEC42832}"/>
+          </ac:cxnSpMkLst>
+        </pc:cxnChg>
+        <pc:cxnChg chg="add mod">
+          <ac:chgData name="Matteo Francia" userId="fbe833e6-b551-4418-a2a7-4d1023d25bd4" providerId="ADAL" clId="{311254AA-4EF9-4254-B4D7-C74A03F1F869}" dt="2025-10-21T07:29:34.575" v="284" actId="1076"/>
+          <ac:cxnSpMkLst>
+            <pc:docMk/>
+            <pc:sldMk cId="3430071294" sldId="261"/>
+            <ac:cxnSpMk id="188" creationId="{9CAD9957-46C7-4D8E-90FD-911CBE03DD7A}"/>
+          </ac:cxnSpMkLst>
+        </pc:cxnChg>
+        <pc:cxnChg chg="add mod">
+          <ac:chgData name="Matteo Francia" userId="fbe833e6-b551-4418-a2a7-4d1023d25bd4" providerId="ADAL" clId="{311254AA-4EF9-4254-B4D7-C74A03F1F869}" dt="2025-10-21T07:29:34.575" v="284" actId="1076"/>
+          <ac:cxnSpMkLst>
+            <pc:docMk/>
+            <pc:sldMk cId="3430071294" sldId="261"/>
+            <ac:cxnSpMk id="189" creationId="{9E067C71-A511-4543-A96E-F266FBC97C27}"/>
+          </ac:cxnSpMkLst>
+        </pc:cxnChg>
+        <pc:cxnChg chg="add mod">
+          <ac:chgData name="Matteo Francia" userId="fbe833e6-b551-4418-a2a7-4d1023d25bd4" providerId="ADAL" clId="{311254AA-4EF9-4254-B4D7-C74A03F1F869}" dt="2025-10-21T07:29:34.575" v="284" actId="1076"/>
+          <ac:cxnSpMkLst>
+            <pc:docMk/>
+            <pc:sldMk cId="3430071294" sldId="261"/>
+            <ac:cxnSpMk id="190" creationId="{D4EAEDC1-803E-411D-B316-414EE911C7AC}"/>
+          </ac:cxnSpMkLst>
+        </pc:cxnChg>
+        <pc:cxnChg chg="add mod">
+          <ac:chgData name="Matteo Francia" userId="fbe833e6-b551-4418-a2a7-4d1023d25bd4" providerId="ADAL" clId="{311254AA-4EF9-4254-B4D7-C74A03F1F869}" dt="2025-10-21T07:29:34.575" v="284" actId="1076"/>
+          <ac:cxnSpMkLst>
+            <pc:docMk/>
+            <pc:sldMk cId="3430071294" sldId="261"/>
+            <ac:cxnSpMk id="191" creationId="{6ABF512D-6389-4DFB-AE10-169BCF96D155}"/>
+          </ac:cxnSpMkLst>
+        </pc:cxnChg>
+        <pc:cxnChg chg="add mod">
+          <ac:chgData name="Matteo Francia" userId="fbe833e6-b551-4418-a2a7-4d1023d25bd4" providerId="ADAL" clId="{311254AA-4EF9-4254-B4D7-C74A03F1F869}" dt="2025-10-21T07:29:34.575" v="284" actId="1076"/>
+          <ac:cxnSpMkLst>
+            <pc:docMk/>
+            <pc:sldMk cId="3430071294" sldId="261"/>
+            <ac:cxnSpMk id="192" creationId="{5078FE5E-21A6-4AB6-8877-23571056910A}"/>
+          </ac:cxnSpMkLst>
+        </pc:cxnChg>
+        <pc:cxnChg chg="add mod">
+          <ac:chgData name="Matteo Francia" userId="fbe833e6-b551-4418-a2a7-4d1023d25bd4" providerId="ADAL" clId="{311254AA-4EF9-4254-B4D7-C74A03F1F869}" dt="2025-10-21T07:29:34.575" v="284" actId="1076"/>
+          <ac:cxnSpMkLst>
+            <pc:docMk/>
+            <pc:sldMk cId="3430071294" sldId="261"/>
+            <ac:cxnSpMk id="193" creationId="{EE6F9272-089B-495B-888C-D2E726EE1568}"/>
+          </ac:cxnSpMkLst>
+        </pc:cxnChg>
+        <pc:cxnChg chg="add mod">
+          <ac:chgData name="Matteo Francia" userId="fbe833e6-b551-4418-a2a7-4d1023d25bd4" providerId="ADAL" clId="{311254AA-4EF9-4254-B4D7-C74A03F1F869}" dt="2025-10-21T07:29:34.575" v="284" actId="1076"/>
+          <ac:cxnSpMkLst>
+            <pc:docMk/>
+            <pc:sldMk cId="3430071294" sldId="261"/>
+            <ac:cxnSpMk id="194" creationId="{4142F764-7DCB-4F12-B8C2-181CA7BDF145}"/>
+          </ac:cxnSpMkLst>
+        </pc:cxnChg>
+        <pc:cxnChg chg="add mod">
+          <ac:chgData name="Matteo Francia" userId="fbe833e6-b551-4418-a2a7-4d1023d25bd4" providerId="ADAL" clId="{311254AA-4EF9-4254-B4D7-C74A03F1F869}" dt="2025-10-21T07:29:34.575" v="284" actId="1076"/>
+          <ac:cxnSpMkLst>
+            <pc:docMk/>
+            <pc:sldMk cId="3430071294" sldId="261"/>
+            <ac:cxnSpMk id="195" creationId="{EE545B7F-9BE3-4212-96C0-2C878A5AFB78}"/>
+          </ac:cxnSpMkLst>
+        </pc:cxnChg>
+        <pc:cxnChg chg="add mod">
+          <ac:chgData name="Matteo Francia" userId="fbe833e6-b551-4418-a2a7-4d1023d25bd4" providerId="ADAL" clId="{311254AA-4EF9-4254-B4D7-C74A03F1F869}" dt="2025-10-21T07:29:34.575" v="284" actId="1076"/>
+          <ac:cxnSpMkLst>
+            <pc:docMk/>
+            <pc:sldMk cId="3430071294" sldId="261"/>
+            <ac:cxnSpMk id="196" creationId="{C46E714D-77A8-4A36-A84D-FB9419FD7ECE}"/>
+          </ac:cxnSpMkLst>
+        </pc:cxnChg>
+        <pc:cxnChg chg="add mod">
+          <ac:chgData name="Matteo Francia" userId="fbe833e6-b551-4418-a2a7-4d1023d25bd4" providerId="ADAL" clId="{311254AA-4EF9-4254-B4D7-C74A03F1F869}" dt="2025-10-21T07:29:34.575" v="284" actId="1076"/>
+          <ac:cxnSpMkLst>
+            <pc:docMk/>
+            <pc:sldMk cId="3430071294" sldId="261"/>
+            <ac:cxnSpMk id="197" creationId="{88525FE8-2AA8-47D7-B734-BE6F616ED7F6}"/>
+          </ac:cxnSpMkLst>
+        </pc:cxnChg>
       </pc:sldChg>
     </pc:docChg>
   </pc:docChgLst>
@@ -3473,7 +4473,7 @@
           <a:p>
             <a:fld id="{E531EAE6-DB01-47E1-A442-261F67AA92F8}" type="datetimeFigureOut">
               <a:rPr lang="en-US" smtClean="0"/>
-              <a:t>10/7/2025</a:t>
+              <a:t>10/21/2025</a:t>
             </a:fld>
             <a:endParaRPr lang="en-US"/>
           </a:p>
@@ -3671,7 +4671,7 @@
           <a:p>
             <a:fld id="{E531EAE6-DB01-47E1-A442-261F67AA92F8}" type="datetimeFigureOut">
               <a:rPr lang="en-US" smtClean="0"/>
-              <a:t>10/7/2025</a:t>
+              <a:t>10/21/2025</a:t>
             </a:fld>
             <a:endParaRPr lang="en-US"/>
           </a:p>
@@ -3879,7 +4879,7 @@
           <a:p>
             <a:fld id="{E531EAE6-DB01-47E1-A442-261F67AA92F8}" type="datetimeFigureOut">
               <a:rPr lang="en-US" smtClean="0"/>
-              <a:t>10/7/2025</a:t>
+              <a:t>10/21/2025</a:t>
             </a:fld>
             <a:endParaRPr lang="en-US"/>
           </a:p>
@@ -4077,7 +5077,7 @@
           <a:p>
             <a:fld id="{E531EAE6-DB01-47E1-A442-261F67AA92F8}" type="datetimeFigureOut">
               <a:rPr lang="en-US" smtClean="0"/>
-              <a:t>10/7/2025</a:t>
+              <a:t>10/21/2025</a:t>
             </a:fld>
             <a:endParaRPr lang="en-US"/>
           </a:p>
@@ -4352,7 +5352,7 @@
           <a:p>
             <a:fld id="{E531EAE6-DB01-47E1-A442-261F67AA92F8}" type="datetimeFigureOut">
               <a:rPr lang="en-US" smtClean="0"/>
-              <a:t>10/7/2025</a:t>
+              <a:t>10/21/2025</a:t>
             </a:fld>
             <a:endParaRPr lang="en-US"/>
           </a:p>
@@ -4617,7 +5617,7 @@
           <a:p>
             <a:fld id="{E531EAE6-DB01-47E1-A442-261F67AA92F8}" type="datetimeFigureOut">
               <a:rPr lang="en-US" smtClean="0"/>
-              <a:t>10/7/2025</a:t>
+              <a:t>10/21/2025</a:t>
             </a:fld>
             <a:endParaRPr lang="en-US"/>
           </a:p>
@@ -5029,7 +6029,7 @@
           <a:p>
             <a:fld id="{E531EAE6-DB01-47E1-A442-261F67AA92F8}" type="datetimeFigureOut">
               <a:rPr lang="en-US" smtClean="0"/>
-              <a:t>10/7/2025</a:t>
+              <a:t>10/21/2025</a:t>
             </a:fld>
             <a:endParaRPr lang="en-US"/>
           </a:p>
@@ -5170,7 +6170,7 @@
           <a:p>
             <a:fld id="{E531EAE6-DB01-47E1-A442-261F67AA92F8}" type="datetimeFigureOut">
               <a:rPr lang="en-US" smtClean="0"/>
-              <a:t>10/7/2025</a:t>
+              <a:t>10/21/2025</a:t>
             </a:fld>
             <a:endParaRPr lang="en-US"/>
           </a:p>
@@ -5283,7 +6283,7 @@
           <a:p>
             <a:fld id="{E531EAE6-DB01-47E1-A442-261F67AA92F8}" type="datetimeFigureOut">
               <a:rPr lang="en-US" smtClean="0"/>
-              <a:t>10/7/2025</a:t>
+              <a:t>10/21/2025</a:t>
             </a:fld>
             <a:endParaRPr lang="en-US"/>
           </a:p>
@@ -5594,7 +6594,7 @@
           <a:p>
             <a:fld id="{E531EAE6-DB01-47E1-A442-261F67AA92F8}" type="datetimeFigureOut">
               <a:rPr lang="en-US" smtClean="0"/>
-              <a:t>10/7/2025</a:t>
+              <a:t>10/21/2025</a:t>
             </a:fld>
             <a:endParaRPr lang="en-US"/>
           </a:p>
@@ -5882,7 +6882,7 @@
           <a:p>
             <a:fld id="{E531EAE6-DB01-47E1-A442-261F67AA92F8}" type="datetimeFigureOut">
               <a:rPr lang="en-US" smtClean="0"/>
-              <a:t>10/7/2025</a:t>
+              <a:t>10/21/2025</a:t>
             </a:fld>
             <a:endParaRPr lang="en-US"/>
           </a:p>
@@ -6123,7 +7123,7 @@
           <a:p>
             <a:fld id="{E531EAE6-DB01-47E1-A442-261F67AA92F8}" type="datetimeFigureOut">
               <a:rPr lang="en-US" smtClean="0"/>
-              <a:t>10/7/2025</a:t>
+              <a:t>10/21/2025</a:t>
             </a:fld>
             <a:endParaRPr lang="en-US"/>
           </a:p>
@@ -22467,6 +23467,3922 @@
 </p:sld>
 </file>
 
+<file path=ppt/slides/slide6.xml><?xml version="1.0" encoding="utf-8"?>
+<p:sld xmlns:a="http://schemas.openxmlformats.org/drawingml/2006/main" xmlns:r="http://schemas.openxmlformats.org/officeDocument/2006/relationships" xmlns:p="http://schemas.openxmlformats.org/presentationml/2006/main">
+  <p:cSld>
+    <p:spTree>
+      <p:nvGrpSpPr>
+        <p:cNvPr id="1" name=""/>
+        <p:cNvGrpSpPr/>
+        <p:nvPr/>
+      </p:nvGrpSpPr>
+      <p:grpSpPr>
+        <a:xfrm>
+          <a:off x="0" y="0"/>
+          <a:ext cx="0" cy="0"/>
+          <a:chOff x="0" y="0"/>
+          <a:chExt cx="0" cy="0"/>
+        </a:xfrm>
+      </p:grpSpPr>
+      <p:sp>
+        <p:nvSpPr>
+          <p:cNvPr id="4" name="CasellaDiTesto 3">
+            <a:extLst>
+              <a:ext uri="{FF2B5EF4-FFF2-40B4-BE49-F238E27FC236}">
+                <a16:creationId xmlns:a16="http://schemas.microsoft.com/office/drawing/2014/main" id="{EFF204D0-86B7-4A0B-9C03-70B8CAEB2CE6}"/>
+              </a:ext>
+            </a:extLst>
+          </p:cNvPr>
+          <p:cNvSpPr txBox="1"/>
+          <p:nvPr/>
+        </p:nvSpPr>
+        <p:spPr>
+          <a:xfrm>
+            <a:off x="2429977" y="3120441"/>
+            <a:ext cx="381836" cy="369332"/>
+          </a:xfrm>
+          <a:prstGeom prst="rect">
+            <a:avLst/>
+          </a:prstGeom>
+          <a:noFill/>
+        </p:spPr>
+        <p:txBody>
+          <a:bodyPr wrap="none" rtlCol="0">
+            <a:spAutoFit/>
+          </a:bodyPr>
+          <a:lstStyle/>
+          <a:p>
+            <a:r>
+              <a:rPr lang="it-IT" dirty="0"/>
+              <a:t>{ }</a:t>
+            </a:r>
+          </a:p>
+        </p:txBody>
+      </p:sp>
+      <p:grpSp>
+        <p:nvGrpSpPr>
+          <p:cNvPr id="83" name="Gruppo 82">
+            <a:extLst>
+              <a:ext uri="{FF2B5EF4-FFF2-40B4-BE49-F238E27FC236}">
+                <a16:creationId xmlns:a16="http://schemas.microsoft.com/office/drawing/2014/main" id="{234336F0-48D4-4869-A7B3-4854D5FA23C2}"/>
+              </a:ext>
+            </a:extLst>
+          </p:cNvPr>
+          <p:cNvGrpSpPr/>
+          <p:nvPr/>
+        </p:nvGrpSpPr>
+        <p:grpSpPr>
+          <a:xfrm>
+            <a:off x="1524193" y="2423705"/>
+            <a:ext cx="2193404" cy="369332"/>
+            <a:chOff x="4322555" y="4720298"/>
+            <a:chExt cx="2193404" cy="369332"/>
+          </a:xfrm>
+        </p:grpSpPr>
+        <p:sp>
+          <p:nvSpPr>
+            <p:cNvPr id="5" name="CasellaDiTesto 4">
+              <a:extLst>
+                <a:ext uri="{FF2B5EF4-FFF2-40B4-BE49-F238E27FC236}">
+                  <a16:creationId xmlns:a16="http://schemas.microsoft.com/office/drawing/2014/main" id="{BAC326DD-5E0E-4563-A708-4AC6FFBDDF32}"/>
+                </a:ext>
+              </a:extLst>
+            </p:cNvPr>
+            <p:cNvSpPr txBox="1"/>
+            <p:nvPr/>
+          </p:nvSpPr>
+          <p:spPr>
+            <a:xfrm>
+              <a:off x="4322555" y="4720298"/>
+              <a:ext cx="599844" cy="369332"/>
+            </a:xfrm>
+            <a:prstGeom prst="rect">
+              <a:avLst/>
+            </a:prstGeom>
+            <a:noFill/>
+          </p:spPr>
+          <p:txBody>
+            <a:bodyPr wrap="none" rtlCol="0">
+              <a:spAutoFit/>
+            </a:bodyPr>
+            <a:lstStyle/>
+            <a:p>
+              <a:r>
+                <a:rPr lang="it-IT" dirty="0"/>
+                <a:t>{ w }</a:t>
+              </a:r>
+            </a:p>
+          </p:txBody>
+        </p:sp>
+        <p:sp>
+          <p:nvSpPr>
+            <p:cNvPr id="6" name="CasellaDiTesto 5">
+              <a:extLst>
+                <a:ext uri="{FF2B5EF4-FFF2-40B4-BE49-F238E27FC236}">
+                  <a16:creationId xmlns:a16="http://schemas.microsoft.com/office/drawing/2014/main" id="{5861E861-0B52-4A80-9023-0F0B391CDF8C}"/>
+                </a:ext>
+              </a:extLst>
+            </p:cNvPr>
+            <p:cNvSpPr txBox="1"/>
+            <p:nvPr/>
+          </p:nvSpPr>
+          <p:spPr>
+            <a:xfrm>
+              <a:off x="4920533" y="4720298"/>
+              <a:ext cx="534121" cy="369332"/>
+            </a:xfrm>
+            <a:prstGeom prst="rect">
+              <a:avLst/>
+            </a:prstGeom>
+            <a:noFill/>
+          </p:spPr>
+          <p:txBody>
+            <a:bodyPr wrap="none" rtlCol="0">
+              <a:spAutoFit/>
+            </a:bodyPr>
+            <a:lstStyle/>
+            <a:p>
+              <a:r>
+                <a:rPr lang="it-IT" dirty="0"/>
+                <a:t>{ x }</a:t>
+              </a:r>
+            </a:p>
+          </p:txBody>
+        </p:sp>
+        <p:sp>
+          <p:nvSpPr>
+            <p:cNvPr id="7" name="CasellaDiTesto 6">
+              <a:extLst>
+                <a:ext uri="{FF2B5EF4-FFF2-40B4-BE49-F238E27FC236}">
+                  <a16:creationId xmlns:a16="http://schemas.microsoft.com/office/drawing/2014/main" id="{ED8EB74C-8DE9-4B1D-B73C-4747EECEB0CE}"/>
+                </a:ext>
+              </a:extLst>
+            </p:cNvPr>
+            <p:cNvSpPr txBox="1"/>
+            <p:nvPr/>
+          </p:nvSpPr>
+          <p:spPr>
+            <a:xfrm>
+              <a:off x="5452788" y="4720298"/>
+              <a:ext cx="538930" cy="369332"/>
+            </a:xfrm>
+            <a:prstGeom prst="rect">
+              <a:avLst/>
+            </a:prstGeom>
+            <a:noFill/>
+          </p:spPr>
+          <p:txBody>
+            <a:bodyPr wrap="none" rtlCol="0">
+              <a:spAutoFit/>
+            </a:bodyPr>
+            <a:lstStyle/>
+            <a:p>
+              <a:r>
+                <a:rPr lang="it-IT" dirty="0"/>
+                <a:t>{ y }</a:t>
+              </a:r>
+            </a:p>
+          </p:txBody>
+        </p:sp>
+        <p:sp>
+          <p:nvSpPr>
+            <p:cNvPr id="8" name="CasellaDiTesto 7">
+              <a:extLst>
+                <a:ext uri="{FF2B5EF4-FFF2-40B4-BE49-F238E27FC236}">
+                  <a16:creationId xmlns:a16="http://schemas.microsoft.com/office/drawing/2014/main" id="{CD7CD046-58CB-4024-BD4F-AFA50D080E2B}"/>
+                </a:ext>
+              </a:extLst>
+            </p:cNvPr>
+            <p:cNvSpPr txBox="1"/>
+            <p:nvPr/>
+          </p:nvSpPr>
+          <p:spPr>
+            <a:xfrm>
+              <a:off x="5989853" y="4720298"/>
+              <a:ext cx="526106" cy="369332"/>
+            </a:xfrm>
+            <a:prstGeom prst="rect">
+              <a:avLst/>
+            </a:prstGeom>
+            <a:noFill/>
+          </p:spPr>
+          <p:txBody>
+            <a:bodyPr wrap="none" rtlCol="0">
+              <a:spAutoFit/>
+            </a:bodyPr>
+            <a:lstStyle/>
+            <a:p>
+              <a:r>
+                <a:rPr lang="it-IT" dirty="0"/>
+                <a:t>{ z }</a:t>
+              </a:r>
+            </a:p>
+          </p:txBody>
+        </p:sp>
+      </p:grpSp>
+      <p:grpSp>
+        <p:nvGrpSpPr>
+          <p:cNvPr id="69" name="Gruppo 68">
+            <a:extLst>
+              <a:ext uri="{FF2B5EF4-FFF2-40B4-BE49-F238E27FC236}">
+                <a16:creationId xmlns:a16="http://schemas.microsoft.com/office/drawing/2014/main" id="{82CA68E1-CF7D-4A71-AE4A-FDE1CC602A03}"/>
+              </a:ext>
+            </a:extLst>
+          </p:cNvPr>
+          <p:cNvGrpSpPr/>
+          <p:nvPr/>
+        </p:nvGrpSpPr>
+        <p:grpSpPr>
+          <a:xfrm>
+            <a:off x="430665" y="1726971"/>
+            <a:ext cx="4380460" cy="369332"/>
+            <a:chOff x="3755788" y="3990419"/>
+            <a:chExt cx="4380460" cy="369332"/>
+          </a:xfrm>
+        </p:grpSpPr>
+        <p:sp>
+          <p:nvSpPr>
+            <p:cNvPr id="15" name="CasellaDiTesto 14">
+              <a:extLst>
+                <a:ext uri="{FF2B5EF4-FFF2-40B4-BE49-F238E27FC236}">
+                  <a16:creationId xmlns:a16="http://schemas.microsoft.com/office/drawing/2014/main" id="{EDC8FF47-1CE4-4F60-9DC3-7BA529D4B641}"/>
+                </a:ext>
+              </a:extLst>
+            </p:cNvPr>
+            <p:cNvSpPr txBox="1"/>
+            <p:nvPr/>
+          </p:nvSpPr>
+          <p:spPr>
+            <a:xfrm>
+              <a:off x="3755788" y="3990419"/>
+              <a:ext cx="790024" cy="369332"/>
+            </a:xfrm>
+            <a:prstGeom prst="rect">
+              <a:avLst/>
+            </a:prstGeom>
+            <a:noFill/>
+          </p:spPr>
+          <p:txBody>
+            <a:bodyPr wrap="none" rtlCol="0">
+              <a:spAutoFit/>
+            </a:bodyPr>
+            <a:lstStyle/>
+            <a:p>
+              <a:r>
+                <a:rPr lang="it-IT" dirty="0"/>
+                <a:t>{ w, x }</a:t>
+              </a:r>
+            </a:p>
+          </p:txBody>
+        </p:sp>
+        <p:sp>
+          <p:nvSpPr>
+            <p:cNvPr id="16" name="CasellaDiTesto 15">
+              <a:extLst>
+                <a:ext uri="{FF2B5EF4-FFF2-40B4-BE49-F238E27FC236}">
+                  <a16:creationId xmlns:a16="http://schemas.microsoft.com/office/drawing/2014/main" id="{9AD60953-C331-4602-87A7-DEC8D6836671}"/>
+                </a:ext>
+              </a:extLst>
+            </p:cNvPr>
+            <p:cNvSpPr txBox="1"/>
+            <p:nvPr/>
+          </p:nvSpPr>
+          <p:spPr>
+            <a:xfrm>
+              <a:off x="4506641" y="3990419"/>
+              <a:ext cx="794833" cy="369332"/>
+            </a:xfrm>
+            <a:prstGeom prst="rect">
+              <a:avLst/>
+            </a:prstGeom>
+            <a:noFill/>
+          </p:spPr>
+          <p:txBody>
+            <a:bodyPr wrap="none" rtlCol="0">
+              <a:spAutoFit/>
+            </a:bodyPr>
+            <a:lstStyle/>
+            <a:p>
+              <a:r>
+                <a:rPr lang="it-IT" dirty="0"/>
+                <a:t>{ w, y }</a:t>
+              </a:r>
+            </a:p>
+          </p:txBody>
+        </p:sp>
+        <p:sp>
+          <p:nvSpPr>
+            <p:cNvPr id="17" name="CasellaDiTesto 16">
+              <a:extLst>
+                <a:ext uri="{FF2B5EF4-FFF2-40B4-BE49-F238E27FC236}">
+                  <a16:creationId xmlns:a16="http://schemas.microsoft.com/office/drawing/2014/main" id="{6D109FFB-2C27-4C00-924B-6C5AAA49E532}"/>
+                </a:ext>
+              </a:extLst>
+            </p:cNvPr>
+            <p:cNvSpPr txBox="1"/>
+            <p:nvPr/>
+          </p:nvSpPr>
+          <p:spPr>
+            <a:xfrm>
+              <a:off x="5262303" y="3990419"/>
+              <a:ext cx="782009" cy="369332"/>
+            </a:xfrm>
+            <a:prstGeom prst="rect">
+              <a:avLst/>
+            </a:prstGeom>
+            <a:noFill/>
+          </p:spPr>
+          <p:txBody>
+            <a:bodyPr wrap="none" rtlCol="0">
+              <a:spAutoFit/>
+            </a:bodyPr>
+            <a:lstStyle/>
+            <a:p>
+              <a:r>
+                <a:rPr lang="it-IT" dirty="0"/>
+                <a:t>{ w, z }</a:t>
+              </a:r>
+            </a:p>
+          </p:txBody>
+        </p:sp>
+        <p:sp>
+          <p:nvSpPr>
+            <p:cNvPr id="18" name="CasellaDiTesto 17">
+              <a:extLst>
+                <a:ext uri="{FF2B5EF4-FFF2-40B4-BE49-F238E27FC236}">
+                  <a16:creationId xmlns:a16="http://schemas.microsoft.com/office/drawing/2014/main" id="{08040202-43AB-4247-B1B4-7E16123A8FE5}"/>
+                </a:ext>
+              </a:extLst>
+            </p:cNvPr>
+            <p:cNvSpPr txBox="1"/>
+            <p:nvPr/>
+          </p:nvSpPr>
+          <p:spPr>
+            <a:xfrm>
+              <a:off x="6005141" y="3990419"/>
+              <a:ext cx="748923" cy="369332"/>
+            </a:xfrm>
+            <a:prstGeom prst="rect">
+              <a:avLst/>
+            </a:prstGeom>
+            <a:noFill/>
+          </p:spPr>
+          <p:txBody>
+            <a:bodyPr wrap="none" rtlCol="0">
+              <a:spAutoFit/>
+            </a:bodyPr>
+            <a:lstStyle/>
+            <a:p>
+              <a:r>
+                <a:rPr lang="it-IT" dirty="0"/>
+                <a:t>{ x, y }</a:t>
+              </a:r>
+            </a:p>
+          </p:txBody>
+        </p:sp>
+        <p:sp>
+          <p:nvSpPr>
+            <p:cNvPr id="19" name="CasellaDiTesto 18">
+              <a:extLst>
+                <a:ext uri="{FF2B5EF4-FFF2-40B4-BE49-F238E27FC236}">
+                  <a16:creationId xmlns:a16="http://schemas.microsoft.com/office/drawing/2014/main" id="{5A268FCB-60C0-4B76-970E-011962564634}"/>
+                </a:ext>
+              </a:extLst>
+            </p:cNvPr>
+            <p:cNvSpPr txBox="1"/>
+            <p:nvPr/>
+          </p:nvSpPr>
+          <p:spPr>
+            <a:xfrm>
+              <a:off x="6714893" y="3990419"/>
+              <a:ext cx="736099" cy="369332"/>
+            </a:xfrm>
+            <a:prstGeom prst="rect">
+              <a:avLst/>
+            </a:prstGeom>
+            <a:noFill/>
+          </p:spPr>
+          <p:txBody>
+            <a:bodyPr wrap="none" rtlCol="0">
+              <a:spAutoFit/>
+            </a:bodyPr>
+            <a:lstStyle/>
+            <a:p>
+              <a:r>
+                <a:rPr lang="it-IT" dirty="0"/>
+                <a:t>{ x, z }</a:t>
+              </a:r>
+            </a:p>
+          </p:txBody>
+        </p:sp>
+        <p:sp>
+          <p:nvSpPr>
+            <p:cNvPr id="20" name="CasellaDiTesto 19">
+              <a:extLst>
+                <a:ext uri="{FF2B5EF4-FFF2-40B4-BE49-F238E27FC236}">
+                  <a16:creationId xmlns:a16="http://schemas.microsoft.com/office/drawing/2014/main" id="{F8E357B3-3BF6-4B4D-A9AB-F32FBA9E63C2}"/>
+                </a:ext>
+              </a:extLst>
+            </p:cNvPr>
+            <p:cNvSpPr txBox="1"/>
+            <p:nvPr/>
+          </p:nvSpPr>
+          <p:spPr>
+            <a:xfrm>
+              <a:off x="7411819" y="3990419"/>
+              <a:ext cx="724429" cy="369332"/>
+            </a:xfrm>
+            <a:prstGeom prst="rect">
+              <a:avLst/>
+            </a:prstGeom>
+            <a:noFill/>
+          </p:spPr>
+          <p:txBody>
+            <a:bodyPr wrap="none" rtlCol="0">
+              <a:spAutoFit/>
+            </a:bodyPr>
+            <a:lstStyle/>
+            <a:p>
+              <a:r>
+                <a:rPr lang="it-IT" dirty="0"/>
+                <a:t>{ y, z }</a:t>
+              </a:r>
+            </a:p>
+          </p:txBody>
+        </p:sp>
+      </p:grpSp>
+      <p:grpSp>
+        <p:nvGrpSpPr>
+          <p:cNvPr id="84" name="Gruppo 83">
+            <a:extLst>
+              <a:ext uri="{FF2B5EF4-FFF2-40B4-BE49-F238E27FC236}">
+                <a16:creationId xmlns:a16="http://schemas.microsoft.com/office/drawing/2014/main" id="{D795621A-F494-44CF-AC58-3C41877711B7}"/>
+              </a:ext>
+            </a:extLst>
+          </p:cNvPr>
+          <p:cNvGrpSpPr/>
+          <p:nvPr/>
+        </p:nvGrpSpPr>
+        <p:grpSpPr>
+          <a:xfrm>
+            <a:off x="650478" y="1030237"/>
+            <a:ext cx="3940834" cy="369332"/>
+            <a:chOff x="3018391" y="3392437"/>
+            <a:chExt cx="3940834" cy="369332"/>
+          </a:xfrm>
+        </p:grpSpPr>
+        <p:sp>
+          <p:nvSpPr>
+            <p:cNvPr id="21" name="CasellaDiTesto 20">
+              <a:extLst>
+                <a:ext uri="{FF2B5EF4-FFF2-40B4-BE49-F238E27FC236}">
+                  <a16:creationId xmlns:a16="http://schemas.microsoft.com/office/drawing/2014/main" id="{3A7DFE6D-03B8-4CCD-84C4-BC3AECEE01E2}"/>
+                </a:ext>
+              </a:extLst>
+            </p:cNvPr>
+            <p:cNvSpPr txBox="1"/>
+            <p:nvPr/>
+          </p:nvSpPr>
+          <p:spPr>
+            <a:xfrm>
+              <a:off x="3018391" y="3392437"/>
+              <a:ext cx="1004827" cy="369332"/>
+            </a:xfrm>
+            <a:prstGeom prst="rect">
+              <a:avLst/>
+            </a:prstGeom>
+            <a:noFill/>
+          </p:spPr>
+          <p:txBody>
+            <a:bodyPr wrap="none" rtlCol="0">
+              <a:spAutoFit/>
+            </a:bodyPr>
+            <a:lstStyle/>
+            <a:p>
+              <a:r>
+                <a:rPr lang="it-IT" dirty="0"/>
+                <a:t>{ w, x, y }</a:t>
+              </a:r>
+            </a:p>
+          </p:txBody>
+        </p:sp>
+        <p:sp>
+          <p:nvSpPr>
+            <p:cNvPr id="22" name="CasellaDiTesto 21">
+              <a:extLst>
+                <a:ext uri="{FF2B5EF4-FFF2-40B4-BE49-F238E27FC236}">
+                  <a16:creationId xmlns:a16="http://schemas.microsoft.com/office/drawing/2014/main" id="{61E1252A-A4A0-4DB3-9A48-75F2A0E433E2}"/>
+                </a:ext>
+              </a:extLst>
+            </p:cNvPr>
+            <p:cNvSpPr txBox="1"/>
+            <p:nvPr/>
+          </p:nvSpPr>
+          <p:spPr>
+            <a:xfrm>
+              <a:off x="4032967" y="3392437"/>
+              <a:ext cx="992003" cy="369332"/>
+            </a:xfrm>
+            <a:prstGeom prst="rect">
+              <a:avLst/>
+            </a:prstGeom>
+            <a:noFill/>
+          </p:spPr>
+          <p:txBody>
+            <a:bodyPr wrap="none" rtlCol="0">
+              <a:spAutoFit/>
+            </a:bodyPr>
+            <a:lstStyle/>
+            <a:p>
+              <a:r>
+                <a:rPr lang="it-IT" dirty="0"/>
+                <a:t>{ w, x, z }</a:t>
+              </a:r>
+            </a:p>
+          </p:txBody>
+        </p:sp>
+        <p:sp>
+          <p:nvSpPr>
+            <p:cNvPr id="23" name="CasellaDiTesto 22">
+              <a:extLst>
+                <a:ext uri="{FF2B5EF4-FFF2-40B4-BE49-F238E27FC236}">
+                  <a16:creationId xmlns:a16="http://schemas.microsoft.com/office/drawing/2014/main" id="{77426073-999B-4374-9F89-95836F1AF05A}"/>
+                </a:ext>
+              </a:extLst>
+            </p:cNvPr>
+            <p:cNvSpPr txBox="1"/>
+            <p:nvPr/>
+          </p:nvSpPr>
+          <p:spPr>
+            <a:xfrm>
+              <a:off x="5034719" y="3392437"/>
+              <a:ext cx="980333" cy="369332"/>
+            </a:xfrm>
+            <a:prstGeom prst="rect">
+              <a:avLst/>
+            </a:prstGeom>
+            <a:noFill/>
+          </p:spPr>
+          <p:txBody>
+            <a:bodyPr wrap="none" rtlCol="0">
+              <a:spAutoFit/>
+            </a:bodyPr>
+            <a:lstStyle/>
+            <a:p>
+              <a:r>
+                <a:rPr lang="it-IT" dirty="0"/>
+                <a:t>{ w, y, z }</a:t>
+              </a:r>
+            </a:p>
+          </p:txBody>
+        </p:sp>
+        <p:sp>
+          <p:nvSpPr>
+            <p:cNvPr id="24" name="CasellaDiTesto 23">
+              <a:extLst>
+                <a:ext uri="{FF2B5EF4-FFF2-40B4-BE49-F238E27FC236}">
+                  <a16:creationId xmlns:a16="http://schemas.microsoft.com/office/drawing/2014/main" id="{CB8BEE8A-A16B-4E16-B77D-1C0291651E03}"/>
+                </a:ext>
+              </a:extLst>
+            </p:cNvPr>
+            <p:cNvSpPr txBox="1"/>
+            <p:nvPr/>
+          </p:nvSpPr>
+          <p:spPr>
+            <a:xfrm>
+              <a:off x="6024802" y="3392437"/>
+              <a:ext cx="934423" cy="369332"/>
+            </a:xfrm>
+            <a:prstGeom prst="rect">
+              <a:avLst/>
+            </a:prstGeom>
+            <a:noFill/>
+          </p:spPr>
+          <p:txBody>
+            <a:bodyPr wrap="none" rtlCol="0">
+              <a:spAutoFit/>
+            </a:bodyPr>
+            <a:lstStyle/>
+            <a:p>
+              <a:r>
+                <a:rPr lang="it-IT" dirty="0"/>
+                <a:t>{ x, y, z }</a:t>
+              </a:r>
+            </a:p>
+          </p:txBody>
+        </p:sp>
+      </p:grpSp>
+      <p:sp>
+        <p:nvSpPr>
+          <p:cNvPr id="25" name="CasellaDiTesto 24">
+            <a:extLst>
+              <a:ext uri="{FF2B5EF4-FFF2-40B4-BE49-F238E27FC236}">
+                <a16:creationId xmlns:a16="http://schemas.microsoft.com/office/drawing/2014/main" id="{D930A2C6-73FB-4966-BF8A-026897441508}"/>
+              </a:ext>
+            </a:extLst>
+          </p:cNvPr>
+          <p:cNvSpPr txBox="1"/>
+          <p:nvPr/>
+        </p:nvSpPr>
+        <p:spPr>
+          <a:xfrm>
+            <a:off x="2025732" y="333503"/>
+            <a:ext cx="1190326" cy="369332"/>
+          </a:xfrm>
+          <a:prstGeom prst="rect">
+            <a:avLst/>
+          </a:prstGeom>
+          <a:noFill/>
+        </p:spPr>
+        <p:txBody>
+          <a:bodyPr wrap="none" rtlCol="0">
+            <a:spAutoFit/>
+          </a:bodyPr>
+          <a:lstStyle/>
+          <a:p>
+            <a:r>
+              <a:rPr lang="it-IT" dirty="0"/>
+              <a:t>{ w, x, y, z }</a:t>
+            </a:r>
+          </a:p>
+        </p:txBody>
+      </p:sp>
+      <p:cxnSp>
+        <p:nvCxnSpPr>
+          <p:cNvPr id="27" name="Connettore diritto 26">
+            <a:extLst>
+              <a:ext uri="{FF2B5EF4-FFF2-40B4-BE49-F238E27FC236}">
+                <a16:creationId xmlns:a16="http://schemas.microsoft.com/office/drawing/2014/main" id="{5C28F226-77A0-4933-8DE7-258F67549E62}"/>
+              </a:ext>
+            </a:extLst>
+          </p:cNvPr>
+          <p:cNvCxnSpPr>
+            <a:cxnSpLocks/>
+            <a:stCxn id="15" idx="0"/>
+            <a:endCxn id="21" idx="2"/>
+          </p:cNvCxnSpPr>
+          <p:nvPr/>
+        </p:nvCxnSpPr>
+        <p:spPr>
+          <a:xfrm flipV="1">
+            <a:off x="825677" y="1399569"/>
+            <a:ext cx="327215" cy="327402"/>
+          </a:xfrm>
+          <a:prstGeom prst="line">
+            <a:avLst/>
+          </a:prstGeom>
+          <a:ln w="6350"/>
+        </p:spPr>
+        <p:style>
+          <a:lnRef idx="2">
+            <a:schemeClr val="dk1"/>
+          </a:lnRef>
+          <a:fillRef idx="0">
+            <a:schemeClr val="dk1"/>
+          </a:fillRef>
+          <a:effectRef idx="1">
+            <a:schemeClr val="dk1"/>
+          </a:effectRef>
+          <a:fontRef idx="minor">
+            <a:schemeClr val="tx1"/>
+          </a:fontRef>
+        </p:style>
+      </p:cxnSp>
+      <p:cxnSp>
+        <p:nvCxnSpPr>
+          <p:cNvPr id="29" name="Connettore diritto 28">
+            <a:extLst>
+              <a:ext uri="{FF2B5EF4-FFF2-40B4-BE49-F238E27FC236}">
+                <a16:creationId xmlns:a16="http://schemas.microsoft.com/office/drawing/2014/main" id="{D1E707BC-A697-44A8-9D7E-BC625B65D933}"/>
+              </a:ext>
+            </a:extLst>
+          </p:cNvPr>
+          <p:cNvCxnSpPr>
+            <a:cxnSpLocks/>
+            <a:stCxn id="15" idx="0"/>
+            <a:endCxn id="22" idx="2"/>
+          </p:cNvCxnSpPr>
+          <p:nvPr/>
+        </p:nvCxnSpPr>
+        <p:spPr>
+          <a:xfrm flipV="1">
+            <a:off x="825677" y="1399569"/>
+            <a:ext cx="1335379" cy="327402"/>
+          </a:xfrm>
+          <a:prstGeom prst="line">
+            <a:avLst/>
+          </a:prstGeom>
+          <a:ln w="6350"/>
+        </p:spPr>
+        <p:style>
+          <a:lnRef idx="2">
+            <a:schemeClr val="dk1"/>
+          </a:lnRef>
+          <a:fillRef idx="0">
+            <a:schemeClr val="dk1"/>
+          </a:fillRef>
+          <a:effectRef idx="1">
+            <a:schemeClr val="dk1"/>
+          </a:effectRef>
+          <a:fontRef idx="minor">
+            <a:schemeClr val="tx1"/>
+          </a:fontRef>
+        </p:style>
+      </p:cxnSp>
+      <p:cxnSp>
+        <p:nvCxnSpPr>
+          <p:cNvPr id="32" name="Connettore diritto 31">
+            <a:extLst>
+              <a:ext uri="{FF2B5EF4-FFF2-40B4-BE49-F238E27FC236}">
+                <a16:creationId xmlns:a16="http://schemas.microsoft.com/office/drawing/2014/main" id="{2BCB2CB5-05CE-40F5-9591-3C6A51784385}"/>
+              </a:ext>
+            </a:extLst>
+          </p:cNvPr>
+          <p:cNvCxnSpPr>
+            <a:cxnSpLocks/>
+            <a:stCxn id="15" idx="2"/>
+            <a:endCxn id="5" idx="0"/>
+          </p:cNvCxnSpPr>
+          <p:nvPr/>
+        </p:nvCxnSpPr>
+        <p:spPr>
+          <a:xfrm>
+            <a:off x="825677" y="2096303"/>
+            <a:ext cx="998438" cy="327402"/>
+          </a:xfrm>
+          <a:prstGeom prst="line">
+            <a:avLst/>
+          </a:prstGeom>
+          <a:ln w="6350"/>
+        </p:spPr>
+        <p:style>
+          <a:lnRef idx="2">
+            <a:schemeClr val="dk1"/>
+          </a:lnRef>
+          <a:fillRef idx="0">
+            <a:schemeClr val="dk1"/>
+          </a:fillRef>
+          <a:effectRef idx="1">
+            <a:schemeClr val="dk1"/>
+          </a:effectRef>
+          <a:fontRef idx="minor">
+            <a:schemeClr val="tx1"/>
+          </a:fontRef>
+        </p:style>
+      </p:cxnSp>
+      <p:cxnSp>
+        <p:nvCxnSpPr>
+          <p:cNvPr id="35" name="Connettore diritto 34">
+            <a:extLst>
+              <a:ext uri="{FF2B5EF4-FFF2-40B4-BE49-F238E27FC236}">
+                <a16:creationId xmlns:a16="http://schemas.microsoft.com/office/drawing/2014/main" id="{2C5EFC85-C63B-44C7-B4AB-C27392ED2A03}"/>
+              </a:ext>
+            </a:extLst>
+          </p:cNvPr>
+          <p:cNvCxnSpPr>
+            <a:cxnSpLocks/>
+            <a:stCxn id="15" idx="2"/>
+            <a:endCxn id="6" idx="0"/>
+          </p:cNvCxnSpPr>
+          <p:nvPr/>
+        </p:nvCxnSpPr>
+        <p:spPr>
+          <a:xfrm>
+            <a:off x="825677" y="2096303"/>
+            <a:ext cx="1563555" cy="327402"/>
+          </a:xfrm>
+          <a:prstGeom prst="line">
+            <a:avLst/>
+          </a:prstGeom>
+          <a:ln w="6350"/>
+        </p:spPr>
+        <p:style>
+          <a:lnRef idx="2">
+            <a:schemeClr val="dk1"/>
+          </a:lnRef>
+          <a:fillRef idx="0">
+            <a:schemeClr val="dk1"/>
+          </a:fillRef>
+          <a:effectRef idx="1">
+            <a:schemeClr val="dk1"/>
+          </a:effectRef>
+          <a:fontRef idx="minor">
+            <a:schemeClr val="tx1"/>
+          </a:fontRef>
+        </p:style>
+      </p:cxnSp>
+      <p:cxnSp>
+        <p:nvCxnSpPr>
+          <p:cNvPr id="38" name="Connettore diritto 37">
+            <a:extLst>
+              <a:ext uri="{FF2B5EF4-FFF2-40B4-BE49-F238E27FC236}">
+                <a16:creationId xmlns:a16="http://schemas.microsoft.com/office/drawing/2014/main" id="{AB867CA9-C9E0-4809-AC83-3B9D037262A8}"/>
+              </a:ext>
+            </a:extLst>
+          </p:cNvPr>
+          <p:cNvCxnSpPr>
+            <a:cxnSpLocks/>
+            <a:stCxn id="18" idx="2"/>
+            <a:endCxn id="6" idx="0"/>
+          </p:cNvCxnSpPr>
+          <p:nvPr/>
+        </p:nvCxnSpPr>
+        <p:spPr>
+          <a:xfrm flipH="1">
+            <a:off x="2389232" y="2096303"/>
+            <a:ext cx="665248" cy="327402"/>
+          </a:xfrm>
+          <a:prstGeom prst="line">
+            <a:avLst/>
+          </a:prstGeom>
+          <a:ln w="6350"/>
+        </p:spPr>
+        <p:style>
+          <a:lnRef idx="2">
+            <a:schemeClr val="dk1"/>
+          </a:lnRef>
+          <a:fillRef idx="0">
+            <a:schemeClr val="dk1"/>
+          </a:fillRef>
+          <a:effectRef idx="1">
+            <a:schemeClr val="dk1"/>
+          </a:effectRef>
+          <a:fontRef idx="minor">
+            <a:schemeClr val="tx1"/>
+          </a:fontRef>
+        </p:style>
+      </p:cxnSp>
+      <p:cxnSp>
+        <p:nvCxnSpPr>
+          <p:cNvPr id="41" name="Connettore diritto 40">
+            <a:extLst>
+              <a:ext uri="{FF2B5EF4-FFF2-40B4-BE49-F238E27FC236}">
+                <a16:creationId xmlns:a16="http://schemas.microsoft.com/office/drawing/2014/main" id="{CF95207B-6A81-4635-80E1-CEC2AB6F4F60}"/>
+              </a:ext>
+            </a:extLst>
+          </p:cNvPr>
+          <p:cNvCxnSpPr>
+            <a:cxnSpLocks/>
+            <a:stCxn id="19" idx="2"/>
+            <a:endCxn id="6" idx="0"/>
+          </p:cNvCxnSpPr>
+          <p:nvPr/>
+        </p:nvCxnSpPr>
+        <p:spPr>
+          <a:xfrm flipH="1">
+            <a:off x="2389232" y="2096303"/>
+            <a:ext cx="1368588" cy="327402"/>
+          </a:xfrm>
+          <a:prstGeom prst="line">
+            <a:avLst/>
+          </a:prstGeom>
+          <a:ln w="6350"/>
+        </p:spPr>
+        <p:style>
+          <a:lnRef idx="2">
+            <a:schemeClr val="dk1"/>
+          </a:lnRef>
+          <a:fillRef idx="0">
+            <a:schemeClr val="dk1"/>
+          </a:fillRef>
+          <a:effectRef idx="1">
+            <a:schemeClr val="dk1"/>
+          </a:effectRef>
+          <a:fontRef idx="minor">
+            <a:schemeClr val="tx1"/>
+          </a:fontRef>
+        </p:style>
+      </p:cxnSp>
+      <p:cxnSp>
+        <p:nvCxnSpPr>
+          <p:cNvPr id="44" name="Connettore diritto 43">
+            <a:extLst>
+              <a:ext uri="{FF2B5EF4-FFF2-40B4-BE49-F238E27FC236}">
+                <a16:creationId xmlns:a16="http://schemas.microsoft.com/office/drawing/2014/main" id="{6E26C0D0-B45C-4209-ADCC-F2748939056B}"/>
+              </a:ext>
+            </a:extLst>
+          </p:cNvPr>
+          <p:cNvCxnSpPr>
+            <a:cxnSpLocks/>
+            <a:stCxn id="7" idx="0"/>
+            <a:endCxn id="16" idx="2"/>
+          </p:cNvCxnSpPr>
+          <p:nvPr/>
+        </p:nvCxnSpPr>
+        <p:spPr>
+          <a:xfrm flipH="1" flipV="1">
+            <a:off x="1578935" y="2096303"/>
+            <a:ext cx="1344956" cy="327402"/>
+          </a:xfrm>
+          <a:prstGeom prst="line">
+            <a:avLst/>
+          </a:prstGeom>
+          <a:ln w="6350"/>
+        </p:spPr>
+        <p:style>
+          <a:lnRef idx="2">
+            <a:schemeClr val="dk1"/>
+          </a:lnRef>
+          <a:fillRef idx="0">
+            <a:schemeClr val="dk1"/>
+          </a:fillRef>
+          <a:effectRef idx="1">
+            <a:schemeClr val="dk1"/>
+          </a:effectRef>
+          <a:fontRef idx="minor">
+            <a:schemeClr val="tx1"/>
+          </a:fontRef>
+        </p:style>
+      </p:cxnSp>
+      <p:cxnSp>
+        <p:nvCxnSpPr>
+          <p:cNvPr id="47" name="Connettore diritto 46">
+            <a:extLst>
+              <a:ext uri="{FF2B5EF4-FFF2-40B4-BE49-F238E27FC236}">
+                <a16:creationId xmlns:a16="http://schemas.microsoft.com/office/drawing/2014/main" id="{F82465AF-CBA3-498D-A7FF-F204374C2B1D}"/>
+              </a:ext>
+            </a:extLst>
+          </p:cNvPr>
+          <p:cNvCxnSpPr>
+            <a:cxnSpLocks/>
+            <a:stCxn id="5" idx="0"/>
+            <a:endCxn id="16" idx="2"/>
+          </p:cNvCxnSpPr>
+          <p:nvPr/>
+        </p:nvCxnSpPr>
+        <p:spPr>
+          <a:xfrm flipH="1" flipV="1">
+            <a:off x="1578935" y="2096303"/>
+            <a:ext cx="245180" cy="327402"/>
+          </a:xfrm>
+          <a:prstGeom prst="line">
+            <a:avLst/>
+          </a:prstGeom>
+          <a:ln w="6350"/>
+        </p:spPr>
+        <p:style>
+          <a:lnRef idx="2">
+            <a:schemeClr val="dk1"/>
+          </a:lnRef>
+          <a:fillRef idx="0">
+            <a:schemeClr val="dk1"/>
+          </a:fillRef>
+          <a:effectRef idx="1">
+            <a:schemeClr val="dk1"/>
+          </a:effectRef>
+          <a:fontRef idx="minor">
+            <a:schemeClr val="tx1"/>
+          </a:fontRef>
+        </p:style>
+      </p:cxnSp>
+      <p:cxnSp>
+        <p:nvCxnSpPr>
+          <p:cNvPr id="50" name="Connettore diritto 49">
+            <a:extLst>
+              <a:ext uri="{FF2B5EF4-FFF2-40B4-BE49-F238E27FC236}">
+                <a16:creationId xmlns:a16="http://schemas.microsoft.com/office/drawing/2014/main" id="{044393D4-4FDF-4FCA-AF77-E796E24ED23D}"/>
+              </a:ext>
+            </a:extLst>
+          </p:cNvPr>
+          <p:cNvCxnSpPr>
+            <a:cxnSpLocks/>
+            <a:stCxn id="5" idx="0"/>
+            <a:endCxn id="17" idx="2"/>
+          </p:cNvCxnSpPr>
+          <p:nvPr/>
+        </p:nvCxnSpPr>
+        <p:spPr>
+          <a:xfrm flipV="1">
+            <a:off x="1824115" y="2096303"/>
+            <a:ext cx="504070" cy="327402"/>
+          </a:xfrm>
+          <a:prstGeom prst="line">
+            <a:avLst/>
+          </a:prstGeom>
+          <a:ln w="6350"/>
+        </p:spPr>
+        <p:style>
+          <a:lnRef idx="2">
+            <a:schemeClr val="dk1"/>
+          </a:lnRef>
+          <a:fillRef idx="0">
+            <a:schemeClr val="dk1"/>
+          </a:fillRef>
+          <a:effectRef idx="1">
+            <a:schemeClr val="dk1"/>
+          </a:effectRef>
+          <a:fontRef idx="minor">
+            <a:schemeClr val="tx1"/>
+          </a:fontRef>
+        </p:style>
+      </p:cxnSp>
+      <p:cxnSp>
+        <p:nvCxnSpPr>
+          <p:cNvPr id="53" name="Connettore diritto 52">
+            <a:extLst>
+              <a:ext uri="{FF2B5EF4-FFF2-40B4-BE49-F238E27FC236}">
+                <a16:creationId xmlns:a16="http://schemas.microsoft.com/office/drawing/2014/main" id="{2EF8C15A-6A54-4315-8E2A-8674984973EE}"/>
+              </a:ext>
+            </a:extLst>
+          </p:cNvPr>
+          <p:cNvCxnSpPr>
+            <a:cxnSpLocks/>
+            <a:stCxn id="8" idx="0"/>
+            <a:endCxn id="17" idx="2"/>
+          </p:cNvCxnSpPr>
+          <p:nvPr/>
+        </p:nvCxnSpPr>
+        <p:spPr>
+          <a:xfrm flipH="1" flipV="1">
+            <a:off x="2328185" y="2096303"/>
+            <a:ext cx="1126359" cy="327402"/>
+          </a:xfrm>
+          <a:prstGeom prst="line">
+            <a:avLst/>
+          </a:prstGeom>
+          <a:ln w="6350"/>
+        </p:spPr>
+        <p:style>
+          <a:lnRef idx="2">
+            <a:schemeClr val="dk1"/>
+          </a:lnRef>
+          <a:fillRef idx="0">
+            <a:schemeClr val="dk1"/>
+          </a:fillRef>
+          <a:effectRef idx="1">
+            <a:schemeClr val="dk1"/>
+          </a:effectRef>
+          <a:fontRef idx="minor">
+            <a:schemeClr val="tx1"/>
+          </a:fontRef>
+        </p:style>
+      </p:cxnSp>
+      <p:cxnSp>
+        <p:nvCxnSpPr>
+          <p:cNvPr id="57" name="Connettore diritto 56">
+            <a:extLst>
+              <a:ext uri="{FF2B5EF4-FFF2-40B4-BE49-F238E27FC236}">
+                <a16:creationId xmlns:a16="http://schemas.microsoft.com/office/drawing/2014/main" id="{E95207E8-C431-485E-AFE5-F83E5516C6BB}"/>
+              </a:ext>
+            </a:extLst>
+          </p:cNvPr>
+          <p:cNvCxnSpPr>
+            <a:cxnSpLocks/>
+            <a:stCxn id="7" idx="0"/>
+            <a:endCxn id="18" idx="2"/>
+          </p:cNvCxnSpPr>
+          <p:nvPr/>
+        </p:nvCxnSpPr>
+        <p:spPr>
+          <a:xfrm flipV="1">
+            <a:off x="2923891" y="2096303"/>
+            <a:ext cx="130589" cy="327402"/>
+          </a:xfrm>
+          <a:prstGeom prst="line">
+            <a:avLst/>
+          </a:prstGeom>
+          <a:ln w="6350"/>
+        </p:spPr>
+        <p:style>
+          <a:lnRef idx="2">
+            <a:schemeClr val="dk1"/>
+          </a:lnRef>
+          <a:fillRef idx="0">
+            <a:schemeClr val="dk1"/>
+          </a:fillRef>
+          <a:effectRef idx="1">
+            <a:schemeClr val="dk1"/>
+          </a:effectRef>
+          <a:fontRef idx="minor">
+            <a:schemeClr val="tx1"/>
+          </a:fontRef>
+        </p:style>
+      </p:cxnSp>
+      <p:cxnSp>
+        <p:nvCxnSpPr>
+          <p:cNvPr id="60" name="Connettore diritto 59">
+            <a:extLst>
+              <a:ext uri="{FF2B5EF4-FFF2-40B4-BE49-F238E27FC236}">
+                <a16:creationId xmlns:a16="http://schemas.microsoft.com/office/drawing/2014/main" id="{A4BEC4D1-F58A-4FA4-BF5F-E7CFD6F0FCE5}"/>
+              </a:ext>
+            </a:extLst>
+          </p:cNvPr>
+          <p:cNvCxnSpPr>
+            <a:cxnSpLocks/>
+            <a:stCxn id="8" idx="0"/>
+            <a:endCxn id="19" idx="2"/>
+          </p:cNvCxnSpPr>
+          <p:nvPr/>
+        </p:nvCxnSpPr>
+        <p:spPr>
+          <a:xfrm flipV="1">
+            <a:off x="3454544" y="2096303"/>
+            <a:ext cx="303276" cy="327402"/>
+          </a:xfrm>
+          <a:prstGeom prst="line">
+            <a:avLst/>
+          </a:prstGeom>
+          <a:ln w="6350"/>
+        </p:spPr>
+        <p:style>
+          <a:lnRef idx="2">
+            <a:schemeClr val="dk1"/>
+          </a:lnRef>
+          <a:fillRef idx="0">
+            <a:schemeClr val="dk1"/>
+          </a:fillRef>
+          <a:effectRef idx="1">
+            <a:schemeClr val="dk1"/>
+          </a:effectRef>
+          <a:fontRef idx="minor">
+            <a:schemeClr val="tx1"/>
+          </a:fontRef>
+        </p:style>
+      </p:cxnSp>
+      <p:cxnSp>
+        <p:nvCxnSpPr>
+          <p:cNvPr id="63" name="Connettore diritto 62">
+            <a:extLst>
+              <a:ext uri="{FF2B5EF4-FFF2-40B4-BE49-F238E27FC236}">
+                <a16:creationId xmlns:a16="http://schemas.microsoft.com/office/drawing/2014/main" id="{B7A105F4-FB40-4449-885A-AE6C183E1F84}"/>
+              </a:ext>
+            </a:extLst>
+          </p:cNvPr>
+          <p:cNvCxnSpPr>
+            <a:cxnSpLocks/>
+            <a:stCxn id="8" idx="0"/>
+            <a:endCxn id="20" idx="2"/>
+          </p:cNvCxnSpPr>
+          <p:nvPr/>
+        </p:nvCxnSpPr>
+        <p:spPr>
+          <a:xfrm flipV="1">
+            <a:off x="3454544" y="2096303"/>
+            <a:ext cx="994367" cy="327402"/>
+          </a:xfrm>
+          <a:prstGeom prst="line">
+            <a:avLst/>
+          </a:prstGeom>
+          <a:ln w="6350"/>
+        </p:spPr>
+        <p:style>
+          <a:lnRef idx="2">
+            <a:schemeClr val="dk1"/>
+          </a:lnRef>
+          <a:fillRef idx="0">
+            <a:schemeClr val="dk1"/>
+          </a:fillRef>
+          <a:effectRef idx="1">
+            <a:schemeClr val="dk1"/>
+          </a:effectRef>
+          <a:fontRef idx="minor">
+            <a:schemeClr val="tx1"/>
+          </a:fontRef>
+        </p:style>
+      </p:cxnSp>
+      <p:cxnSp>
+        <p:nvCxnSpPr>
+          <p:cNvPr id="66" name="Connettore diritto 65">
+            <a:extLst>
+              <a:ext uri="{FF2B5EF4-FFF2-40B4-BE49-F238E27FC236}">
+                <a16:creationId xmlns:a16="http://schemas.microsoft.com/office/drawing/2014/main" id="{D171C7A9-0C72-44C8-B2D3-5EDE05A4CCD7}"/>
+              </a:ext>
+            </a:extLst>
+          </p:cNvPr>
+          <p:cNvCxnSpPr>
+            <a:cxnSpLocks/>
+            <a:stCxn id="7" idx="0"/>
+            <a:endCxn id="20" idx="2"/>
+          </p:cNvCxnSpPr>
+          <p:nvPr/>
+        </p:nvCxnSpPr>
+        <p:spPr>
+          <a:xfrm flipV="1">
+            <a:off x="2923891" y="2096303"/>
+            <a:ext cx="1525020" cy="327402"/>
+          </a:xfrm>
+          <a:prstGeom prst="line">
+            <a:avLst/>
+          </a:prstGeom>
+          <a:ln w="6350"/>
+        </p:spPr>
+        <p:style>
+          <a:lnRef idx="2">
+            <a:schemeClr val="dk1"/>
+          </a:lnRef>
+          <a:fillRef idx="0">
+            <a:schemeClr val="dk1"/>
+          </a:fillRef>
+          <a:effectRef idx="1">
+            <a:schemeClr val="dk1"/>
+          </a:effectRef>
+          <a:fontRef idx="minor">
+            <a:schemeClr val="tx1"/>
+          </a:fontRef>
+        </p:style>
+      </p:cxnSp>
+      <p:cxnSp>
+        <p:nvCxnSpPr>
+          <p:cNvPr id="70" name="Connettore diritto 69">
+            <a:extLst>
+              <a:ext uri="{FF2B5EF4-FFF2-40B4-BE49-F238E27FC236}">
+                <a16:creationId xmlns:a16="http://schemas.microsoft.com/office/drawing/2014/main" id="{889F7FC5-AD5E-4118-8471-994CD74B60BE}"/>
+              </a:ext>
+            </a:extLst>
+          </p:cNvPr>
+          <p:cNvCxnSpPr>
+            <a:cxnSpLocks/>
+            <a:stCxn id="4" idx="0"/>
+            <a:endCxn id="8" idx="2"/>
+          </p:cNvCxnSpPr>
+          <p:nvPr/>
+        </p:nvCxnSpPr>
+        <p:spPr>
+          <a:xfrm flipV="1">
+            <a:off x="2620895" y="2793037"/>
+            <a:ext cx="833649" cy="327404"/>
+          </a:xfrm>
+          <a:prstGeom prst="line">
+            <a:avLst/>
+          </a:prstGeom>
+          <a:ln w="6350"/>
+        </p:spPr>
+        <p:style>
+          <a:lnRef idx="2">
+            <a:schemeClr val="dk1"/>
+          </a:lnRef>
+          <a:fillRef idx="0">
+            <a:schemeClr val="dk1"/>
+          </a:fillRef>
+          <a:effectRef idx="1">
+            <a:schemeClr val="dk1"/>
+          </a:effectRef>
+          <a:fontRef idx="minor">
+            <a:schemeClr val="tx1"/>
+          </a:fontRef>
+        </p:style>
+      </p:cxnSp>
+      <p:cxnSp>
+        <p:nvCxnSpPr>
+          <p:cNvPr id="74" name="Connettore diritto 73">
+            <a:extLst>
+              <a:ext uri="{FF2B5EF4-FFF2-40B4-BE49-F238E27FC236}">
+                <a16:creationId xmlns:a16="http://schemas.microsoft.com/office/drawing/2014/main" id="{2C1FFA9B-E678-4817-BB20-CB9572AC7723}"/>
+              </a:ext>
+            </a:extLst>
+          </p:cNvPr>
+          <p:cNvCxnSpPr>
+            <a:cxnSpLocks/>
+            <a:stCxn id="4" idx="0"/>
+            <a:endCxn id="7" idx="2"/>
+          </p:cNvCxnSpPr>
+          <p:nvPr/>
+        </p:nvCxnSpPr>
+        <p:spPr>
+          <a:xfrm flipV="1">
+            <a:off x="2620895" y="2793037"/>
+            <a:ext cx="302996" cy="327404"/>
+          </a:xfrm>
+          <a:prstGeom prst="line">
+            <a:avLst/>
+          </a:prstGeom>
+          <a:ln w="6350"/>
+        </p:spPr>
+        <p:style>
+          <a:lnRef idx="2">
+            <a:schemeClr val="dk1"/>
+          </a:lnRef>
+          <a:fillRef idx="0">
+            <a:schemeClr val="dk1"/>
+          </a:fillRef>
+          <a:effectRef idx="1">
+            <a:schemeClr val="dk1"/>
+          </a:effectRef>
+          <a:fontRef idx="minor">
+            <a:schemeClr val="tx1"/>
+          </a:fontRef>
+        </p:style>
+      </p:cxnSp>
+      <p:cxnSp>
+        <p:nvCxnSpPr>
+          <p:cNvPr id="77" name="Connettore diritto 76">
+            <a:extLst>
+              <a:ext uri="{FF2B5EF4-FFF2-40B4-BE49-F238E27FC236}">
+                <a16:creationId xmlns:a16="http://schemas.microsoft.com/office/drawing/2014/main" id="{B5442502-EDAE-4E9E-BB36-3BD783E5C04B}"/>
+              </a:ext>
+            </a:extLst>
+          </p:cNvPr>
+          <p:cNvCxnSpPr>
+            <a:cxnSpLocks/>
+            <a:stCxn id="4" idx="0"/>
+            <a:endCxn id="6" idx="2"/>
+          </p:cNvCxnSpPr>
+          <p:nvPr/>
+        </p:nvCxnSpPr>
+        <p:spPr>
+          <a:xfrm flipH="1" flipV="1">
+            <a:off x="2389232" y="2793037"/>
+            <a:ext cx="231663" cy="327404"/>
+          </a:xfrm>
+          <a:prstGeom prst="line">
+            <a:avLst/>
+          </a:prstGeom>
+          <a:ln w="6350"/>
+        </p:spPr>
+        <p:style>
+          <a:lnRef idx="2">
+            <a:schemeClr val="dk1"/>
+          </a:lnRef>
+          <a:fillRef idx="0">
+            <a:schemeClr val="dk1"/>
+          </a:fillRef>
+          <a:effectRef idx="1">
+            <a:schemeClr val="dk1"/>
+          </a:effectRef>
+          <a:fontRef idx="minor">
+            <a:schemeClr val="tx1"/>
+          </a:fontRef>
+        </p:style>
+      </p:cxnSp>
+      <p:cxnSp>
+        <p:nvCxnSpPr>
+          <p:cNvPr id="80" name="Connettore diritto 79">
+            <a:extLst>
+              <a:ext uri="{FF2B5EF4-FFF2-40B4-BE49-F238E27FC236}">
+                <a16:creationId xmlns:a16="http://schemas.microsoft.com/office/drawing/2014/main" id="{5E947313-578C-4B94-B4A0-8E88B3436735}"/>
+              </a:ext>
+            </a:extLst>
+          </p:cNvPr>
+          <p:cNvCxnSpPr>
+            <a:cxnSpLocks/>
+            <a:stCxn id="4" idx="0"/>
+            <a:endCxn id="5" idx="2"/>
+          </p:cNvCxnSpPr>
+          <p:nvPr/>
+        </p:nvCxnSpPr>
+        <p:spPr>
+          <a:xfrm flipH="1" flipV="1">
+            <a:off x="1824115" y="2793037"/>
+            <a:ext cx="796780" cy="327404"/>
+          </a:xfrm>
+          <a:prstGeom prst="line">
+            <a:avLst/>
+          </a:prstGeom>
+          <a:ln w="6350"/>
+        </p:spPr>
+        <p:style>
+          <a:lnRef idx="2">
+            <a:schemeClr val="dk1"/>
+          </a:lnRef>
+          <a:fillRef idx="0">
+            <a:schemeClr val="dk1"/>
+          </a:fillRef>
+          <a:effectRef idx="1">
+            <a:schemeClr val="dk1"/>
+          </a:effectRef>
+          <a:fontRef idx="minor">
+            <a:schemeClr val="tx1"/>
+          </a:fontRef>
+        </p:style>
+      </p:cxnSp>
+      <p:cxnSp>
+        <p:nvCxnSpPr>
+          <p:cNvPr id="85" name="Connettore diritto 84">
+            <a:extLst>
+              <a:ext uri="{FF2B5EF4-FFF2-40B4-BE49-F238E27FC236}">
+                <a16:creationId xmlns:a16="http://schemas.microsoft.com/office/drawing/2014/main" id="{EC0E0308-516D-4DFF-B88F-9D5301A30F01}"/>
+              </a:ext>
+            </a:extLst>
+          </p:cNvPr>
+          <p:cNvCxnSpPr>
+            <a:cxnSpLocks/>
+            <a:stCxn id="21" idx="2"/>
+            <a:endCxn id="18" idx="0"/>
+          </p:cNvCxnSpPr>
+          <p:nvPr/>
+        </p:nvCxnSpPr>
+        <p:spPr>
+          <a:xfrm>
+            <a:off x="1152892" y="1399569"/>
+            <a:ext cx="1901588" cy="327402"/>
+          </a:xfrm>
+          <a:prstGeom prst="line">
+            <a:avLst/>
+          </a:prstGeom>
+          <a:ln w="6350"/>
+        </p:spPr>
+        <p:style>
+          <a:lnRef idx="2">
+            <a:schemeClr val="dk1"/>
+          </a:lnRef>
+          <a:fillRef idx="0">
+            <a:schemeClr val="dk1"/>
+          </a:fillRef>
+          <a:effectRef idx="1">
+            <a:schemeClr val="dk1"/>
+          </a:effectRef>
+          <a:fontRef idx="minor">
+            <a:schemeClr val="tx1"/>
+          </a:fontRef>
+        </p:style>
+      </p:cxnSp>
+      <p:cxnSp>
+        <p:nvCxnSpPr>
+          <p:cNvPr id="88" name="Connettore diritto 87">
+            <a:extLst>
+              <a:ext uri="{FF2B5EF4-FFF2-40B4-BE49-F238E27FC236}">
+                <a16:creationId xmlns:a16="http://schemas.microsoft.com/office/drawing/2014/main" id="{DE54CFDD-E802-428E-A49D-6A3417FF5B9C}"/>
+              </a:ext>
+            </a:extLst>
+          </p:cNvPr>
+          <p:cNvCxnSpPr>
+            <a:cxnSpLocks/>
+            <a:stCxn id="16" idx="0"/>
+            <a:endCxn id="21" idx="2"/>
+          </p:cNvCxnSpPr>
+          <p:nvPr/>
+        </p:nvCxnSpPr>
+        <p:spPr>
+          <a:xfrm flipH="1" flipV="1">
+            <a:off x="1152892" y="1399569"/>
+            <a:ext cx="426043" cy="327402"/>
+          </a:xfrm>
+          <a:prstGeom prst="line">
+            <a:avLst/>
+          </a:prstGeom>
+          <a:ln w="6350"/>
+        </p:spPr>
+        <p:style>
+          <a:lnRef idx="2">
+            <a:schemeClr val="dk1"/>
+          </a:lnRef>
+          <a:fillRef idx="0">
+            <a:schemeClr val="dk1"/>
+          </a:fillRef>
+          <a:effectRef idx="1">
+            <a:schemeClr val="dk1"/>
+          </a:effectRef>
+          <a:fontRef idx="minor">
+            <a:schemeClr val="tx1"/>
+          </a:fontRef>
+        </p:style>
+      </p:cxnSp>
+      <p:cxnSp>
+        <p:nvCxnSpPr>
+          <p:cNvPr id="91" name="Connettore diritto 90">
+            <a:extLst>
+              <a:ext uri="{FF2B5EF4-FFF2-40B4-BE49-F238E27FC236}">
+                <a16:creationId xmlns:a16="http://schemas.microsoft.com/office/drawing/2014/main" id="{A02E1078-9BC3-43C3-BAB9-02EA77423380}"/>
+              </a:ext>
+            </a:extLst>
+          </p:cNvPr>
+          <p:cNvCxnSpPr>
+            <a:cxnSpLocks/>
+            <a:stCxn id="16" idx="0"/>
+            <a:endCxn id="23" idx="2"/>
+          </p:cNvCxnSpPr>
+          <p:nvPr/>
+        </p:nvCxnSpPr>
+        <p:spPr>
+          <a:xfrm flipV="1">
+            <a:off x="1578935" y="1399569"/>
+            <a:ext cx="1578038" cy="327402"/>
+          </a:xfrm>
+          <a:prstGeom prst="line">
+            <a:avLst/>
+          </a:prstGeom>
+          <a:ln w="6350"/>
+        </p:spPr>
+        <p:style>
+          <a:lnRef idx="2">
+            <a:schemeClr val="dk1"/>
+          </a:lnRef>
+          <a:fillRef idx="0">
+            <a:schemeClr val="dk1"/>
+          </a:fillRef>
+          <a:effectRef idx="1">
+            <a:schemeClr val="dk1"/>
+          </a:effectRef>
+          <a:fontRef idx="minor">
+            <a:schemeClr val="tx1"/>
+          </a:fontRef>
+        </p:style>
+      </p:cxnSp>
+      <p:cxnSp>
+        <p:nvCxnSpPr>
+          <p:cNvPr id="94" name="Connettore diritto 93">
+            <a:extLst>
+              <a:ext uri="{FF2B5EF4-FFF2-40B4-BE49-F238E27FC236}">
+                <a16:creationId xmlns:a16="http://schemas.microsoft.com/office/drawing/2014/main" id="{38601383-2C3B-4F45-9D74-C9A4C354CD5F}"/>
+              </a:ext>
+            </a:extLst>
+          </p:cNvPr>
+          <p:cNvCxnSpPr>
+            <a:cxnSpLocks/>
+            <a:stCxn id="17" idx="0"/>
+            <a:endCxn id="22" idx="2"/>
+          </p:cNvCxnSpPr>
+          <p:nvPr/>
+        </p:nvCxnSpPr>
+        <p:spPr>
+          <a:xfrm flipH="1" flipV="1">
+            <a:off x="2161056" y="1399569"/>
+            <a:ext cx="167129" cy="327402"/>
+          </a:xfrm>
+          <a:prstGeom prst="line">
+            <a:avLst/>
+          </a:prstGeom>
+          <a:ln w="6350"/>
+        </p:spPr>
+        <p:style>
+          <a:lnRef idx="2">
+            <a:schemeClr val="dk1"/>
+          </a:lnRef>
+          <a:fillRef idx="0">
+            <a:schemeClr val="dk1"/>
+          </a:fillRef>
+          <a:effectRef idx="1">
+            <a:schemeClr val="dk1"/>
+          </a:effectRef>
+          <a:fontRef idx="minor">
+            <a:schemeClr val="tx1"/>
+          </a:fontRef>
+        </p:style>
+      </p:cxnSp>
+      <p:cxnSp>
+        <p:nvCxnSpPr>
+          <p:cNvPr id="97" name="Connettore diritto 96">
+            <a:extLst>
+              <a:ext uri="{FF2B5EF4-FFF2-40B4-BE49-F238E27FC236}">
+                <a16:creationId xmlns:a16="http://schemas.microsoft.com/office/drawing/2014/main" id="{A0D552D1-C98A-415B-B231-998F91E87033}"/>
+              </a:ext>
+            </a:extLst>
+          </p:cNvPr>
+          <p:cNvCxnSpPr>
+            <a:cxnSpLocks/>
+            <a:stCxn id="17" idx="0"/>
+            <a:endCxn id="23" idx="2"/>
+          </p:cNvCxnSpPr>
+          <p:nvPr/>
+        </p:nvCxnSpPr>
+        <p:spPr>
+          <a:xfrm flipV="1">
+            <a:off x="2328185" y="1399569"/>
+            <a:ext cx="828788" cy="327402"/>
+          </a:xfrm>
+          <a:prstGeom prst="line">
+            <a:avLst/>
+          </a:prstGeom>
+          <a:ln w="6350"/>
+        </p:spPr>
+        <p:style>
+          <a:lnRef idx="2">
+            <a:schemeClr val="dk1"/>
+          </a:lnRef>
+          <a:fillRef idx="0">
+            <a:schemeClr val="dk1"/>
+          </a:fillRef>
+          <a:effectRef idx="1">
+            <a:schemeClr val="dk1"/>
+          </a:effectRef>
+          <a:fontRef idx="minor">
+            <a:schemeClr val="tx1"/>
+          </a:fontRef>
+        </p:style>
+      </p:cxnSp>
+      <p:cxnSp>
+        <p:nvCxnSpPr>
+          <p:cNvPr id="100" name="Connettore diritto 99">
+            <a:extLst>
+              <a:ext uri="{FF2B5EF4-FFF2-40B4-BE49-F238E27FC236}">
+                <a16:creationId xmlns:a16="http://schemas.microsoft.com/office/drawing/2014/main" id="{8972A3AF-B624-4C41-91E4-CA019D4E742B}"/>
+              </a:ext>
+            </a:extLst>
+          </p:cNvPr>
+          <p:cNvCxnSpPr>
+            <a:cxnSpLocks/>
+            <a:stCxn id="18" idx="0"/>
+            <a:endCxn id="24" idx="2"/>
+          </p:cNvCxnSpPr>
+          <p:nvPr/>
+        </p:nvCxnSpPr>
+        <p:spPr>
+          <a:xfrm flipV="1">
+            <a:off x="3054480" y="1399569"/>
+            <a:ext cx="1069621" cy="327402"/>
+          </a:xfrm>
+          <a:prstGeom prst="line">
+            <a:avLst/>
+          </a:prstGeom>
+          <a:ln w="6350"/>
+        </p:spPr>
+        <p:style>
+          <a:lnRef idx="2">
+            <a:schemeClr val="dk1"/>
+          </a:lnRef>
+          <a:fillRef idx="0">
+            <a:schemeClr val="dk1"/>
+          </a:fillRef>
+          <a:effectRef idx="1">
+            <a:schemeClr val="dk1"/>
+          </a:effectRef>
+          <a:fontRef idx="minor">
+            <a:schemeClr val="tx1"/>
+          </a:fontRef>
+        </p:style>
+      </p:cxnSp>
+      <p:cxnSp>
+        <p:nvCxnSpPr>
+          <p:cNvPr id="106" name="Connettore diritto 105">
+            <a:extLst>
+              <a:ext uri="{FF2B5EF4-FFF2-40B4-BE49-F238E27FC236}">
+                <a16:creationId xmlns:a16="http://schemas.microsoft.com/office/drawing/2014/main" id="{38C3DBB9-AC1B-4202-8487-F96937996FFA}"/>
+              </a:ext>
+            </a:extLst>
+          </p:cNvPr>
+          <p:cNvCxnSpPr>
+            <a:cxnSpLocks/>
+            <a:stCxn id="22" idx="2"/>
+            <a:endCxn id="19" idx="0"/>
+          </p:cNvCxnSpPr>
+          <p:nvPr/>
+        </p:nvCxnSpPr>
+        <p:spPr>
+          <a:xfrm>
+            <a:off x="2161056" y="1399569"/>
+            <a:ext cx="1596764" cy="327402"/>
+          </a:xfrm>
+          <a:prstGeom prst="line">
+            <a:avLst/>
+          </a:prstGeom>
+          <a:ln w="6350"/>
+        </p:spPr>
+        <p:style>
+          <a:lnRef idx="2">
+            <a:schemeClr val="dk1"/>
+          </a:lnRef>
+          <a:fillRef idx="0">
+            <a:schemeClr val="dk1"/>
+          </a:fillRef>
+          <a:effectRef idx="1">
+            <a:schemeClr val="dk1"/>
+          </a:effectRef>
+          <a:fontRef idx="minor">
+            <a:schemeClr val="tx1"/>
+          </a:fontRef>
+        </p:style>
+      </p:cxnSp>
+      <p:cxnSp>
+        <p:nvCxnSpPr>
+          <p:cNvPr id="109" name="Connettore diritto 108">
+            <a:extLst>
+              <a:ext uri="{FF2B5EF4-FFF2-40B4-BE49-F238E27FC236}">
+                <a16:creationId xmlns:a16="http://schemas.microsoft.com/office/drawing/2014/main" id="{8CC5C5C6-53CA-4747-B776-8D7CB37FE7EF}"/>
+              </a:ext>
+            </a:extLst>
+          </p:cNvPr>
+          <p:cNvCxnSpPr>
+            <a:cxnSpLocks/>
+            <a:stCxn id="24" idx="2"/>
+            <a:endCxn id="19" idx="0"/>
+          </p:cNvCxnSpPr>
+          <p:nvPr/>
+        </p:nvCxnSpPr>
+        <p:spPr>
+          <a:xfrm flipH="1">
+            <a:off x="3757820" y="1399569"/>
+            <a:ext cx="366281" cy="327402"/>
+          </a:xfrm>
+          <a:prstGeom prst="line">
+            <a:avLst/>
+          </a:prstGeom>
+          <a:ln w="6350"/>
+        </p:spPr>
+        <p:style>
+          <a:lnRef idx="2">
+            <a:schemeClr val="dk1"/>
+          </a:lnRef>
+          <a:fillRef idx="0">
+            <a:schemeClr val="dk1"/>
+          </a:fillRef>
+          <a:effectRef idx="1">
+            <a:schemeClr val="dk1"/>
+          </a:effectRef>
+          <a:fontRef idx="minor">
+            <a:schemeClr val="tx1"/>
+          </a:fontRef>
+        </p:style>
+      </p:cxnSp>
+      <p:cxnSp>
+        <p:nvCxnSpPr>
+          <p:cNvPr id="112" name="Connettore diritto 111">
+            <a:extLst>
+              <a:ext uri="{FF2B5EF4-FFF2-40B4-BE49-F238E27FC236}">
+                <a16:creationId xmlns:a16="http://schemas.microsoft.com/office/drawing/2014/main" id="{5D41812A-C37E-4EA2-AF14-96564783C8B0}"/>
+              </a:ext>
+            </a:extLst>
+          </p:cNvPr>
+          <p:cNvCxnSpPr>
+            <a:cxnSpLocks/>
+            <a:stCxn id="24" idx="2"/>
+            <a:endCxn id="20" idx="0"/>
+          </p:cNvCxnSpPr>
+          <p:nvPr/>
+        </p:nvCxnSpPr>
+        <p:spPr>
+          <a:xfrm>
+            <a:off x="4124101" y="1399569"/>
+            <a:ext cx="324810" cy="327402"/>
+          </a:xfrm>
+          <a:prstGeom prst="line">
+            <a:avLst/>
+          </a:prstGeom>
+          <a:ln w="6350"/>
+        </p:spPr>
+        <p:style>
+          <a:lnRef idx="2">
+            <a:schemeClr val="dk1"/>
+          </a:lnRef>
+          <a:fillRef idx="0">
+            <a:schemeClr val="dk1"/>
+          </a:fillRef>
+          <a:effectRef idx="1">
+            <a:schemeClr val="dk1"/>
+          </a:effectRef>
+          <a:fontRef idx="minor">
+            <a:schemeClr val="tx1"/>
+          </a:fontRef>
+        </p:style>
+      </p:cxnSp>
+      <p:cxnSp>
+        <p:nvCxnSpPr>
+          <p:cNvPr id="115" name="Connettore diritto 114">
+            <a:extLst>
+              <a:ext uri="{FF2B5EF4-FFF2-40B4-BE49-F238E27FC236}">
+                <a16:creationId xmlns:a16="http://schemas.microsoft.com/office/drawing/2014/main" id="{70F5D3A9-0948-4731-B3F8-F7B3D387DC57}"/>
+              </a:ext>
+            </a:extLst>
+          </p:cNvPr>
+          <p:cNvCxnSpPr>
+            <a:cxnSpLocks/>
+            <a:stCxn id="23" idx="2"/>
+            <a:endCxn id="20" idx="0"/>
+          </p:cNvCxnSpPr>
+          <p:nvPr/>
+        </p:nvCxnSpPr>
+        <p:spPr>
+          <a:xfrm>
+            <a:off x="3156973" y="1399569"/>
+            <a:ext cx="1291938" cy="327402"/>
+          </a:xfrm>
+          <a:prstGeom prst="line">
+            <a:avLst/>
+          </a:prstGeom>
+          <a:ln w="6350"/>
+        </p:spPr>
+        <p:style>
+          <a:lnRef idx="2">
+            <a:schemeClr val="dk1"/>
+          </a:lnRef>
+          <a:fillRef idx="0">
+            <a:schemeClr val="dk1"/>
+          </a:fillRef>
+          <a:effectRef idx="1">
+            <a:schemeClr val="dk1"/>
+          </a:effectRef>
+          <a:fontRef idx="minor">
+            <a:schemeClr val="tx1"/>
+          </a:fontRef>
+        </p:style>
+      </p:cxnSp>
+      <p:cxnSp>
+        <p:nvCxnSpPr>
+          <p:cNvPr id="118" name="Connettore diritto 117">
+            <a:extLst>
+              <a:ext uri="{FF2B5EF4-FFF2-40B4-BE49-F238E27FC236}">
+                <a16:creationId xmlns:a16="http://schemas.microsoft.com/office/drawing/2014/main" id="{D67CA0C4-5425-4E44-9124-9CB6581175D3}"/>
+              </a:ext>
+            </a:extLst>
+          </p:cNvPr>
+          <p:cNvCxnSpPr>
+            <a:cxnSpLocks/>
+            <a:stCxn id="21" idx="0"/>
+            <a:endCxn id="25" idx="2"/>
+          </p:cNvCxnSpPr>
+          <p:nvPr/>
+        </p:nvCxnSpPr>
+        <p:spPr>
+          <a:xfrm flipV="1">
+            <a:off x="1152892" y="702835"/>
+            <a:ext cx="1468003" cy="327402"/>
+          </a:xfrm>
+          <a:prstGeom prst="line">
+            <a:avLst/>
+          </a:prstGeom>
+          <a:ln w="6350"/>
+        </p:spPr>
+        <p:style>
+          <a:lnRef idx="2">
+            <a:schemeClr val="dk1"/>
+          </a:lnRef>
+          <a:fillRef idx="0">
+            <a:schemeClr val="dk1"/>
+          </a:fillRef>
+          <a:effectRef idx="1">
+            <a:schemeClr val="dk1"/>
+          </a:effectRef>
+          <a:fontRef idx="minor">
+            <a:schemeClr val="tx1"/>
+          </a:fontRef>
+        </p:style>
+      </p:cxnSp>
+      <p:cxnSp>
+        <p:nvCxnSpPr>
+          <p:cNvPr id="121" name="Connettore diritto 120">
+            <a:extLst>
+              <a:ext uri="{FF2B5EF4-FFF2-40B4-BE49-F238E27FC236}">
+                <a16:creationId xmlns:a16="http://schemas.microsoft.com/office/drawing/2014/main" id="{59B034F0-8851-4CA5-8D39-EF2BBC8F4F21}"/>
+              </a:ext>
+            </a:extLst>
+          </p:cNvPr>
+          <p:cNvCxnSpPr>
+            <a:cxnSpLocks/>
+            <a:stCxn id="22" idx="0"/>
+            <a:endCxn id="25" idx="2"/>
+          </p:cNvCxnSpPr>
+          <p:nvPr/>
+        </p:nvCxnSpPr>
+        <p:spPr>
+          <a:xfrm flipV="1">
+            <a:off x="2161056" y="702835"/>
+            <a:ext cx="459839" cy="327402"/>
+          </a:xfrm>
+          <a:prstGeom prst="line">
+            <a:avLst/>
+          </a:prstGeom>
+          <a:ln w="6350"/>
+        </p:spPr>
+        <p:style>
+          <a:lnRef idx="2">
+            <a:schemeClr val="dk1"/>
+          </a:lnRef>
+          <a:fillRef idx="0">
+            <a:schemeClr val="dk1"/>
+          </a:fillRef>
+          <a:effectRef idx="1">
+            <a:schemeClr val="dk1"/>
+          </a:effectRef>
+          <a:fontRef idx="minor">
+            <a:schemeClr val="tx1"/>
+          </a:fontRef>
+        </p:style>
+      </p:cxnSp>
+      <p:cxnSp>
+        <p:nvCxnSpPr>
+          <p:cNvPr id="124" name="Connettore diritto 123">
+            <a:extLst>
+              <a:ext uri="{FF2B5EF4-FFF2-40B4-BE49-F238E27FC236}">
+                <a16:creationId xmlns:a16="http://schemas.microsoft.com/office/drawing/2014/main" id="{F3A7F63D-6FBC-479D-8FA1-AFD9A53835FE}"/>
+              </a:ext>
+            </a:extLst>
+          </p:cNvPr>
+          <p:cNvCxnSpPr>
+            <a:cxnSpLocks/>
+            <a:stCxn id="23" idx="0"/>
+            <a:endCxn id="25" idx="2"/>
+          </p:cNvCxnSpPr>
+          <p:nvPr/>
+        </p:nvCxnSpPr>
+        <p:spPr>
+          <a:xfrm flipH="1" flipV="1">
+            <a:off x="2620895" y="702835"/>
+            <a:ext cx="536078" cy="327402"/>
+          </a:xfrm>
+          <a:prstGeom prst="line">
+            <a:avLst/>
+          </a:prstGeom>
+          <a:ln w="6350"/>
+        </p:spPr>
+        <p:style>
+          <a:lnRef idx="2">
+            <a:schemeClr val="dk1"/>
+          </a:lnRef>
+          <a:fillRef idx="0">
+            <a:schemeClr val="dk1"/>
+          </a:fillRef>
+          <a:effectRef idx="1">
+            <a:schemeClr val="dk1"/>
+          </a:effectRef>
+          <a:fontRef idx="minor">
+            <a:schemeClr val="tx1"/>
+          </a:fontRef>
+        </p:style>
+      </p:cxnSp>
+      <p:cxnSp>
+        <p:nvCxnSpPr>
+          <p:cNvPr id="127" name="Connettore diritto 126">
+            <a:extLst>
+              <a:ext uri="{FF2B5EF4-FFF2-40B4-BE49-F238E27FC236}">
+                <a16:creationId xmlns:a16="http://schemas.microsoft.com/office/drawing/2014/main" id="{81BCCAA7-FD37-4B4E-86AB-7501BE083AA2}"/>
+              </a:ext>
+            </a:extLst>
+          </p:cNvPr>
+          <p:cNvCxnSpPr>
+            <a:cxnSpLocks/>
+            <a:stCxn id="24" idx="0"/>
+            <a:endCxn id="25" idx="2"/>
+          </p:cNvCxnSpPr>
+          <p:nvPr/>
+        </p:nvCxnSpPr>
+        <p:spPr>
+          <a:xfrm flipH="1" flipV="1">
+            <a:off x="2620895" y="702835"/>
+            <a:ext cx="1503206" cy="327402"/>
+          </a:xfrm>
+          <a:prstGeom prst="line">
+            <a:avLst/>
+          </a:prstGeom>
+          <a:ln w="6350"/>
+        </p:spPr>
+        <p:style>
+          <a:lnRef idx="2">
+            <a:schemeClr val="dk1"/>
+          </a:lnRef>
+          <a:fillRef idx="0">
+            <a:schemeClr val="dk1"/>
+          </a:fillRef>
+          <a:effectRef idx="1">
+            <a:schemeClr val="dk1"/>
+          </a:effectRef>
+          <a:fontRef idx="minor">
+            <a:schemeClr val="tx1"/>
+          </a:fontRef>
+        </p:style>
+      </p:cxnSp>
+      <p:sp>
+        <p:nvSpPr>
+          <p:cNvPr id="147" name="CasellaDiTesto 146">
+            <a:extLst>
+              <a:ext uri="{FF2B5EF4-FFF2-40B4-BE49-F238E27FC236}">
+                <a16:creationId xmlns:a16="http://schemas.microsoft.com/office/drawing/2014/main" id="{C4FE0EE4-A2B8-4B1F-AC94-F164FD292557}"/>
+              </a:ext>
+            </a:extLst>
+          </p:cNvPr>
+          <p:cNvSpPr txBox="1"/>
+          <p:nvPr/>
+        </p:nvSpPr>
+        <p:spPr>
+          <a:xfrm>
+            <a:off x="7421620" y="5852023"/>
+            <a:ext cx="381836" cy="369332"/>
+          </a:xfrm>
+          <a:prstGeom prst="rect">
+            <a:avLst/>
+          </a:prstGeom>
+          <a:noFill/>
+        </p:spPr>
+        <p:txBody>
+          <a:bodyPr wrap="none" rtlCol="0">
+            <a:spAutoFit/>
+          </a:bodyPr>
+          <a:lstStyle/>
+          <a:p>
+            <a:r>
+              <a:rPr lang="it-IT" dirty="0"/>
+              <a:t>{ }</a:t>
+            </a:r>
+          </a:p>
+        </p:txBody>
+      </p:sp>
+      <p:grpSp>
+        <p:nvGrpSpPr>
+          <p:cNvPr id="148" name="Gruppo 147">
+            <a:extLst>
+              <a:ext uri="{FF2B5EF4-FFF2-40B4-BE49-F238E27FC236}">
+                <a16:creationId xmlns:a16="http://schemas.microsoft.com/office/drawing/2014/main" id="{1FABA7C6-7F29-4588-AF69-16674BBBDD6C}"/>
+              </a:ext>
+            </a:extLst>
+          </p:cNvPr>
+          <p:cNvGrpSpPr/>
+          <p:nvPr/>
+        </p:nvGrpSpPr>
+        <p:grpSpPr>
+          <a:xfrm>
+            <a:off x="6515836" y="5155287"/>
+            <a:ext cx="2193404" cy="369332"/>
+            <a:chOff x="4322555" y="4720298"/>
+            <a:chExt cx="2193404" cy="369332"/>
+          </a:xfrm>
+        </p:grpSpPr>
+        <p:sp>
+          <p:nvSpPr>
+            <p:cNvPr id="149" name="CasellaDiTesto 148">
+              <a:extLst>
+                <a:ext uri="{FF2B5EF4-FFF2-40B4-BE49-F238E27FC236}">
+                  <a16:creationId xmlns:a16="http://schemas.microsoft.com/office/drawing/2014/main" id="{4B5BEA43-9456-4ED1-B55D-F1F3247DFA8B}"/>
+                </a:ext>
+              </a:extLst>
+            </p:cNvPr>
+            <p:cNvSpPr txBox="1"/>
+            <p:nvPr/>
+          </p:nvSpPr>
+          <p:spPr>
+            <a:xfrm>
+              <a:off x="4322555" y="4720298"/>
+              <a:ext cx="599844" cy="369332"/>
+            </a:xfrm>
+            <a:prstGeom prst="rect">
+              <a:avLst/>
+            </a:prstGeom>
+            <a:noFill/>
+          </p:spPr>
+          <p:txBody>
+            <a:bodyPr wrap="none" rtlCol="0">
+              <a:spAutoFit/>
+            </a:bodyPr>
+            <a:lstStyle/>
+            <a:p>
+              <a:r>
+                <a:rPr lang="it-IT" dirty="0"/>
+                <a:t>{ w }</a:t>
+              </a:r>
+            </a:p>
+          </p:txBody>
+        </p:sp>
+        <p:sp>
+          <p:nvSpPr>
+            <p:cNvPr id="150" name="CasellaDiTesto 149">
+              <a:extLst>
+                <a:ext uri="{FF2B5EF4-FFF2-40B4-BE49-F238E27FC236}">
+                  <a16:creationId xmlns:a16="http://schemas.microsoft.com/office/drawing/2014/main" id="{85B0E22F-9A95-46B8-985F-206D5CC51DAB}"/>
+                </a:ext>
+              </a:extLst>
+            </p:cNvPr>
+            <p:cNvSpPr txBox="1"/>
+            <p:nvPr/>
+          </p:nvSpPr>
+          <p:spPr>
+            <a:xfrm>
+              <a:off x="4920533" y="4720298"/>
+              <a:ext cx="534121" cy="369332"/>
+            </a:xfrm>
+            <a:prstGeom prst="rect">
+              <a:avLst/>
+            </a:prstGeom>
+            <a:noFill/>
+          </p:spPr>
+          <p:txBody>
+            <a:bodyPr wrap="none" rtlCol="0">
+              <a:spAutoFit/>
+            </a:bodyPr>
+            <a:lstStyle/>
+            <a:p>
+              <a:r>
+                <a:rPr lang="it-IT" dirty="0">
+                  <a:solidFill>
+                    <a:srgbClr val="FF0000"/>
+                  </a:solidFill>
+                </a:rPr>
+                <a:t>{ x }</a:t>
+              </a:r>
+            </a:p>
+          </p:txBody>
+        </p:sp>
+        <p:sp>
+          <p:nvSpPr>
+            <p:cNvPr id="151" name="CasellaDiTesto 150">
+              <a:extLst>
+                <a:ext uri="{FF2B5EF4-FFF2-40B4-BE49-F238E27FC236}">
+                  <a16:creationId xmlns:a16="http://schemas.microsoft.com/office/drawing/2014/main" id="{441BB5C9-3452-4DE5-B34C-D922D9AE351F}"/>
+                </a:ext>
+              </a:extLst>
+            </p:cNvPr>
+            <p:cNvSpPr txBox="1"/>
+            <p:nvPr/>
+          </p:nvSpPr>
+          <p:spPr>
+            <a:xfrm>
+              <a:off x="5452788" y="4720298"/>
+              <a:ext cx="538930" cy="369332"/>
+            </a:xfrm>
+            <a:prstGeom prst="rect">
+              <a:avLst/>
+            </a:prstGeom>
+            <a:noFill/>
+          </p:spPr>
+          <p:txBody>
+            <a:bodyPr wrap="none" rtlCol="0">
+              <a:spAutoFit/>
+            </a:bodyPr>
+            <a:lstStyle/>
+            <a:p>
+              <a:r>
+                <a:rPr lang="it-IT" dirty="0"/>
+                <a:t>{ y }</a:t>
+              </a:r>
+            </a:p>
+          </p:txBody>
+        </p:sp>
+        <p:sp>
+          <p:nvSpPr>
+            <p:cNvPr id="152" name="CasellaDiTesto 151">
+              <a:extLst>
+                <a:ext uri="{FF2B5EF4-FFF2-40B4-BE49-F238E27FC236}">
+                  <a16:creationId xmlns:a16="http://schemas.microsoft.com/office/drawing/2014/main" id="{F0B133FC-1D0C-44A9-B77F-56CE2E676EBA}"/>
+                </a:ext>
+              </a:extLst>
+            </p:cNvPr>
+            <p:cNvSpPr txBox="1"/>
+            <p:nvPr/>
+          </p:nvSpPr>
+          <p:spPr>
+            <a:xfrm>
+              <a:off x="5989853" y="4720298"/>
+              <a:ext cx="526106" cy="369332"/>
+            </a:xfrm>
+            <a:prstGeom prst="rect">
+              <a:avLst/>
+            </a:prstGeom>
+            <a:noFill/>
+          </p:spPr>
+          <p:txBody>
+            <a:bodyPr wrap="none" rtlCol="0">
+              <a:spAutoFit/>
+            </a:bodyPr>
+            <a:lstStyle/>
+            <a:p>
+              <a:r>
+                <a:rPr lang="it-IT" dirty="0"/>
+                <a:t>{ z }</a:t>
+              </a:r>
+            </a:p>
+          </p:txBody>
+        </p:sp>
+      </p:grpSp>
+      <p:grpSp>
+        <p:nvGrpSpPr>
+          <p:cNvPr id="153" name="Gruppo 152">
+            <a:extLst>
+              <a:ext uri="{FF2B5EF4-FFF2-40B4-BE49-F238E27FC236}">
+                <a16:creationId xmlns:a16="http://schemas.microsoft.com/office/drawing/2014/main" id="{F60D0E96-4EB9-45B0-B65F-1F77FBA73825}"/>
+              </a:ext>
+            </a:extLst>
+          </p:cNvPr>
+          <p:cNvGrpSpPr/>
+          <p:nvPr/>
+        </p:nvGrpSpPr>
+        <p:grpSpPr>
+          <a:xfrm>
+            <a:off x="5422308" y="4458553"/>
+            <a:ext cx="4380460" cy="369332"/>
+            <a:chOff x="3755788" y="3990419"/>
+            <a:chExt cx="4380460" cy="369332"/>
+          </a:xfrm>
+        </p:grpSpPr>
+        <p:sp>
+          <p:nvSpPr>
+            <p:cNvPr id="154" name="CasellaDiTesto 153">
+              <a:extLst>
+                <a:ext uri="{FF2B5EF4-FFF2-40B4-BE49-F238E27FC236}">
+                  <a16:creationId xmlns:a16="http://schemas.microsoft.com/office/drawing/2014/main" id="{49A40FD2-C49C-4430-A0D8-2A5E646ADA4C}"/>
+                </a:ext>
+              </a:extLst>
+            </p:cNvPr>
+            <p:cNvSpPr txBox="1"/>
+            <p:nvPr/>
+          </p:nvSpPr>
+          <p:spPr>
+            <a:xfrm>
+              <a:off x="3755788" y="3990419"/>
+              <a:ext cx="790024" cy="369332"/>
+            </a:xfrm>
+            <a:prstGeom prst="rect">
+              <a:avLst/>
+            </a:prstGeom>
+            <a:noFill/>
+          </p:spPr>
+          <p:txBody>
+            <a:bodyPr wrap="none" rtlCol="0">
+              <a:spAutoFit/>
+            </a:bodyPr>
+            <a:lstStyle/>
+            <a:p>
+              <a:r>
+                <a:rPr lang="it-IT" dirty="0"/>
+                <a:t>{ w, x }</a:t>
+              </a:r>
+            </a:p>
+          </p:txBody>
+        </p:sp>
+        <p:sp>
+          <p:nvSpPr>
+            <p:cNvPr id="155" name="CasellaDiTesto 154">
+              <a:extLst>
+                <a:ext uri="{FF2B5EF4-FFF2-40B4-BE49-F238E27FC236}">
+                  <a16:creationId xmlns:a16="http://schemas.microsoft.com/office/drawing/2014/main" id="{3B47E496-296B-458E-8A3F-4AC3A9893A20}"/>
+                </a:ext>
+              </a:extLst>
+            </p:cNvPr>
+            <p:cNvSpPr txBox="1"/>
+            <p:nvPr/>
+          </p:nvSpPr>
+          <p:spPr>
+            <a:xfrm>
+              <a:off x="4506641" y="3990419"/>
+              <a:ext cx="794833" cy="369332"/>
+            </a:xfrm>
+            <a:prstGeom prst="rect">
+              <a:avLst/>
+            </a:prstGeom>
+            <a:noFill/>
+          </p:spPr>
+          <p:txBody>
+            <a:bodyPr wrap="none" rtlCol="0">
+              <a:spAutoFit/>
+            </a:bodyPr>
+            <a:lstStyle/>
+            <a:p>
+              <a:r>
+                <a:rPr lang="it-IT" dirty="0"/>
+                <a:t>{ w, y }</a:t>
+              </a:r>
+            </a:p>
+          </p:txBody>
+        </p:sp>
+        <p:sp>
+          <p:nvSpPr>
+            <p:cNvPr id="156" name="CasellaDiTesto 155">
+              <a:extLst>
+                <a:ext uri="{FF2B5EF4-FFF2-40B4-BE49-F238E27FC236}">
+                  <a16:creationId xmlns:a16="http://schemas.microsoft.com/office/drawing/2014/main" id="{99B9E992-975B-46D2-A7A2-69A0430C31BE}"/>
+                </a:ext>
+              </a:extLst>
+            </p:cNvPr>
+            <p:cNvSpPr txBox="1"/>
+            <p:nvPr/>
+          </p:nvSpPr>
+          <p:spPr>
+            <a:xfrm>
+              <a:off x="5262303" y="3990419"/>
+              <a:ext cx="782009" cy="369332"/>
+            </a:xfrm>
+            <a:prstGeom prst="rect">
+              <a:avLst/>
+            </a:prstGeom>
+            <a:noFill/>
+          </p:spPr>
+          <p:txBody>
+            <a:bodyPr wrap="none" rtlCol="0">
+              <a:spAutoFit/>
+            </a:bodyPr>
+            <a:lstStyle/>
+            <a:p>
+              <a:r>
+                <a:rPr lang="it-IT" dirty="0"/>
+                <a:t>{ w, z }</a:t>
+              </a:r>
+            </a:p>
+          </p:txBody>
+        </p:sp>
+        <p:sp>
+          <p:nvSpPr>
+            <p:cNvPr id="157" name="CasellaDiTesto 156">
+              <a:extLst>
+                <a:ext uri="{FF2B5EF4-FFF2-40B4-BE49-F238E27FC236}">
+                  <a16:creationId xmlns:a16="http://schemas.microsoft.com/office/drawing/2014/main" id="{D9FF9973-53F2-4BC4-867B-B815C09F0920}"/>
+                </a:ext>
+              </a:extLst>
+            </p:cNvPr>
+            <p:cNvSpPr txBox="1"/>
+            <p:nvPr/>
+          </p:nvSpPr>
+          <p:spPr>
+            <a:xfrm>
+              <a:off x="6005141" y="3990419"/>
+              <a:ext cx="748923" cy="369332"/>
+            </a:xfrm>
+            <a:prstGeom prst="rect">
+              <a:avLst/>
+            </a:prstGeom>
+            <a:noFill/>
+          </p:spPr>
+          <p:txBody>
+            <a:bodyPr wrap="none" rtlCol="0">
+              <a:spAutoFit/>
+            </a:bodyPr>
+            <a:lstStyle/>
+            <a:p>
+              <a:r>
+                <a:rPr lang="it-IT" dirty="0"/>
+                <a:t>{ x, y }</a:t>
+              </a:r>
+            </a:p>
+          </p:txBody>
+        </p:sp>
+        <p:sp>
+          <p:nvSpPr>
+            <p:cNvPr id="158" name="CasellaDiTesto 157">
+              <a:extLst>
+                <a:ext uri="{FF2B5EF4-FFF2-40B4-BE49-F238E27FC236}">
+                  <a16:creationId xmlns:a16="http://schemas.microsoft.com/office/drawing/2014/main" id="{472A9E98-4A37-484A-82C4-0C005CEE6E03}"/>
+                </a:ext>
+              </a:extLst>
+            </p:cNvPr>
+            <p:cNvSpPr txBox="1"/>
+            <p:nvPr/>
+          </p:nvSpPr>
+          <p:spPr>
+            <a:xfrm>
+              <a:off x="6714893" y="3990419"/>
+              <a:ext cx="736099" cy="369332"/>
+            </a:xfrm>
+            <a:prstGeom prst="rect">
+              <a:avLst/>
+            </a:prstGeom>
+            <a:noFill/>
+          </p:spPr>
+          <p:txBody>
+            <a:bodyPr wrap="none" rtlCol="0">
+              <a:spAutoFit/>
+            </a:bodyPr>
+            <a:lstStyle/>
+            <a:p>
+              <a:r>
+                <a:rPr lang="it-IT" dirty="0">
+                  <a:solidFill>
+                    <a:srgbClr val="FF0000"/>
+                  </a:solidFill>
+                </a:rPr>
+                <a:t>{ x, z }</a:t>
+              </a:r>
+            </a:p>
+          </p:txBody>
+        </p:sp>
+        <p:sp>
+          <p:nvSpPr>
+            <p:cNvPr id="159" name="CasellaDiTesto 158">
+              <a:extLst>
+                <a:ext uri="{FF2B5EF4-FFF2-40B4-BE49-F238E27FC236}">
+                  <a16:creationId xmlns:a16="http://schemas.microsoft.com/office/drawing/2014/main" id="{3007BDAE-6F6D-42D1-9E84-556966A01249}"/>
+                </a:ext>
+              </a:extLst>
+            </p:cNvPr>
+            <p:cNvSpPr txBox="1"/>
+            <p:nvPr/>
+          </p:nvSpPr>
+          <p:spPr>
+            <a:xfrm>
+              <a:off x="7411819" y="3990419"/>
+              <a:ext cx="724429" cy="369332"/>
+            </a:xfrm>
+            <a:prstGeom prst="rect">
+              <a:avLst/>
+            </a:prstGeom>
+            <a:noFill/>
+          </p:spPr>
+          <p:txBody>
+            <a:bodyPr wrap="none" rtlCol="0">
+              <a:spAutoFit/>
+            </a:bodyPr>
+            <a:lstStyle/>
+            <a:p>
+              <a:r>
+                <a:rPr lang="it-IT" dirty="0"/>
+                <a:t>{ y, z }</a:t>
+              </a:r>
+            </a:p>
+          </p:txBody>
+        </p:sp>
+      </p:grpSp>
+      <p:grpSp>
+        <p:nvGrpSpPr>
+          <p:cNvPr id="160" name="Gruppo 159">
+            <a:extLst>
+              <a:ext uri="{FF2B5EF4-FFF2-40B4-BE49-F238E27FC236}">
+                <a16:creationId xmlns:a16="http://schemas.microsoft.com/office/drawing/2014/main" id="{54F54A95-D15A-4EA3-9C40-57CADC8BE8FF}"/>
+              </a:ext>
+            </a:extLst>
+          </p:cNvPr>
+          <p:cNvGrpSpPr/>
+          <p:nvPr/>
+        </p:nvGrpSpPr>
+        <p:grpSpPr>
+          <a:xfrm>
+            <a:off x="5642121" y="3761819"/>
+            <a:ext cx="3940834" cy="369332"/>
+            <a:chOff x="3018391" y="3392437"/>
+            <a:chExt cx="3940834" cy="369332"/>
+          </a:xfrm>
+        </p:grpSpPr>
+        <p:sp>
+          <p:nvSpPr>
+            <p:cNvPr id="161" name="CasellaDiTesto 160">
+              <a:extLst>
+                <a:ext uri="{FF2B5EF4-FFF2-40B4-BE49-F238E27FC236}">
+                  <a16:creationId xmlns:a16="http://schemas.microsoft.com/office/drawing/2014/main" id="{6E85A76F-822D-4B73-8DCC-4B552850B1D7}"/>
+                </a:ext>
+              </a:extLst>
+            </p:cNvPr>
+            <p:cNvSpPr txBox="1"/>
+            <p:nvPr/>
+          </p:nvSpPr>
+          <p:spPr>
+            <a:xfrm>
+              <a:off x="3018391" y="3392437"/>
+              <a:ext cx="1004827" cy="369332"/>
+            </a:xfrm>
+            <a:prstGeom prst="rect">
+              <a:avLst/>
+            </a:prstGeom>
+            <a:noFill/>
+          </p:spPr>
+          <p:txBody>
+            <a:bodyPr wrap="none" rtlCol="0">
+              <a:spAutoFit/>
+            </a:bodyPr>
+            <a:lstStyle/>
+            <a:p>
+              <a:r>
+                <a:rPr lang="it-IT" dirty="0"/>
+                <a:t>{ w, x, y }</a:t>
+              </a:r>
+            </a:p>
+          </p:txBody>
+        </p:sp>
+        <p:sp>
+          <p:nvSpPr>
+            <p:cNvPr id="162" name="CasellaDiTesto 161">
+              <a:extLst>
+                <a:ext uri="{FF2B5EF4-FFF2-40B4-BE49-F238E27FC236}">
+                  <a16:creationId xmlns:a16="http://schemas.microsoft.com/office/drawing/2014/main" id="{DC24DD42-8962-42D9-8D36-B41DEE72ED37}"/>
+                </a:ext>
+              </a:extLst>
+            </p:cNvPr>
+            <p:cNvSpPr txBox="1"/>
+            <p:nvPr/>
+          </p:nvSpPr>
+          <p:spPr>
+            <a:xfrm>
+              <a:off x="4032967" y="3392437"/>
+              <a:ext cx="992003" cy="369332"/>
+            </a:xfrm>
+            <a:prstGeom prst="rect">
+              <a:avLst/>
+            </a:prstGeom>
+            <a:noFill/>
+          </p:spPr>
+          <p:txBody>
+            <a:bodyPr wrap="none" rtlCol="0">
+              <a:spAutoFit/>
+            </a:bodyPr>
+            <a:lstStyle/>
+            <a:p>
+              <a:r>
+                <a:rPr lang="it-IT" dirty="0">
+                  <a:solidFill>
+                    <a:srgbClr val="FF0000"/>
+                  </a:solidFill>
+                </a:rPr>
+                <a:t>{ w, x, z }</a:t>
+              </a:r>
+            </a:p>
+          </p:txBody>
+        </p:sp>
+        <p:sp>
+          <p:nvSpPr>
+            <p:cNvPr id="163" name="CasellaDiTesto 162">
+              <a:extLst>
+                <a:ext uri="{FF2B5EF4-FFF2-40B4-BE49-F238E27FC236}">
+                  <a16:creationId xmlns:a16="http://schemas.microsoft.com/office/drawing/2014/main" id="{A1E8F5B1-9387-4432-8816-7F4967024668}"/>
+                </a:ext>
+              </a:extLst>
+            </p:cNvPr>
+            <p:cNvSpPr txBox="1"/>
+            <p:nvPr/>
+          </p:nvSpPr>
+          <p:spPr>
+            <a:xfrm>
+              <a:off x="5034719" y="3392437"/>
+              <a:ext cx="980333" cy="369332"/>
+            </a:xfrm>
+            <a:prstGeom prst="rect">
+              <a:avLst/>
+            </a:prstGeom>
+            <a:noFill/>
+          </p:spPr>
+          <p:txBody>
+            <a:bodyPr wrap="none" rtlCol="0">
+              <a:spAutoFit/>
+            </a:bodyPr>
+            <a:lstStyle/>
+            <a:p>
+              <a:r>
+                <a:rPr lang="it-IT" dirty="0"/>
+                <a:t>{ w, y, z }</a:t>
+              </a:r>
+            </a:p>
+          </p:txBody>
+        </p:sp>
+        <p:sp>
+          <p:nvSpPr>
+            <p:cNvPr id="164" name="CasellaDiTesto 163">
+              <a:extLst>
+                <a:ext uri="{FF2B5EF4-FFF2-40B4-BE49-F238E27FC236}">
+                  <a16:creationId xmlns:a16="http://schemas.microsoft.com/office/drawing/2014/main" id="{CDD98285-759B-4CA3-B212-00B663F40E9F}"/>
+                </a:ext>
+              </a:extLst>
+            </p:cNvPr>
+            <p:cNvSpPr txBox="1"/>
+            <p:nvPr/>
+          </p:nvSpPr>
+          <p:spPr>
+            <a:xfrm>
+              <a:off x="6024802" y="3392437"/>
+              <a:ext cx="934423" cy="369332"/>
+            </a:xfrm>
+            <a:prstGeom prst="rect">
+              <a:avLst/>
+            </a:prstGeom>
+            <a:noFill/>
+          </p:spPr>
+          <p:txBody>
+            <a:bodyPr wrap="none" rtlCol="0">
+              <a:spAutoFit/>
+            </a:bodyPr>
+            <a:lstStyle/>
+            <a:p>
+              <a:r>
+                <a:rPr lang="it-IT" dirty="0"/>
+                <a:t>{ x, y, z }</a:t>
+              </a:r>
+            </a:p>
+          </p:txBody>
+        </p:sp>
+      </p:grpSp>
+      <p:sp>
+        <p:nvSpPr>
+          <p:cNvPr id="165" name="CasellaDiTesto 164">
+            <a:extLst>
+              <a:ext uri="{FF2B5EF4-FFF2-40B4-BE49-F238E27FC236}">
+                <a16:creationId xmlns:a16="http://schemas.microsoft.com/office/drawing/2014/main" id="{E2325B56-9429-4B0C-9E08-201D4CF8F23F}"/>
+              </a:ext>
+            </a:extLst>
+          </p:cNvPr>
+          <p:cNvSpPr txBox="1"/>
+          <p:nvPr/>
+        </p:nvSpPr>
+        <p:spPr>
+          <a:xfrm>
+            <a:off x="7017375" y="3065085"/>
+            <a:ext cx="1190326" cy="369332"/>
+          </a:xfrm>
+          <a:prstGeom prst="rect">
+            <a:avLst/>
+          </a:prstGeom>
+          <a:noFill/>
+        </p:spPr>
+        <p:txBody>
+          <a:bodyPr wrap="none" rtlCol="0">
+            <a:spAutoFit/>
+          </a:bodyPr>
+          <a:lstStyle/>
+          <a:p>
+            <a:r>
+              <a:rPr lang="it-IT" dirty="0">
+                <a:solidFill>
+                  <a:srgbClr val="FF0000"/>
+                </a:solidFill>
+              </a:rPr>
+              <a:t>{ w, x, y, z }</a:t>
+            </a:r>
+          </a:p>
+        </p:txBody>
+      </p:sp>
+      <p:cxnSp>
+        <p:nvCxnSpPr>
+          <p:cNvPr id="166" name="Connettore diritto 165">
+            <a:extLst>
+              <a:ext uri="{FF2B5EF4-FFF2-40B4-BE49-F238E27FC236}">
+                <a16:creationId xmlns:a16="http://schemas.microsoft.com/office/drawing/2014/main" id="{92BD447D-9A6C-41BC-9767-8BBE4FA5DD51}"/>
+              </a:ext>
+            </a:extLst>
+          </p:cNvPr>
+          <p:cNvCxnSpPr>
+            <a:cxnSpLocks/>
+            <a:stCxn id="154" idx="0"/>
+            <a:endCxn id="161" idx="2"/>
+          </p:cNvCxnSpPr>
+          <p:nvPr/>
+        </p:nvCxnSpPr>
+        <p:spPr>
+          <a:xfrm flipV="1">
+            <a:off x="5817320" y="4131151"/>
+            <a:ext cx="327215" cy="327402"/>
+          </a:xfrm>
+          <a:prstGeom prst="line">
+            <a:avLst/>
+          </a:prstGeom>
+          <a:ln w="6350"/>
+        </p:spPr>
+        <p:style>
+          <a:lnRef idx="2">
+            <a:schemeClr val="dk1"/>
+          </a:lnRef>
+          <a:fillRef idx="0">
+            <a:schemeClr val="dk1"/>
+          </a:fillRef>
+          <a:effectRef idx="1">
+            <a:schemeClr val="dk1"/>
+          </a:effectRef>
+          <a:fontRef idx="minor">
+            <a:schemeClr val="tx1"/>
+          </a:fontRef>
+        </p:style>
+      </p:cxnSp>
+      <p:cxnSp>
+        <p:nvCxnSpPr>
+          <p:cNvPr id="167" name="Connettore diritto 166">
+            <a:extLst>
+              <a:ext uri="{FF2B5EF4-FFF2-40B4-BE49-F238E27FC236}">
+                <a16:creationId xmlns:a16="http://schemas.microsoft.com/office/drawing/2014/main" id="{3B27FCBC-B77D-4D49-97B9-D1DFA7CADE28}"/>
+              </a:ext>
+            </a:extLst>
+          </p:cNvPr>
+          <p:cNvCxnSpPr>
+            <a:cxnSpLocks/>
+            <a:stCxn id="154" idx="0"/>
+            <a:endCxn id="162" idx="2"/>
+          </p:cNvCxnSpPr>
+          <p:nvPr/>
+        </p:nvCxnSpPr>
+        <p:spPr>
+          <a:xfrm flipV="1">
+            <a:off x="5817320" y="4131151"/>
+            <a:ext cx="1335379" cy="327402"/>
+          </a:xfrm>
+          <a:prstGeom prst="line">
+            <a:avLst/>
+          </a:prstGeom>
+          <a:ln w="6350"/>
+        </p:spPr>
+        <p:style>
+          <a:lnRef idx="2">
+            <a:schemeClr val="dk1"/>
+          </a:lnRef>
+          <a:fillRef idx="0">
+            <a:schemeClr val="dk1"/>
+          </a:fillRef>
+          <a:effectRef idx="1">
+            <a:schemeClr val="dk1"/>
+          </a:effectRef>
+          <a:fontRef idx="minor">
+            <a:schemeClr val="tx1"/>
+          </a:fontRef>
+        </p:style>
+      </p:cxnSp>
+      <p:cxnSp>
+        <p:nvCxnSpPr>
+          <p:cNvPr id="168" name="Connettore diritto 167">
+            <a:extLst>
+              <a:ext uri="{FF2B5EF4-FFF2-40B4-BE49-F238E27FC236}">
+                <a16:creationId xmlns:a16="http://schemas.microsoft.com/office/drawing/2014/main" id="{E6D9A336-B3FA-4FB3-8588-EE8EB95E120F}"/>
+              </a:ext>
+            </a:extLst>
+          </p:cNvPr>
+          <p:cNvCxnSpPr>
+            <a:cxnSpLocks/>
+            <a:stCxn id="154" idx="2"/>
+            <a:endCxn id="149" idx="0"/>
+          </p:cNvCxnSpPr>
+          <p:nvPr/>
+        </p:nvCxnSpPr>
+        <p:spPr>
+          <a:xfrm>
+            <a:off x="5817320" y="4827885"/>
+            <a:ext cx="998438" cy="327402"/>
+          </a:xfrm>
+          <a:prstGeom prst="line">
+            <a:avLst/>
+          </a:prstGeom>
+          <a:ln w="6350"/>
+        </p:spPr>
+        <p:style>
+          <a:lnRef idx="2">
+            <a:schemeClr val="dk1"/>
+          </a:lnRef>
+          <a:fillRef idx="0">
+            <a:schemeClr val="dk1"/>
+          </a:fillRef>
+          <a:effectRef idx="1">
+            <a:schemeClr val="dk1"/>
+          </a:effectRef>
+          <a:fontRef idx="minor">
+            <a:schemeClr val="tx1"/>
+          </a:fontRef>
+        </p:style>
+      </p:cxnSp>
+      <p:cxnSp>
+        <p:nvCxnSpPr>
+          <p:cNvPr id="169" name="Connettore diritto 168">
+            <a:extLst>
+              <a:ext uri="{FF2B5EF4-FFF2-40B4-BE49-F238E27FC236}">
+                <a16:creationId xmlns:a16="http://schemas.microsoft.com/office/drawing/2014/main" id="{86A1DD60-153E-480E-8E30-87A69AE794FA}"/>
+              </a:ext>
+            </a:extLst>
+          </p:cNvPr>
+          <p:cNvCxnSpPr>
+            <a:cxnSpLocks/>
+            <a:stCxn id="154" idx="2"/>
+            <a:endCxn id="150" idx="0"/>
+          </p:cNvCxnSpPr>
+          <p:nvPr/>
+        </p:nvCxnSpPr>
+        <p:spPr>
+          <a:xfrm>
+            <a:off x="5817320" y="4827885"/>
+            <a:ext cx="1563555" cy="327402"/>
+          </a:xfrm>
+          <a:prstGeom prst="line">
+            <a:avLst/>
+          </a:prstGeom>
+          <a:ln w="6350"/>
+        </p:spPr>
+        <p:style>
+          <a:lnRef idx="2">
+            <a:schemeClr val="dk1"/>
+          </a:lnRef>
+          <a:fillRef idx="0">
+            <a:schemeClr val="dk1"/>
+          </a:fillRef>
+          <a:effectRef idx="1">
+            <a:schemeClr val="dk1"/>
+          </a:effectRef>
+          <a:fontRef idx="minor">
+            <a:schemeClr val="tx1"/>
+          </a:fontRef>
+        </p:style>
+      </p:cxnSp>
+      <p:cxnSp>
+        <p:nvCxnSpPr>
+          <p:cNvPr id="170" name="Connettore diritto 169">
+            <a:extLst>
+              <a:ext uri="{FF2B5EF4-FFF2-40B4-BE49-F238E27FC236}">
+                <a16:creationId xmlns:a16="http://schemas.microsoft.com/office/drawing/2014/main" id="{339522BF-F23E-493E-A7D2-ED4A8E68AE62}"/>
+              </a:ext>
+            </a:extLst>
+          </p:cNvPr>
+          <p:cNvCxnSpPr>
+            <a:cxnSpLocks/>
+            <a:stCxn id="157" idx="2"/>
+            <a:endCxn id="150" idx="0"/>
+          </p:cNvCxnSpPr>
+          <p:nvPr/>
+        </p:nvCxnSpPr>
+        <p:spPr>
+          <a:xfrm flipH="1">
+            <a:off x="7380875" y="4827885"/>
+            <a:ext cx="665248" cy="327402"/>
+          </a:xfrm>
+          <a:prstGeom prst="line">
+            <a:avLst/>
+          </a:prstGeom>
+          <a:ln w="6350"/>
+        </p:spPr>
+        <p:style>
+          <a:lnRef idx="2">
+            <a:schemeClr val="dk1"/>
+          </a:lnRef>
+          <a:fillRef idx="0">
+            <a:schemeClr val="dk1"/>
+          </a:fillRef>
+          <a:effectRef idx="1">
+            <a:schemeClr val="dk1"/>
+          </a:effectRef>
+          <a:fontRef idx="minor">
+            <a:schemeClr val="tx1"/>
+          </a:fontRef>
+        </p:style>
+      </p:cxnSp>
+      <p:cxnSp>
+        <p:nvCxnSpPr>
+          <p:cNvPr id="171" name="Connettore diritto 170">
+            <a:extLst>
+              <a:ext uri="{FF2B5EF4-FFF2-40B4-BE49-F238E27FC236}">
+                <a16:creationId xmlns:a16="http://schemas.microsoft.com/office/drawing/2014/main" id="{DEB5D3A6-4D43-4DF6-8AE6-974D08D3810F}"/>
+              </a:ext>
+            </a:extLst>
+          </p:cNvPr>
+          <p:cNvCxnSpPr>
+            <a:cxnSpLocks/>
+            <a:stCxn id="158" idx="2"/>
+            <a:endCxn id="150" idx="0"/>
+          </p:cNvCxnSpPr>
+          <p:nvPr/>
+        </p:nvCxnSpPr>
+        <p:spPr>
+          <a:xfrm flipH="1">
+            <a:off x="7380875" y="4827885"/>
+            <a:ext cx="1368588" cy="327402"/>
+          </a:xfrm>
+          <a:prstGeom prst="line">
+            <a:avLst/>
+          </a:prstGeom>
+          <a:ln w="6350"/>
+        </p:spPr>
+        <p:style>
+          <a:lnRef idx="2">
+            <a:schemeClr val="dk1"/>
+          </a:lnRef>
+          <a:fillRef idx="0">
+            <a:schemeClr val="dk1"/>
+          </a:fillRef>
+          <a:effectRef idx="1">
+            <a:schemeClr val="dk1"/>
+          </a:effectRef>
+          <a:fontRef idx="minor">
+            <a:schemeClr val="tx1"/>
+          </a:fontRef>
+        </p:style>
+      </p:cxnSp>
+      <p:cxnSp>
+        <p:nvCxnSpPr>
+          <p:cNvPr id="172" name="Connettore diritto 171">
+            <a:extLst>
+              <a:ext uri="{FF2B5EF4-FFF2-40B4-BE49-F238E27FC236}">
+                <a16:creationId xmlns:a16="http://schemas.microsoft.com/office/drawing/2014/main" id="{B69ED712-48AF-4BAA-BC18-2F4C3C6F2E01}"/>
+              </a:ext>
+            </a:extLst>
+          </p:cNvPr>
+          <p:cNvCxnSpPr>
+            <a:cxnSpLocks/>
+            <a:stCxn id="151" idx="0"/>
+            <a:endCxn id="155" idx="2"/>
+          </p:cNvCxnSpPr>
+          <p:nvPr/>
+        </p:nvCxnSpPr>
+        <p:spPr>
+          <a:xfrm flipH="1" flipV="1">
+            <a:off x="6570578" y="4827885"/>
+            <a:ext cx="1344956" cy="327402"/>
+          </a:xfrm>
+          <a:prstGeom prst="line">
+            <a:avLst/>
+          </a:prstGeom>
+          <a:ln w="6350"/>
+        </p:spPr>
+        <p:style>
+          <a:lnRef idx="2">
+            <a:schemeClr val="dk1"/>
+          </a:lnRef>
+          <a:fillRef idx="0">
+            <a:schemeClr val="dk1"/>
+          </a:fillRef>
+          <a:effectRef idx="1">
+            <a:schemeClr val="dk1"/>
+          </a:effectRef>
+          <a:fontRef idx="minor">
+            <a:schemeClr val="tx1"/>
+          </a:fontRef>
+        </p:style>
+      </p:cxnSp>
+      <p:cxnSp>
+        <p:nvCxnSpPr>
+          <p:cNvPr id="173" name="Connettore diritto 172">
+            <a:extLst>
+              <a:ext uri="{FF2B5EF4-FFF2-40B4-BE49-F238E27FC236}">
+                <a16:creationId xmlns:a16="http://schemas.microsoft.com/office/drawing/2014/main" id="{DFF42CC1-D964-4324-9037-C135FB77FB0C}"/>
+              </a:ext>
+            </a:extLst>
+          </p:cNvPr>
+          <p:cNvCxnSpPr>
+            <a:cxnSpLocks/>
+            <a:stCxn id="149" idx="0"/>
+            <a:endCxn id="155" idx="2"/>
+          </p:cNvCxnSpPr>
+          <p:nvPr/>
+        </p:nvCxnSpPr>
+        <p:spPr>
+          <a:xfrm flipH="1" flipV="1">
+            <a:off x="6570578" y="4827885"/>
+            <a:ext cx="245180" cy="327402"/>
+          </a:xfrm>
+          <a:prstGeom prst="line">
+            <a:avLst/>
+          </a:prstGeom>
+          <a:ln w="6350"/>
+        </p:spPr>
+        <p:style>
+          <a:lnRef idx="2">
+            <a:schemeClr val="dk1"/>
+          </a:lnRef>
+          <a:fillRef idx="0">
+            <a:schemeClr val="dk1"/>
+          </a:fillRef>
+          <a:effectRef idx="1">
+            <a:schemeClr val="dk1"/>
+          </a:effectRef>
+          <a:fontRef idx="minor">
+            <a:schemeClr val="tx1"/>
+          </a:fontRef>
+        </p:style>
+      </p:cxnSp>
+      <p:cxnSp>
+        <p:nvCxnSpPr>
+          <p:cNvPr id="174" name="Connettore diritto 173">
+            <a:extLst>
+              <a:ext uri="{FF2B5EF4-FFF2-40B4-BE49-F238E27FC236}">
+                <a16:creationId xmlns:a16="http://schemas.microsoft.com/office/drawing/2014/main" id="{CBBCD69B-4299-4984-9D78-87E4AB1A967D}"/>
+              </a:ext>
+            </a:extLst>
+          </p:cNvPr>
+          <p:cNvCxnSpPr>
+            <a:cxnSpLocks/>
+            <a:stCxn id="149" idx="0"/>
+            <a:endCxn id="156" idx="2"/>
+          </p:cNvCxnSpPr>
+          <p:nvPr/>
+        </p:nvCxnSpPr>
+        <p:spPr>
+          <a:xfrm flipV="1">
+            <a:off x="6815758" y="4827885"/>
+            <a:ext cx="504070" cy="327402"/>
+          </a:xfrm>
+          <a:prstGeom prst="line">
+            <a:avLst/>
+          </a:prstGeom>
+          <a:ln w="6350"/>
+        </p:spPr>
+        <p:style>
+          <a:lnRef idx="2">
+            <a:schemeClr val="dk1"/>
+          </a:lnRef>
+          <a:fillRef idx="0">
+            <a:schemeClr val="dk1"/>
+          </a:fillRef>
+          <a:effectRef idx="1">
+            <a:schemeClr val="dk1"/>
+          </a:effectRef>
+          <a:fontRef idx="minor">
+            <a:schemeClr val="tx1"/>
+          </a:fontRef>
+        </p:style>
+      </p:cxnSp>
+      <p:cxnSp>
+        <p:nvCxnSpPr>
+          <p:cNvPr id="175" name="Connettore diritto 174">
+            <a:extLst>
+              <a:ext uri="{FF2B5EF4-FFF2-40B4-BE49-F238E27FC236}">
+                <a16:creationId xmlns:a16="http://schemas.microsoft.com/office/drawing/2014/main" id="{2207D8A2-0069-4A21-A744-C6CC22B50CB5}"/>
+              </a:ext>
+            </a:extLst>
+          </p:cNvPr>
+          <p:cNvCxnSpPr>
+            <a:cxnSpLocks/>
+            <a:stCxn id="152" idx="0"/>
+            <a:endCxn id="156" idx="2"/>
+          </p:cNvCxnSpPr>
+          <p:nvPr/>
+        </p:nvCxnSpPr>
+        <p:spPr>
+          <a:xfrm flipH="1" flipV="1">
+            <a:off x="7319828" y="4827885"/>
+            <a:ext cx="1126359" cy="327402"/>
+          </a:xfrm>
+          <a:prstGeom prst="line">
+            <a:avLst/>
+          </a:prstGeom>
+          <a:ln w="6350"/>
+        </p:spPr>
+        <p:style>
+          <a:lnRef idx="2">
+            <a:schemeClr val="dk1"/>
+          </a:lnRef>
+          <a:fillRef idx="0">
+            <a:schemeClr val="dk1"/>
+          </a:fillRef>
+          <a:effectRef idx="1">
+            <a:schemeClr val="dk1"/>
+          </a:effectRef>
+          <a:fontRef idx="minor">
+            <a:schemeClr val="tx1"/>
+          </a:fontRef>
+        </p:style>
+      </p:cxnSp>
+      <p:cxnSp>
+        <p:nvCxnSpPr>
+          <p:cNvPr id="176" name="Connettore diritto 175">
+            <a:extLst>
+              <a:ext uri="{FF2B5EF4-FFF2-40B4-BE49-F238E27FC236}">
+                <a16:creationId xmlns:a16="http://schemas.microsoft.com/office/drawing/2014/main" id="{EA45F532-C08D-4852-9BD1-EE9FFDFB8DA4}"/>
+              </a:ext>
+            </a:extLst>
+          </p:cNvPr>
+          <p:cNvCxnSpPr>
+            <a:cxnSpLocks/>
+            <a:stCxn id="151" idx="0"/>
+            <a:endCxn id="157" idx="2"/>
+          </p:cNvCxnSpPr>
+          <p:nvPr/>
+        </p:nvCxnSpPr>
+        <p:spPr>
+          <a:xfrm flipV="1">
+            <a:off x="7915534" y="4827885"/>
+            <a:ext cx="130589" cy="327402"/>
+          </a:xfrm>
+          <a:prstGeom prst="line">
+            <a:avLst/>
+          </a:prstGeom>
+          <a:ln w="6350"/>
+        </p:spPr>
+        <p:style>
+          <a:lnRef idx="2">
+            <a:schemeClr val="dk1"/>
+          </a:lnRef>
+          <a:fillRef idx="0">
+            <a:schemeClr val="dk1"/>
+          </a:fillRef>
+          <a:effectRef idx="1">
+            <a:schemeClr val="dk1"/>
+          </a:effectRef>
+          <a:fontRef idx="minor">
+            <a:schemeClr val="tx1"/>
+          </a:fontRef>
+        </p:style>
+      </p:cxnSp>
+      <p:cxnSp>
+        <p:nvCxnSpPr>
+          <p:cNvPr id="177" name="Connettore diritto 176">
+            <a:extLst>
+              <a:ext uri="{FF2B5EF4-FFF2-40B4-BE49-F238E27FC236}">
+                <a16:creationId xmlns:a16="http://schemas.microsoft.com/office/drawing/2014/main" id="{33307C18-F49B-4DA5-BA54-1D90DD02478E}"/>
+              </a:ext>
+            </a:extLst>
+          </p:cNvPr>
+          <p:cNvCxnSpPr>
+            <a:cxnSpLocks/>
+            <a:stCxn id="152" idx="0"/>
+            <a:endCxn id="158" idx="2"/>
+          </p:cNvCxnSpPr>
+          <p:nvPr/>
+        </p:nvCxnSpPr>
+        <p:spPr>
+          <a:xfrm flipV="1">
+            <a:off x="8446187" y="4827885"/>
+            <a:ext cx="303276" cy="327402"/>
+          </a:xfrm>
+          <a:prstGeom prst="line">
+            <a:avLst/>
+          </a:prstGeom>
+          <a:ln w="6350"/>
+        </p:spPr>
+        <p:style>
+          <a:lnRef idx="2">
+            <a:schemeClr val="dk1"/>
+          </a:lnRef>
+          <a:fillRef idx="0">
+            <a:schemeClr val="dk1"/>
+          </a:fillRef>
+          <a:effectRef idx="1">
+            <a:schemeClr val="dk1"/>
+          </a:effectRef>
+          <a:fontRef idx="minor">
+            <a:schemeClr val="tx1"/>
+          </a:fontRef>
+        </p:style>
+      </p:cxnSp>
+      <p:cxnSp>
+        <p:nvCxnSpPr>
+          <p:cNvPr id="178" name="Connettore diritto 177">
+            <a:extLst>
+              <a:ext uri="{FF2B5EF4-FFF2-40B4-BE49-F238E27FC236}">
+                <a16:creationId xmlns:a16="http://schemas.microsoft.com/office/drawing/2014/main" id="{26F386D2-0FD8-4542-83A7-1951F00FDF3A}"/>
+              </a:ext>
+            </a:extLst>
+          </p:cNvPr>
+          <p:cNvCxnSpPr>
+            <a:cxnSpLocks/>
+            <a:stCxn id="152" idx="0"/>
+            <a:endCxn id="159" idx="2"/>
+          </p:cNvCxnSpPr>
+          <p:nvPr/>
+        </p:nvCxnSpPr>
+        <p:spPr>
+          <a:xfrm flipV="1">
+            <a:off x="8446187" y="4827885"/>
+            <a:ext cx="994367" cy="327402"/>
+          </a:xfrm>
+          <a:prstGeom prst="line">
+            <a:avLst/>
+          </a:prstGeom>
+          <a:ln w="6350"/>
+        </p:spPr>
+        <p:style>
+          <a:lnRef idx="2">
+            <a:schemeClr val="dk1"/>
+          </a:lnRef>
+          <a:fillRef idx="0">
+            <a:schemeClr val="dk1"/>
+          </a:fillRef>
+          <a:effectRef idx="1">
+            <a:schemeClr val="dk1"/>
+          </a:effectRef>
+          <a:fontRef idx="minor">
+            <a:schemeClr val="tx1"/>
+          </a:fontRef>
+        </p:style>
+      </p:cxnSp>
+      <p:cxnSp>
+        <p:nvCxnSpPr>
+          <p:cNvPr id="179" name="Connettore diritto 178">
+            <a:extLst>
+              <a:ext uri="{FF2B5EF4-FFF2-40B4-BE49-F238E27FC236}">
+                <a16:creationId xmlns:a16="http://schemas.microsoft.com/office/drawing/2014/main" id="{88E95A7F-C32C-4ED4-844B-33113CB8EAA5}"/>
+              </a:ext>
+            </a:extLst>
+          </p:cNvPr>
+          <p:cNvCxnSpPr>
+            <a:cxnSpLocks/>
+            <a:stCxn id="151" idx="0"/>
+            <a:endCxn id="159" idx="2"/>
+          </p:cNvCxnSpPr>
+          <p:nvPr/>
+        </p:nvCxnSpPr>
+        <p:spPr>
+          <a:xfrm flipV="1">
+            <a:off x="7915534" y="4827885"/>
+            <a:ext cx="1525020" cy="327402"/>
+          </a:xfrm>
+          <a:prstGeom prst="line">
+            <a:avLst/>
+          </a:prstGeom>
+          <a:ln w="6350"/>
+        </p:spPr>
+        <p:style>
+          <a:lnRef idx="2">
+            <a:schemeClr val="dk1"/>
+          </a:lnRef>
+          <a:fillRef idx="0">
+            <a:schemeClr val="dk1"/>
+          </a:fillRef>
+          <a:effectRef idx="1">
+            <a:schemeClr val="dk1"/>
+          </a:effectRef>
+          <a:fontRef idx="minor">
+            <a:schemeClr val="tx1"/>
+          </a:fontRef>
+        </p:style>
+      </p:cxnSp>
+      <p:cxnSp>
+        <p:nvCxnSpPr>
+          <p:cNvPr id="180" name="Connettore diritto 179">
+            <a:extLst>
+              <a:ext uri="{FF2B5EF4-FFF2-40B4-BE49-F238E27FC236}">
+                <a16:creationId xmlns:a16="http://schemas.microsoft.com/office/drawing/2014/main" id="{99C3B1A9-1509-477D-93CD-73EFE1D8FC48}"/>
+              </a:ext>
+            </a:extLst>
+          </p:cNvPr>
+          <p:cNvCxnSpPr>
+            <a:cxnSpLocks/>
+            <a:stCxn id="147" idx="0"/>
+            <a:endCxn id="152" idx="2"/>
+          </p:cNvCxnSpPr>
+          <p:nvPr/>
+        </p:nvCxnSpPr>
+        <p:spPr>
+          <a:xfrm flipV="1">
+            <a:off x="7612538" y="5524619"/>
+            <a:ext cx="833649" cy="327404"/>
+          </a:xfrm>
+          <a:prstGeom prst="line">
+            <a:avLst/>
+          </a:prstGeom>
+          <a:ln w="6350"/>
+        </p:spPr>
+        <p:style>
+          <a:lnRef idx="2">
+            <a:schemeClr val="dk1"/>
+          </a:lnRef>
+          <a:fillRef idx="0">
+            <a:schemeClr val="dk1"/>
+          </a:fillRef>
+          <a:effectRef idx="1">
+            <a:schemeClr val="dk1"/>
+          </a:effectRef>
+          <a:fontRef idx="minor">
+            <a:schemeClr val="tx1"/>
+          </a:fontRef>
+        </p:style>
+      </p:cxnSp>
+      <p:cxnSp>
+        <p:nvCxnSpPr>
+          <p:cNvPr id="181" name="Connettore diritto 180">
+            <a:extLst>
+              <a:ext uri="{FF2B5EF4-FFF2-40B4-BE49-F238E27FC236}">
+                <a16:creationId xmlns:a16="http://schemas.microsoft.com/office/drawing/2014/main" id="{A092A57B-B422-4FEC-B060-445A6B63ABE0}"/>
+              </a:ext>
+            </a:extLst>
+          </p:cNvPr>
+          <p:cNvCxnSpPr>
+            <a:cxnSpLocks/>
+            <a:stCxn id="147" idx="0"/>
+            <a:endCxn id="151" idx="2"/>
+          </p:cNvCxnSpPr>
+          <p:nvPr/>
+        </p:nvCxnSpPr>
+        <p:spPr>
+          <a:xfrm flipV="1">
+            <a:off x="7612538" y="5524619"/>
+            <a:ext cx="302996" cy="327404"/>
+          </a:xfrm>
+          <a:prstGeom prst="line">
+            <a:avLst/>
+          </a:prstGeom>
+          <a:ln w="6350"/>
+        </p:spPr>
+        <p:style>
+          <a:lnRef idx="2">
+            <a:schemeClr val="dk1"/>
+          </a:lnRef>
+          <a:fillRef idx="0">
+            <a:schemeClr val="dk1"/>
+          </a:fillRef>
+          <a:effectRef idx="1">
+            <a:schemeClr val="dk1"/>
+          </a:effectRef>
+          <a:fontRef idx="minor">
+            <a:schemeClr val="tx1"/>
+          </a:fontRef>
+        </p:style>
+      </p:cxnSp>
+      <p:cxnSp>
+        <p:nvCxnSpPr>
+          <p:cNvPr id="182" name="Connettore diritto 181">
+            <a:extLst>
+              <a:ext uri="{FF2B5EF4-FFF2-40B4-BE49-F238E27FC236}">
+                <a16:creationId xmlns:a16="http://schemas.microsoft.com/office/drawing/2014/main" id="{8AD36805-A958-446B-9BA3-31077E865116}"/>
+              </a:ext>
+            </a:extLst>
+          </p:cNvPr>
+          <p:cNvCxnSpPr>
+            <a:cxnSpLocks/>
+            <a:stCxn id="147" idx="0"/>
+            <a:endCxn id="150" idx="2"/>
+          </p:cNvCxnSpPr>
+          <p:nvPr/>
+        </p:nvCxnSpPr>
+        <p:spPr>
+          <a:xfrm flipH="1" flipV="1">
+            <a:off x="7380875" y="5524619"/>
+            <a:ext cx="231663" cy="327404"/>
+          </a:xfrm>
+          <a:prstGeom prst="line">
+            <a:avLst/>
+          </a:prstGeom>
+          <a:ln w="6350"/>
+        </p:spPr>
+        <p:style>
+          <a:lnRef idx="2">
+            <a:schemeClr val="dk1"/>
+          </a:lnRef>
+          <a:fillRef idx="0">
+            <a:schemeClr val="dk1"/>
+          </a:fillRef>
+          <a:effectRef idx="1">
+            <a:schemeClr val="dk1"/>
+          </a:effectRef>
+          <a:fontRef idx="minor">
+            <a:schemeClr val="tx1"/>
+          </a:fontRef>
+        </p:style>
+      </p:cxnSp>
+      <p:cxnSp>
+        <p:nvCxnSpPr>
+          <p:cNvPr id="183" name="Connettore diritto 182">
+            <a:extLst>
+              <a:ext uri="{FF2B5EF4-FFF2-40B4-BE49-F238E27FC236}">
+                <a16:creationId xmlns:a16="http://schemas.microsoft.com/office/drawing/2014/main" id="{E79734D5-43BA-422C-AD53-047D68582DAB}"/>
+              </a:ext>
+            </a:extLst>
+          </p:cNvPr>
+          <p:cNvCxnSpPr>
+            <a:cxnSpLocks/>
+            <a:stCxn id="147" idx="0"/>
+            <a:endCxn id="149" idx="2"/>
+          </p:cNvCxnSpPr>
+          <p:nvPr/>
+        </p:nvCxnSpPr>
+        <p:spPr>
+          <a:xfrm flipH="1" flipV="1">
+            <a:off x="6815758" y="5524619"/>
+            <a:ext cx="796780" cy="327404"/>
+          </a:xfrm>
+          <a:prstGeom prst="line">
+            <a:avLst/>
+          </a:prstGeom>
+          <a:ln w="6350"/>
+        </p:spPr>
+        <p:style>
+          <a:lnRef idx="2">
+            <a:schemeClr val="dk1"/>
+          </a:lnRef>
+          <a:fillRef idx="0">
+            <a:schemeClr val="dk1"/>
+          </a:fillRef>
+          <a:effectRef idx="1">
+            <a:schemeClr val="dk1"/>
+          </a:effectRef>
+          <a:fontRef idx="minor">
+            <a:schemeClr val="tx1"/>
+          </a:fontRef>
+        </p:style>
+      </p:cxnSp>
+      <p:cxnSp>
+        <p:nvCxnSpPr>
+          <p:cNvPr id="184" name="Connettore diritto 183">
+            <a:extLst>
+              <a:ext uri="{FF2B5EF4-FFF2-40B4-BE49-F238E27FC236}">
+                <a16:creationId xmlns:a16="http://schemas.microsoft.com/office/drawing/2014/main" id="{6D2B4158-AE58-4E45-BD46-5D39F4168062}"/>
+              </a:ext>
+            </a:extLst>
+          </p:cNvPr>
+          <p:cNvCxnSpPr>
+            <a:cxnSpLocks/>
+            <a:stCxn id="161" idx="2"/>
+            <a:endCxn id="157" idx="0"/>
+          </p:cNvCxnSpPr>
+          <p:nvPr/>
+        </p:nvCxnSpPr>
+        <p:spPr>
+          <a:xfrm>
+            <a:off x="6144535" y="4131151"/>
+            <a:ext cx="1901588" cy="327402"/>
+          </a:xfrm>
+          <a:prstGeom prst="line">
+            <a:avLst/>
+          </a:prstGeom>
+          <a:ln w="6350"/>
+        </p:spPr>
+        <p:style>
+          <a:lnRef idx="2">
+            <a:schemeClr val="dk1"/>
+          </a:lnRef>
+          <a:fillRef idx="0">
+            <a:schemeClr val="dk1"/>
+          </a:fillRef>
+          <a:effectRef idx="1">
+            <a:schemeClr val="dk1"/>
+          </a:effectRef>
+          <a:fontRef idx="minor">
+            <a:schemeClr val="tx1"/>
+          </a:fontRef>
+        </p:style>
+      </p:cxnSp>
+      <p:cxnSp>
+        <p:nvCxnSpPr>
+          <p:cNvPr id="185" name="Connettore diritto 184">
+            <a:extLst>
+              <a:ext uri="{FF2B5EF4-FFF2-40B4-BE49-F238E27FC236}">
+                <a16:creationId xmlns:a16="http://schemas.microsoft.com/office/drawing/2014/main" id="{B07399C2-4BFB-4444-8224-1210868089BC}"/>
+              </a:ext>
+            </a:extLst>
+          </p:cNvPr>
+          <p:cNvCxnSpPr>
+            <a:cxnSpLocks/>
+            <a:stCxn id="155" idx="0"/>
+            <a:endCxn id="161" idx="2"/>
+          </p:cNvCxnSpPr>
+          <p:nvPr/>
+        </p:nvCxnSpPr>
+        <p:spPr>
+          <a:xfrm flipH="1" flipV="1">
+            <a:off x="6144535" y="4131151"/>
+            <a:ext cx="426043" cy="327402"/>
+          </a:xfrm>
+          <a:prstGeom prst="line">
+            <a:avLst/>
+          </a:prstGeom>
+          <a:ln w="6350"/>
+        </p:spPr>
+        <p:style>
+          <a:lnRef idx="2">
+            <a:schemeClr val="dk1"/>
+          </a:lnRef>
+          <a:fillRef idx="0">
+            <a:schemeClr val="dk1"/>
+          </a:fillRef>
+          <a:effectRef idx="1">
+            <a:schemeClr val="dk1"/>
+          </a:effectRef>
+          <a:fontRef idx="minor">
+            <a:schemeClr val="tx1"/>
+          </a:fontRef>
+        </p:style>
+      </p:cxnSp>
+      <p:cxnSp>
+        <p:nvCxnSpPr>
+          <p:cNvPr id="186" name="Connettore diritto 185">
+            <a:extLst>
+              <a:ext uri="{FF2B5EF4-FFF2-40B4-BE49-F238E27FC236}">
+                <a16:creationId xmlns:a16="http://schemas.microsoft.com/office/drawing/2014/main" id="{338837ED-D2AD-4FEF-9312-2B537671D6FE}"/>
+              </a:ext>
+            </a:extLst>
+          </p:cNvPr>
+          <p:cNvCxnSpPr>
+            <a:cxnSpLocks/>
+            <a:stCxn id="155" idx="0"/>
+            <a:endCxn id="163" idx="2"/>
+          </p:cNvCxnSpPr>
+          <p:nvPr/>
+        </p:nvCxnSpPr>
+        <p:spPr>
+          <a:xfrm flipV="1">
+            <a:off x="6570578" y="4131151"/>
+            <a:ext cx="1578038" cy="327402"/>
+          </a:xfrm>
+          <a:prstGeom prst="line">
+            <a:avLst/>
+          </a:prstGeom>
+          <a:ln w="6350"/>
+        </p:spPr>
+        <p:style>
+          <a:lnRef idx="2">
+            <a:schemeClr val="dk1"/>
+          </a:lnRef>
+          <a:fillRef idx="0">
+            <a:schemeClr val="dk1"/>
+          </a:fillRef>
+          <a:effectRef idx="1">
+            <a:schemeClr val="dk1"/>
+          </a:effectRef>
+          <a:fontRef idx="minor">
+            <a:schemeClr val="tx1"/>
+          </a:fontRef>
+        </p:style>
+      </p:cxnSp>
+      <p:cxnSp>
+        <p:nvCxnSpPr>
+          <p:cNvPr id="187" name="Connettore diritto 186">
+            <a:extLst>
+              <a:ext uri="{FF2B5EF4-FFF2-40B4-BE49-F238E27FC236}">
+                <a16:creationId xmlns:a16="http://schemas.microsoft.com/office/drawing/2014/main" id="{51F610CB-6A6D-4BAC-9766-9E8CAEC42832}"/>
+              </a:ext>
+            </a:extLst>
+          </p:cNvPr>
+          <p:cNvCxnSpPr>
+            <a:cxnSpLocks/>
+            <a:stCxn id="156" idx="0"/>
+            <a:endCxn id="162" idx="2"/>
+          </p:cNvCxnSpPr>
+          <p:nvPr/>
+        </p:nvCxnSpPr>
+        <p:spPr>
+          <a:xfrm flipH="1" flipV="1">
+            <a:off x="7152699" y="4131151"/>
+            <a:ext cx="167129" cy="327402"/>
+          </a:xfrm>
+          <a:prstGeom prst="line">
+            <a:avLst/>
+          </a:prstGeom>
+          <a:ln w="6350"/>
+        </p:spPr>
+        <p:style>
+          <a:lnRef idx="2">
+            <a:schemeClr val="dk1"/>
+          </a:lnRef>
+          <a:fillRef idx="0">
+            <a:schemeClr val="dk1"/>
+          </a:fillRef>
+          <a:effectRef idx="1">
+            <a:schemeClr val="dk1"/>
+          </a:effectRef>
+          <a:fontRef idx="minor">
+            <a:schemeClr val="tx1"/>
+          </a:fontRef>
+        </p:style>
+      </p:cxnSp>
+      <p:cxnSp>
+        <p:nvCxnSpPr>
+          <p:cNvPr id="188" name="Connettore diritto 187">
+            <a:extLst>
+              <a:ext uri="{FF2B5EF4-FFF2-40B4-BE49-F238E27FC236}">
+                <a16:creationId xmlns:a16="http://schemas.microsoft.com/office/drawing/2014/main" id="{9CAD9957-46C7-4D8E-90FD-911CBE03DD7A}"/>
+              </a:ext>
+            </a:extLst>
+          </p:cNvPr>
+          <p:cNvCxnSpPr>
+            <a:cxnSpLocks/>
+            <a:stCxn id="156" idx="0"/>
+            <a:endCxn id="163" idx="2"/>
+          </p:cNvCxnSpPr>
+          <p:nvPr/>
+        </p:nvCxnSpPr>
+        <p:spPr>
+          <a:xfrm flipV="1">
+            <a:off x="7319828" y="4131151"/>
+            <a:ext cx="828788" cy="327402"/>
+          </a:xfrm>
+          <a:prstGeom prst="line">
+            <a:avLst/>
+          </a:prstGeom>
+          <a:ln w="6350"/>
+        </p:spPr>
+        <p:style>
+          <a:lnRef idx="2">
+            <a:schemeClr val="dk1"/>
+          </a:lnRef>
+          <a:fillRef idx="0">
+            <a:schemeClr val="dk1"/>
+          </a:fillRef>
+          <a:effectRef idx="1">
+            <a:schemeClr val="dk1"/>
+          </a:effectRef>
+          <a:fontRef idx="minor">
+            <a:schemeClr val="tx1"/>
+          </a:fontRef>
+        </p:style>
+      </p:cxnSp>
+      <p:cxnSp>
+        <p:nvCxnSpPr>
+          <p:cNvPr id="189" name="Connettore diritto 188">
+            <a:extLst>
+              <a:ext uri="{FF2B5EF4-FFF2-40B4-BE49-F238E27FC236}">
+                <a16:creationId xmlns:a16="http://schemas.microsoft.com/office/drawing/2014/main" id="{9E067C71-A511-4543-A96E-F266FBC97C27}"/>
+              </a:ext>
+            </a:extLst>
+          </p:cNvPr>
+          <p:cNvCxnSpPr>
+            <a:cxnSpLocks/>
+            <a:stCxn id="157" idx="0"/>
+            <a:endCxn id="164" idx="2"/>
+          </p:cNvCxnSpPr>
+          <p:nvPr/>
+        </p:nvCxnSpPr>
+        <p:spPr>
+          <a:xfrm flipV="1">
+            <a:off x="8046123" y="4131151"/>
+            <a:ext cx="1069621" cy="327402"/>
+          </a:xfrm>
+          <a:prstGeom prst="line">
+            <a:avLst/>
+          </a:prstGeom>
+          <a:ln w="6350"/>
+        </p:spPr>
+        <p:style>
+          <a:lnRef idx="2">
+            <a:schemeClr val="dk1"/>
+          </a:lnRef>
+          <a:fillRef idx="0">
+            <a:schemeClr val="dk1"/>
+          </a:fillRef>
+          <a:effectRef idx="1">
+            <a:schemeClr val="dk1"/>
+          </a:effectRef>
+          <a:fontRef idx="minor">
+            <a:schemeClr val="tx1"/>
+          </a:fontRef>
+        </p:style>
+      </p:cxnSp>
+      <p:cxnSp>
+        <p:nvCxnSpPr>
+          <p:cNvPr id="190" name="Connettore diritto 189">
+            <a:extLst>
+              <a:ext uri="{FF2B5EF4-FFF2-40B4-BE49-F238E27FC236}">
+                <a16:creationId xmlns:a16="http://schemas.microsoft.com/office/drawing/2014/main" id="{D4EAEDC1-803E-411D-B316-414EE911C7AC}"/>
+              </a:ext>
+            </a:extLst>
+          </p:cNvPr>
+          <p:cNvCxnSpPr>
+            <a:cxnSpLocks/>
+            <a:stCxn id="162" idx="2"/>
+            <a:endCxn id="158" idx="0"/>
+          </p:cNvCxnSpPr>
+          <p:nvPr/>
+        </p:nvCxnSpPr>
+        <p:spPr>
+          <a:xfrm>
+            <a:off x="7152699" y="4131151"/>
+            <a:ext cx="1596764" cy="327402"/>
+          </a:xfrm>
+          <a:prstGeom prst="line">
+            <a:avLst/>
+          </a:prstGeom>
+          <a:ln w="6350"/>
+        </p:spPr>
+        <p:style>
+          <a:lnRef idx="2">
+            <a:schemeClr val="dk1"/>
+          </a:lnRef>
+          <a:fillRef idx="0">
+            <a:schemeClr val="dk1"/>
+          </a:fillRef>
+          <a:effectRef idx="1">
+            <a:schemeClr val="dk1"/>
+          </a:effectRef>
+          <a:fontRef idx="minor">
+            <a:schemeClr val="tx1"/>
+          </a:fontRef>
+        </p:style>
+      </p:cxnSp>
+      <p:cxnSp>
+        <p:nvCxnSpPr>
+          <p:cNvPr id="191" name="Connettore diritto 190">
+            <a:extLst>
+              <a:ext uri="{FF2B5EF4-FFF2-40B4-BE49-F238E27FC236}">
+                <a16:creationId xmlns:a16="http://schemas.microsoft.com/office/drawing/2014/main" id="{6ABF512D-6389-4DFB-AE10-169BCF96D155}"/>
+              </a:ext>
+            </a:extLst>
+          </p:cNvPr>
+          <p:cNvCxnSpPr>
+            <a:cxnSpLocks/>
+            <a:stCxn id="164" idx="2"/>
+            <a:endCxn id="158" idx="0"/>
+          </p:cNvCxnSpPr>
+          <p:nvPr/>
+        </p:nvCxnSpPr>
+        <p:spPr>
+          <a:xfrm flipH="1">
+            <a:off x="8749463" y="4131151"/>
+            <a:ext cx="366281" cy="327402"/>
+          </a:xfrm>
+          <a:prstGeom prst="line">
+            <a:avLst/>
+          </a:prstGeom>
+          <a:ln w="6350"/>
+        </p:spPr>
+        <p:style>
+          <a:lnRef idx="2">
+            <a:schemeClr val="dk1"/>
+          </a:lnRef>
+          <a:fillRef idx="0">
+            <a:schemeClr val="dk1"/>
+          </a:fillRef>
+          <a:effectRef idx="1">
+            <a:schemeClr val="dk1"/>
+          </a:effectRef>
+          <a:fontRef idx="minor">
+            <a:schemeClr val="tx1"/>
+          </a:fontRef>
+        </p:style>
+      </p:cxnSp>
+      <p:cxnSp>
+        <p:nvCxnSpPr>
+          <p:cNvPr id="192" name="Connettore diritto 191">
+            <a:extLst>
+              <a:ext uri="{FF2B5EF4-FFF2-40B4-BE49-F238E27FC236}">
+                <a16:creationId xmlns:a16="http://schemas.microsoft.com/office/drawing/2014/main" id="{5078FE5E-21A6-4AB6-8877-23571056910A}"/>
+              </a:ext>
+            </a:extLst>
+          </p:cNvPr>
+          <p:cNvCxnSpPr>
+            <a:cxnSpLocks/>
+            <a:stCxn id="164" idx="2"/>
+            <a:endCxn id="159" idx="0"/>
+          </p:cNvCxnSpPr>
+          <p:nvPr/>
+        </p:nvCxnSpPr>
+        <p:spPr>
+          <a:xfrm>
+            <a:off x="9115744" y="4131151"/>
+            <a:ext cx="324810" cy="327402"/>
+          </a:xfrm>
+          <a:prstGeom prst="line">
+            <a:avLst/>
+          </a:prstGeom>
+          <a:ln w="6350"/>
+        </p:spPr>
+        <p:style>
+          <a:lnRef idx="2">
+            <a:schemeClr val="dk1"/>
+          </a:lnRef>
+          <a:fillRef idx="0">
+            <a:schemeClr val="dk1"/>
+          </a:fillRef>
+          <a:effectRef idx="1">
+            <a:schemeClr val="dk1"/>
+          </a:effectRef>
+          <a:fontRef idx="minor">
+            <a:schemeClr val="tx1"/>
+          </a:fontRef>
+        </p:style>
+      </p:cxnSp>
+      <p:cxnSp>
+        <p:nvCxnSpPr>
+          <p:cNvPr id="193" name="Connettore diritto 192">
+            <a:extLst>
+              <a:ext uri="{FF2B5EF4-FFF2-40B4-BE49-F238E27FC236}">
+                <a16:creationId xmlns:a16="http://schemas.microsoft.com/office/drawing/2014/main" id="{EE6F9272-089B-495B-888C-D2E726EE1568}"/>
+              </a:ext>
+            </a:extLst>
+          </p:cNvPr>
+          <p:cNvCxnSpPr>
+            <a:cxnSpLocks/>
+            <a:stCxn id="163" idx="2"/>
+            <a:endCxn id="159" idx="0"/>
+          </p:cNvCxnSpPr>
+          <p:nvPr/>
+        </p:nvCxnSpPr>
+        <p:spPr>
+          <a:xfrm>
+            <a:off x="8148616" y="4131151"/>
+            <a:ext cx="1291938" cy="327402"/>
+          </a:xfrm>
+          <a:prstGeom prst="line">
+            <a:avLst/>
+          </a:prstGeom>
+          <a:ln w="6350"/>
+        </p:spPr>
+        <p:style>
+          <a:lnRef idx="2">
+            <a:schemeClr val="dk1"/>
+          </a:lnRef>
+          <a:fillRef idx="0">
+            <a:schemeClr val="dk1"/>
+          </a:fillRef>
+          <a:effectRef idx="1">
+            <a:schemeClr val="dk1"/>
+          </a:effectRef>
+          <a:fontRef idx="minor">
+            <a:schemeClr val="tx1"/>
+          </a:fontRef>
+        </p:style>
+      </p:cxnSp>
+      <p:cxnSp>
+        <p:nvCxnSpPr>
+          <p:cNvPr id="194" name="Connettore diritto 193">
+            <a:extLst>
+              <a:ext uri="{FF2B5EF4-FFF2-40B4-BE49-F238E27FC236}">
+                <a16:creationId xmlns:a16="http://schemas.microsoft.com/office/drawing/2014/main" id="{4142F764-7DCB-4F12-B8C2-181CA7BDF145}"/>
+              </a:ext>
+            </a:extLst>
+          </p:cNvPr>
+          <p:cNvCxnSpPr>
+            <a:cxnSpLocks/>
+            <a:stCxn id="161" idx="0"/>
+            <a:endCxn id="165" idx="2"/>
+          </p:cNvCxnSpPr>
+          <p:nvPr/>
+        </p:nvCxnSpPr>
+        <p:spPr>
+          <a:xfrm flipV="1">
+            <a:off x="6144535" y="3434417"/>
+            <a:ext cx="1468003" cy="327402"/>
+          </a:xfrm>
+          <a:prstGeom prst="line">
+            <a:avLst/>
+          </a:prstGeom>
+          <a:ln w="6350"/>
+        </p:spPr>
+        <p:style>
+          <a:lnRef idx="2">
+            <a:schemeClr val="dk1"/>
+          </a:lnRef>
+          <a:fillRef idx="0">
+            <a:schemeClr val="dk1"/>
+          </a:fillRef>
+          <a:effectRef idx="1">
+            <a:schemeClr val="dk1"/>
+          </a:effectRef>
+          <a:fontRef idx="minor">
+            <a:schemeClr val="tx1"/>
+          </a:fontRef>
+        </p:style>
+      </p:cxnSp>
+      <p:cxnSp>
+        <p:nvCxnSpPr>
+          <p:cNvPr id="195" name="Connettore diritto 194">
+            <a:extLst>
+              <a:ext uri="{FF2B5EF4-FFF2-40B4-BE49-F238E27FC236}">
+                <a16:creationId xmlns:a16="http://schemas.microsoft.com/office/drawing/2014/main" id="{EE545B7F-9BE3-4212-96C0-2C878A5AFB78}"/>
+              </a:ext>
+            </a:extLst>
+          </p:cNvPr>
+          <p:cNvCxnSpPr>
+            <a:cxnSpLocks/>
+            <a:stCxn id="162" idx="0"/>
+            <a:endCxn id="165" idx="2"/>
+          </p:cNvCxnSpPr>
+          <p:nvPr/>
+        </p:nvCxnSpPr>
+        <p:spPr>
+          <a:xfrm flipV="1">
+            <a:off x="7152699" y="3434417"/>
+            <a:ext cx="459839" cy="327402"/>
+          </a:xfrm>
+          <a:prstGeom prst="line">
+            <a:avLst/>
+          </a:prstGeom>
+          <a:ln w="6350"/>
+        </p:spPr>
+        <p:style>
+          <a:lnRef idx="2">
+            <a:schemeClr val="dk1"/>
+          </a:lnRef>
+          <a:fillRef idx="0">
+            <a:schemeClr val="dk1"/>
+          </a:fillRef>
+          <a:effectRef idx="1">
+            <a:schemeClr val="dk1"/>
+          </a:effectRef>
+          <a:fontRef idx="minor">
+            <a:schemeClr val="tx1"/>
+          </a:fontRef>
+        </p:style>
+      </p:cxnSp>
+      <p:cxnSp>
+        <p:nvCxnSpPr>
+          <p:cNvPr id="196" name="Connettore diritto 195">
+            <a:extLst>
+              <a:ext uri="{FF2B5EF4-FFF2-40B4-BE49-F238E27FC236}">
+                <a16:creationId xmlns:a16="http://schemas.microsoft.com/office/drawing/2014/main" id="{C46E714D-77A8-4A36-A84D-FB9419FD7ECE}"/>
+              </a:ext>
+            </a:extLst>
+          </p:cNvPr>
+          <p:cNvCxnSpPr>
+            <a:cxnSpLocks/>
+            <a:stCxn id="163" idx="0"/>
+            <a:endCxn id="165" idx="2"/>
+          </p:cNvCxnSpPr>
+          <p:nvPr/>
+        </p:nvCxnSpPr>
+        <p:spPr>
+          <a:xfrm flipH="1" flipV="1">
+            <a:off x="7612538" y="3434417"/>
+            <a:ext cx="536078" cy="327402"/>
+          </a:xfrm>
+          <a:prstGeom prst="line">
+            <a:avLst/>
+          </a:prstGeom>
+          <a:ln w="6350"/>
+        </p:spPr>
+        <p:style>
+          <a:lnRef idx="2">
+            <a:schemeClr val="dk1"/>
+          </a:lnRef>
+          <a:fillRef idx="0">
+            <a:schemeClr val="dk1"/>
+          </a:fillRef>
+          <a:effectRef idx="1">
+            <a:schemeClr val="dk1"/>
+          </a:effectRef>
+          <a:fontRef idx="minor">
+            <a:schemeClr val="tx1"/>
+          </a:fontRef>
+        </p:style>
+      </p:cxnSp>
+      <p:cxnSp>
+        <p:nvCxnSpPr>
+          <p:cNvPr id="197" name="Connettore diritto 196">
+            <a:extLst>
+              <a:ext uri="{FF2B5EF4-FFF2-40B4-BE49-F238E27FC236}">
+                <a16:creationId xmlns:a16="http://schemas.microsoft.com/office/drawing/2014/main" id="{88525FE8-2AA8-47D7-B734-BE6F616ED7F6}"/>
+              </a:ext>
+            </a:extLst>
+          </p:cNvPr>
+          <p:cNvCxnSpPr>
+            <a:cxnSpLocks/>
+            <a:stCxn id="164" idx="0"/>
+            <a:endCxn id="165" idx="2"/>
+          </p:cNvCxnSpPr>
+          <p:nvPr/>
+        </p:nvCxnSpPr>
+        <p:spPr>
+          <a:xfrm flipH="1" flipV="1">
+            <a:off x="7612538" y="3434417"/>
+            <a:ext cx="1503206" cy="327402"/>
+          </a:xfrm>
+          <a:prstGeom prst="line">
+            <a:avLst/>
+          </a:prstGeom>
+          <a:ln w="6350"/>
+        </p:spPr>
+        <p:style>
+          <a:lnRef idx="2">
+            <a:schemeClr val="dk1"/>
+          </a:lnRef>
+          <a:fillRef idx="0">
+            <a:schemeClr val="dk1"/>
+          </a:fillRef>
+          <a:effectRef idx="1">
+            <a:schemeClr val="dk1"/>
+          </a:effectRef>
+          <a:fontRef idx="minor">
+            <a:schemeClr val="tx1"/>
+          </a:fontRef>
+        </p:style>
+      </p:cxnSp>
+    </p:spTree>
+    <p:extLst>
+      <p:ext uri="{BB962C8B-B14F-4D97-AF65-F5344CB8AC3E}">
+        <p14:creationId xmlns:p14="http://schemas.microsoft.com/office/powerpoint/2010/main" val="3430071294"/>
+      </p:ext>
+    </p:extLst>
+  </p:cSld>
+  <p:clrMapOvr>
+    <a:masterClrMapping/>
+  </p:clrMapOvr>
+</p:sld>
+</file>
+
 <file path=ppt/theme/theme1.xml><?xml version="1.0" encoding="utf-8"?>
 <a:theme xmlns:a="http://schemas.openxmlformats.org/drawingml/2006/main" name="Office Theme">
   <a:themeElements>

--- a/slides/figures.pptx
+++ b/slides/figures.pptx
@@ -1259,6 +1259,134 @@
             <ac:cxnSpMk id="197" creationId="{88525FE8-2AA8-47D7-B734-BE6F616ED7F6}"/>
           </ac:cxnSpMkLst>
         </pc:cxnChg>
+      </pc:sldChg>
+    </pc:docChg>
+  </pc:docChgLst>
+  <pc:docChgLst>
+    <pc:chgData name="Matteo Francia" userId="fbe833e6-b551-4418-a2a7-4d1023d25bd4" providerId="ADAL" clId="{96F9B146-4786-4BFF-A34A-4EEF6A0E6FDB}"/>
+    <pc:docChg chg="undo custSel modSld">
+      <pc:chgData name="Matteo Francia" userId="fbe833e6-b551-4418-a2a7-4d1023d25bd4" providerId="ADAL" clId="{96F9B146-4786-4BFF-A34A-4EEF6A0E6FDB}" dt="2025-12-17T14:56:54.845" v="100" actId="20577"/>
+      <pc:docMkLst>
+        <pc:docMk/>
+      </pc:docMkLst>
+      <pc:sldChg chg="addSp modSp mod">
+        <pc:chgData name="Matteo Francia" userId="fbe833e6-b551-4418-a2a7-4d1023d25bd4" providerId="ADAL" clId="{96F9B146-4786-4BFF-A34A-4EEF6A0E6FDB}" dt="2025-12-17T14:56:54.845" v="100" actId="20577"/>
+        <pc:sldMkLst>
+          <pc:docMk/>
+          <pc:sldMk cId="3489260295" sldId="260"/>
+        </pc:sldMkLst>
+        <pc:spChg chg="mod">
+          <ac:chgData name="Matteo Francia" userId="fbe833e6-b551-4418-a2a7-4d1023d25bd4" providerId="ADAL" clId="{96F9B146-4786-4BFF-A34A-4EEF6A0E6FDB}" dt="2025-12-17T14:56:39.255" v="98" actId="12788"/>
+          <ac:spMkLst>
+            <pc:docMk/>
+            <pc:sldMk cId="3489260295" sldId="260"/>
+            <ac:spMk id="4" creationId="{328B136E-0EF1-449D-B8CD-34C80C851327}"/>
+          </ac:spMkLst>
+        </pc:spChg>
+        <pc:spChg chg="mod">
+          <ac:chgData name="Matteo Francia" userId="fbe833e6-b551-4418-a2a7-4d1023d25bd4" providerId="ADAL" clId="{96F9B146-4786-4BFF-A34A-4EEF6A0E6FDB}" dt="2025-12-17T14:56:54.845" v="100" actId="20577"/>
+          <ac:spMkLst>
+            <pc:docMk/>
+            <pc:sldMk cId="3489260295" sldId="260"/>
+            <ac:spMk id="5" creationId="{B59FCE38-D076-4501-BACD-903A43116EF0}"/>
+          </ac:spMkLst>
+        </pc:spChg>
+        <pc:spChg chg="mod">
+          <ac:chgData name="Matteo Francia" userId="fbe833e6-b551-4418-a2a7-4d1023d25bd4" providerId="ADAL" clId="{96F9B146-4786-4BFF-A34A-4EEF6A0E6FDB}" dt="2025-12-17T14:56:30.755" v="96" actId="12788"/>
+          <ac:spMkLst>
+            <pc:docMk/>
+            <pc:sldMk cId="3489260295" sldId="260"/>
+            <ac:spMk id="6" creationId="{529CC3F4-03F9-4CEA-BB04-57E507F2EBF0}"/>
+          </ac:spMkLst>
+        </pc:spChg>
+        <pc:spChg chg="mod">
+          <ac:chgData name="Matteo Francia" userId="fbe833e6-b551-4418-a2a7-4d1023d25bd4" providerId="ADAL" clId="{96F9B146-4786-4BFF-A34A-4EEF6A0E6FDB}" dt="2025-12-17T14:56:30.755" v="96" actId="12788"/>
+          <ac:spMkLst>
+            <pc:docMk/>
+            <pc:sldMk cId="3489260295" sldId="260"/>
+            <ac:spMk id="7" creationId="{0D1BCC33-7D80-43A0-AA25-FFFC022AE9EA}"/>
+          </ac:spMkLst>
+        </pc:spChg>
+        <pc:spChg chg="mod">
+          <ac:chgData name="Matteo Francia" userId="fbe833e6-b551-4418-a2a7-4d1023d25bd4" providerId="ADAL" clId="{96F9B146-4786-4BFF-A34A-4EEF6A0E6FDB}" dt="2025-12-17T14:56:22.399" v="95" actId="14100"/>
+          <ac:spMkLst>
+            <pc:docMk/>
+            <pc:sldMk cId="3489260295" sldId="260"/>
+            <ac:spMk id="8" creationId="{667A2D1A-4DDC-4708-8589-DEE4A8670048}"/>
+          </ac:spMkLst>
+        </pc:spChg>
+        <pc:spChg chg="mod">
+          <ac:chgData name="Matteo Francia" userId="fbe833e6-b551-4418-a2a7-4d1023d25bd4" providerId="ADAL" clId="{96F9B146-4786-4BFF-A34A-4EEF6A0E6FDB}" dt="2025-12-17T14:56:48.046" v="99" actId="408"/>
+          <ac:spMkLst>
+            <pc:docMk/>
+            <pc:sldMk cId="3489260295" sldId="260"/>
+            <ac:spMk id="9" creationId="{C7C337A9-3F9D-450E-AF70-35E6EEF98CAF}"/>
+          </ac:spMkLst>
+        </pc:spChg>
+        <pc:spChg chg="mod">
+          <ac:chgData name="Matteo Francia" userId="fbe833e6-b551-4418-a2a7-4d1023d25bd4" providerId="ADAL" clId="{96F9B146-4786-4BFF-A34A-4EEF6A0E6FDB}" dt="2025-12-17T14:56:39.255" v="98" actId="12788"/>
+          <ac:spMkLst>
+            <pc:docMk/>
+            <pc:sldMk cId="3489260295" sldId="260"/>
+            <ac:spMk id="10" creationId="{4F4BC64E-124B-4CBB-B534-23350DCFA10E}"/>
+          </ac:spMkLst>
+        </pc:spChg>
+        <pc:spChg chg="mod">
+          <ac:chgData name="Matteo Francia" userId="fbe833e6-b551-4418-a2a7-4d1023d25bd4" providerId="ADAL" clId="{96F9B146-4786-4BFF-A34A-4EEF6A0E6FDB}" dt="2025-12-17T14:56:39.255" v="98" actId="12788"/>
+          <ac:spMkLst>
+            <pc:docMk/>
+            <pc:sldMk cId="3489260295" sldId="260"/>
+            <ac:spMk id="11" creationId="{4F868CD8-2C87-419A-825D-C7002355B957}"/>
+          </ac:spMkLst>
+        </pc:spChg>
+        <pc:spChg chg="mod">
+          <ac:chgData name="Matteo Francia" userId="fbe833e6-b551-4418-a2a7-4d1023d25bd4" providerId="ADAL" clId="{96F9B146-4786-4BFF-A34A-4EEF6A0E6FDB}" dt="2025-12-17T14:56:08.593" v="94" actId="2711"/>
+          <ac:spMkLst>
+            <pc:docMk/>
+            <pc:sldMk cId="3489260295" sldId="260"/>
+            <ac:spMk id="13" creationId="{6782E3DF-46B9-46A8-A8F3-B9953653CDF1}"/>
+          </ac:spMkLst>
+        </pc:spChg>
+        <pc:spChg chg="mod">
+          <ac:chgData name="Matteo Francia" userId="fbe833e6-b551-4418-a2a7-4d1023d25bd4" providerId="ADAL" clId="{96F9B146-4786-4BFF-A34A-4EEF6A0E6FDB}" dt="2025-12-17T14:56:08.593" v="94" actId="2711"/>
+          <ac:spMkLst>
+            <pc:docMk/>
+            <pc:sldMk cId="3489260295" sldId="260"/>
+            <ac:spMk id="14" creationId="{9491729C-B102-4164-A4B4-A47965957282}"/>
+          </ac:spMkLst>
+        </pc:spChg>
+        <pc:spChg chg="mod">
+          <ac:chgData name="Matteo Francia" userId="fbe833e6-b551-4418-a2a7-4d1023d25bd4" providerId="ADAL" clId="{96F9B146-4786-4BFF-A34A-4EEF6A0E6FDB}" dt="2025-12-17T14:56:08.593" v="94" actId="2711"/>
+          <ac:spMkLst>
+            <pc:docMk/>
+            <pc:sldMk cId="3489260295" sldId="260"/>
+            <ac:spMk id="15" creationId="{5EEA6E57-1511-49AC-ABD8-7A5AEE76DFB4}"/>
+          </ac:spMkLst>
+        </pc:spChg>
+        <pc:spChg chg="mod">
+          <ac:chgData name="Matteo Francia" userId="fbe833e6-b551-4418-a2a7-4d1023d25bd4" providerId="ADAL" clId="{96F9B146-4786-4BFF-A34A-4EEF6A0E6FDB}" dt="2025-12-17T14:56:48.046" v="99" actId="408"/>
+          <ac:spMkLst>
+            <pc:docMk/>
+            <pc:sldMk cId="3489260295" sldId="260"/>
+            <ac:spMk id="16" creationId="{63177FD2-7A6E-4FB3-B189-9B2874A254F2}"/>
+          </ac:spMkLst>
+        </pc:spChg>
+        <pc:spChg chg="mod">
+          <ac:chgData name="Matteo Francia" userId="fbe833e6-b551-4418-a2a7-4d1023d25bd4" providerId="ADAL" clId="{96F9B146-4786-4BFF-A34A-4EEF6A0E6FDB}" dt="2025-12-17T14:56:48.046" v="99" actId="408"/>
+          <ac:spMkLst>
+            <pc:docMk/>
+            <pc:sldMk cId="3489260295" sldId="260"/>
+            <ac:spMk id="17" creationId="{A7E44423-813B-4C8C-8964-2FA85F6736C9}"/>
+          </ac:spMkLst>
+        </pc:spChg>
+        <pc:spChg chg="add mod">
+          <ac:chgData name="Matteo Francia" userId="fbe833e6-b551-4418-a2a7-4d1023d25bd4" providerId="ADAL" clId="{96F9B146-4786-4BFF-A34A-4EEF6A0E6FDB}" dt="2025-12-17T14:56:39.255" v="98" actId="12788"/>
+          <ac:spMkLst>
+            <pc:docMk/>
+            <pc:sldMk cId="3489260295" sldId="260"/>
+            <ac:spMk id="18" creationId="{94AD2BB9-69D4-4BD6-962F-2E40CEE96F30}"/>
+          </ac:spMkLst>
+        </pc:spChg>
       </pc:sldChg>
     </pc:docChg>
   </pc:docChgLst>
@@ -4473,7 +4601,7 @@
           <a:p>
             <a:fld id="{E531EAE6-DB01-47E1-A442-261F67AA92F8}" type="datetimeFigureOut">
               <a:rPr lang="en-US" smtClean="0"/>
-              <a:t>10/21/2025</a:t>
+              <a:t>12/17/2025</a:t>
             </a:fld>
             <a:endParaRPr lang="en-US"/>
           </a:p>
@@ -4671,7 +4799,7 @@
           <a:p>
             <a:fld id="{E531EAE6-DB01-47E1-A442-261F67AA92F8}" type="datetimeFigureOut">
               <a:rPr lang="en-US" smtClean="0"/>
-              <a:t>10/21/2025</a:t>
+              <a:t>12/17/2025</a:t>
             </a:fld>
             <a:endParaRPr lang="en-US"/>
           </a:p>
@@ -4879,7 +5007,7 @@
           <a:p>
             <a:fld id="{E531EAE6-DB01-47E1-A442-261F67AA92F8}" type="datetimeFigureOut">
               <a:rPr lang="en-US" smtClean="0"/>
-              <a:t>10/21/2025</a:t>
+              <a:t>12/17/2025</a:t>
             </a:fld>
             <a:endParaRPr lang="en-US"/>
           </a:p>
@@ -5077,7 +5205,7 @@
           <a:p>
             <a:fld id="{E531EAE6-DB01-47E1-A442-261F67AA92F8}" type="datetimeFigureOut">
               <a:rPr lang="en-US" smtClean="0"/>
-              <a:t>10/21/2025</a:t>
+              <a:t>12/17/2025</a:t>
             </a:fld>
             <a:endParaRPr lang="en-US"/>
           </a:p>
@@ -5352,7 +5480,7 @@
           <a:p>
             <a:fld id="{E531EAE6-DB01-47E1-A442-261F67AA92F8}" type="datetimeFigureOut">
               <a:rPr lang="en-US" smtClean="0"/>
-              <a:t>10/21/2025</a:t>
+              <a:t>12/17/2025</a:t>
             </a:fld>
             <a:endParaRPr lang="en-US"/>
           </a:p>
@@ -5617,7 +5745,7 @@
           <a:p>
             <a:fld id="{E531EAE6-DB01-47E1-A442-261F67AA92F8}" type="datetimeFigureOut">
               <a:rPr lang="en-US" smtClean="0"/>
-              <a:t>10/21/2025</a:t>
+              <a:t>12/17/2025</a:t>
             </a:fld>
             <a:endParaRPr lang="en-US"/>
           </a:p>
@@ -6029,7 +6157,7 @@
           <a:p>
             <a:fld id="{E531EAE6-DB01-47E1-A442-261F67AA92F8}" type="datetimeFigureOut">
               <a:rPr lang="en-US" smtClean="0"/>
-              <a:t>10/21/2025</a:t>
+              <a:t>12/17/2025</a:t>
             </a:fld>
             <a:endParaRPr lang="en-US"/>
           </a:p>
@@ -6170,7 +6298,7 @@
           <a:p>
             <a:fld id="{E531EAE6-DB01-47E1-A442-261F67AA92F8}" type="datetimeFigureOut">
               <a:rPr lang="en-US" smtClean="0"/>
-              <a:t>10/21/2025</a:t>
+              <a:t>12/17/2025</a:t>
             </a:fld>
             <a:endParaRPr lang="en-US"/>
           </a:p>
@@ -6283,7 +6411,7 @@
           <a:p>
             <a:fld id="{E531EAE6-DB01-47E1-A442-261F67AA92F8}" type="datetimeFigureOut">
               <a:rPr lang="en-US" smtClean="0"/>
-              <a:t>10/21/2025</a:t>
+              <a:t>12/17/2025</a:t>
             </a:fld>
             <a:endParaRPr lang="en-US"/>
           </a:p>
@@ -6594,7 +6722,7 @@
           <a:p>
             <a:fld id="{E531EAE6-DB01-47E1-A442-261F67AA92F8}" type="datetimeFigureOut">
               <a:rPr lang="en-US" smtClean="0"/>
-              <a:t>10/21/2025</a:t>
+              <a:t>12/17/2025</a:t>
             </a:fld>
             <a:endParaRPr lang="en-US"/>
           </a:p>
@@ -6882,7 +7010,7 @@
           <a:p>
             <a:fld id="{E531EAE6-DB01-47E1-A442-261F67AA92F8}" type="datetimeFigureOut">
               <a:rPr lang="en-US" smtClean="0"/>
-              <a:t>10/21/2025</a:t>
+              <a:t>12/17/2025</a:t>
             </a:fld>
             <a:endParaRPr lang="en-US"/>
           </a:p>
@@ -7123,7 +7251,7 @@
           <a:p>
             <a:fld id="{E531EAE6-DB01-47E1-A442-261F67AA92F8}" type="datetimeFigureOut">
               <a:rPr lang="en-US" smtClean="0"/>
-              <a:t>10/21/2025</a:t>
+              <a:t>12/17/2025</a:t>
             </a:fld>
             <a:endParaRPr lang="en-US"/>
           </a:p>
@@ -7554,8 +7682,8 @@
         </p:nvSpPr>
         <p:spPr>
           <a:xfrm>
-            <a:off x="3313404" y="1218886"/>
-            <a:ext cx="2924300" cy="2205956"/>
+            <a:off x="8340029" y="1218886"/>
+            <a:ext cx="1958510" cy="2279542"/>
           </a:xfrm>
           <a:prstGeom prst="rect">
             <a:avLst/>
@@ -7597,8 +7725,29 @@
                 <a:solidFill>
                   <a:schemeClr val="tx1"/>
                 </a:solidFill>
+                <a:latin typeface="Helvetica" panose="020B0604020202020204" pitchFamily="34" charset="0"/>
+                <a:cs typeface="Helvetica" panose="020B0604020202020204" pitchFamily="34" charset="0"/>
               </a:rPr>
-              <a:t>Information Systems &amp; Business Intelligence</a:t>
+              <a:t>Information </a:t>
+            </a:r>
+            <a:br>
+              <a:rPr lang="it-IT" dirty="0">
+                <a:solidFill>
+                  <a:schemeClr val="tx1"/>
+                </a:solidFill>
+                <a:latin typeface="Helvetica" panose="020B0604020202020204" pitchFamily="34" charset="0"/>
+                <a:cs typeface="Helvetica" panose="020B0604020202020204" pitchFamily="34" charset="0"/>
+              </a:rPr>
+            </a:br>
+            <a:r>
+              <a:rPr lang="it-IT" dirty="0">
+                <a:solidFill>
+                  <a:schemeClr val="tx1"/>
+                </a:solidFill>
+                <a:latin typeface="Helvetica" panose="020B0604020202020204" pitchFamily="34" charset="0"/>
+                <a:cs typeface="Helvetica" panose="020B0604020202020204" pitchFamily="34" charset="0"/>
+              </a:rPr>
+              <a:t>Systems &amp; BI</a:t>
             </a:r>
           </a:p>
           <a:p>
@@ -7607,6 +7756,8 @@
               <a:solidFill>
                 <a:schemeClr val="tx1"/>
               </a:solidFill>
+              <a:latin typeface="Helvetica" panose="020B0604020202020204" pitchFamily="34" charset="0"/>
+              <a:cs typeface="Helvetica" panose="020B0604020202020204" pitchFamily="34" charset="0"/>
             </a:endParaRPr>
           </a:p>
           <a:p>
@@ -7615,6 +7766,8 @@
               <a:solidFill>
                 <a:schemeClr val="tx1"/>
               </a:solidFill>
+              <a:latin typeface="Helvetica" panose="020B0604020202020204" pitchFamily="34" charset="0"/>
+              <a:cs typeface="Helvetica" panose="020B0604020202020204" pitchFamily="34" charset="0"/>
             </a:endParaRPr>
           </a:p>
           <a:p>
@@ -7623,6 +7776,8 @@
               <a:solidFill>
                 <a:schemeClr val="tx1"/>
               </a:solidFill>
+              <a:latin typeface="Helvetica" panose="020B0604020202020204" pitchFamily="34" charset="0"/>
+              <a:cs typeface="Helvetica" panose="020B0604020202020204" pitchFamily="34" charset="0"/>
             </a:endParaRPr>
           </a:p>
           <a:p>
@@ -7631,6 +7786,8 @@
               <a:solidFill>
                 <a:schemeClr val="tx1"/>
               </a:solidFill>
+              <a:latin typeface="Helvetica" panose="020B0604020202020204" pitchFamily="34" charset="0"/>
+              <a:cs typeface="Helvetica" panose="020B0604020202020204" pitchFamily="34" charset="0"/>
             </a:endParaRPr>
           </a:p>
           <a:p>
@@ -7639,6 +7796,18 @@
               <a:solidFill>
                 <a:schemeClr val="tx1"/>
               </a:solidFill>
+              <a:latin typeface="Helvetica" panose="020B0604020202020204" pitchFamily="34" charset="0"/>
+              <a:cs typeface="Helvetica" panose="020B0604020202020204" pitchFamily="34" charset="0"/>
+            </a:endParaRPr>
+          </a:p>
+          <a:p>
+            <a:pPr algn="ctr"/>
+            <a:endParaRPr lang="it-IT" dirty="0">
+              <a:solidFill>
+                <a:schemeClr val="tx1"/>
+              </a:solidFill>
+              <a:latin typeface="Helvetica" panose="020B0604020202020204" pitchFamily="34" charset="0"/>
+              <a:cs typeface="Helvetica" panose="020B0604020202020204" pitchFamily="34" charset="0"/>
             </a:endParaRPr>
           </a:p>
         </p:txBody>
@@ -7657,8 +7826,8 @@
         </p:nvSpPr>
         <p:spPr>
           <a:xfrm>
-            <a:off x="3327288" y="3619608"/>
-            <a:ext cx="6958103" cy="2279542"/>
+            <a:off x="4119417" y="3619608"/>
+            <a:ext cx="6179121" cy="2279542"/>
           </a:xfrm>
           <a:prstGeom prst="rect">
             <a:avLst/>
@@ -7695,19 +7864,62 @@
           <a:lstStyle/>
           <a:p>
             <a:pPr algn="ctr"/>
+            <a:endParaRPr lang="it-IT" dirty="0">
+              <a:solidFill>
+                <a:schemeClr val="tx1"/>
+              </a:solidFill>
+              <a:latin typeface="Helvetica" panose="020B0604020202020204" pitchFamily="34" charset="0"/>
+              <a:cs typeface="Helvetica" panose="020B0604020202020204" pitchFamily="34" charset="0"/>
+            </a:endParaRPr>
+          </a:p>
+          <a:p>
+            <a:pPr algn="ctr"/>
             <a:r>
               <a:rPr lang="it-IT" dirty="0">
                 <a:solidFill>
                   <a:schemeClr val="tx1"/>
                 </a:solidFill>
+                <a:latin typeface="Helvetica" panose="020B0604020202020204" pitchFamily="34" charset="0"/>
+                <a:cs typeface="Helvetica" panose="020B0604020202020204" pitchFamily="34" charset="0"/>
               </a:rPr>
-              <a:t>Big Data and Cloud </a:t>
+              <a:t>Big </a:t>
+            </a:r>
+            <a:r>
+              <a:rPr lang="it-IT">
+                <a:solidFill>
+                  <a:schemeClr val="tx1"/>
+                </a:solidFill>
+                <a:latin typeface="Helvetica" panose="020B0604020202020204" pitchFamily="34" charset="0"/>
+                <a:cs typeface="Helvetica" panose="020B0604020202020204" pitchFamily="34" charset="0"/>
+              </a:rPr>
+              <a:t>Data &amp; </a:t>
+            </a:r>
+            <a:br>
+              <a:rPr lang="it-IT" dirty="0">
+                <a:solidFill>
+                  <a:schemeClr val="tx1"/>
+                </a:solidFill>
+                <a:latin typeface="Helvetica" panose="020B0604020202020204" pitchFamily="34" charset="0"/>
+                <a:cs typeface="Helvetica" panose="020B0604020202020204" pitchFamily="34" charset="0"/>
+              </a:rPr>
+            </a:br>
+            <a:r>
+              <a:rPr lang="it-IT" dirty="0">
+                <a:solidFill>
+                  <a:schemeClr val="tx1"/>
+                </a:solidFill>
+                <a:latin typeface="Helvetica" panose="020B0604020202020204" pitchFamily="34" charset="0"/>
+                <a:cs typeface="Helvetica" panose="020B0604020202020204" pitchFamily="34" charset="0"/>
+              </a:rPr>
+              <a:t>Cloud </a:t>
             </a:r>
             <a:r>
               <a:rPr lang="it-IT" dirty="0" err="1">
                 <a:solidFill>
                   <a:schemeClr val="tx1"/>
                 </a:solidFill>
+                <a:latin typeface="Helvetica" panose="020B0604020202020204" pitchFamily="34" charset="0"/>
+                <a:cs typeface="Helvetica" panose="020B0604020202020204" pitchFamily="34" charset="0"/>
               </a:rPr>
               <a:t>Platforms</a:t>
             </a:r>
@@ -7715,6 +7927,8 @@
               <a:solidFill>
                 <a:schemeClr val="tx1"/>
               </a:solidFill>
+              <a:latin typeface="Helvetica" panose="020B0604020202020204" pitchFamily="34" charset="0"/>
+              <a:cs typeface="Helvetica" panose="020B0604020202020204" pitchFamily="34" charset="0"/>
             </a:endParaRPr>
           </a:p>
           <a:p>
@@ -7723,6 +7937,8 @@
               <a:solidFill>
                 <a:schemeClr val="tx1"/>
               </a:solidFill>
+              <a:latin typeface="Helvetica" panose="020B0604020202020204" pitchFamily="34" charset="0"/>
+              <a:cs typeface="Helvetica" panose="020B0604020202020204" pitchFamily="34" charset="0"/>
             </a:endParaRPr>
           </a:p>
           <a:p>
@@ -7731,6 +7947,8 @@
               <a:solidFill>
                 <a:schemeClr val="tx1"/>
               </a:solidFill>
+              <a:latin typeface="Helvetica" panose="020B0604020202020204" pitchFamily="34" charset="0"/>
+              <a:cs typeface="Helvetica" panose="020B0604020202020204" pitchFamily="34" charset="0"/>
             </a:endParaRPr>
           </a:p>
           <a:p>
@@ -7739,6 +7957,8 @@
               <a:solidFill>
                 <a:schemeClr val="tx1"/>
               </a:solidFill>
+              <a:latin typeface="Helvetica" panose="020B0604020202020204" pitchFamily="34" charset="0"/>
+              <a:cs typeface="Helvetica" panose="020B0604020202020204" pitchFamily="34" charset="0"/>
             </a:endParaRPr>
           </a:p>
           <a:p>
@@ -7747,6 +7967,8 @@
               <a:solidFill>
                 <a:schemeClr val="tx1"/>
               </a:solidFill>
+              <a:latin typeface="Helvetica" panose="020B0604020202020204" pitchFamily="34" charset="0"/>
+              <a:cs typeface="Helvetica" panose="020B0604020202020204" pitchFamily="34" charset="0"/>
             </a:endParaRPr>
           </a:p>
           <a:p>
@@ -7755,6 +7977,8 @@
               <a:solidFill>
                 <a:schemeClr val="tx1"/>
               </a:solidFill>
+              <a:latin typeface="Helvetica" panose="020B0604020202020204" pitchFamily="34" charset="0"/>
+              <a:cs typeface="Helvetica" panose="020B0604020202020204" pitchFamily="34" charset="0"/>
             </a:endParaRPr>
           </a:p>
           <a:p>
@@ -7763,6 +7987,8 @@
               <a:solidFill>
                 <a:schemeClr val="tx1"/>
               </a:solidFill>
+              <a:latin typeface="Helvetica" panose="020B0604020202020204" pitchFamily="34" charset="0"/>
+              <a:cs typeface="Helvetica" panose="020B0604020202020204" pitchFamily="34" charset="0"/>
             </a:endParaRPr>
           </a:p>
           <a:p>
@@ -7771,6 +7997,8 @@
               <a:solidFill>
                 <a:schemeClr val="tx1"/>
               </a:solidFill>
+              <a:latin typeface="Helvetica" panose="020B0604020202020204" pitchFamily="34" charset="0"/>
+              <a:cs typeface="Helvetica" panose="020B0604020202020204" pitchFamily="34" charset="0"/>
             </a:endParaRPr>
           </a:p>
         </p:txBody>
@@ -7789,8 +8017,8 @@
         </p:nvSpPr>
         <p:spPr>
           <a:xfrm>
-            <a:off x="718147" y="2404333"/>
-            <a:ext cx="1949778" cy="2668636"/>
+            <a:off x="5160523" y="1184370"/>
+            <a:ext cx="1949778" cy="2277699"/>
           </a:xfrm>
           <a:prstGeom prst="rect">
             <a:avLst/>
@@ -7832,6 +8060,8 @@
                 <a:solidFill>
                   <a:schemeClr val="tx1"/>
                 </a:solidFill>
+                <a:latin typeface="Helvetica" panose="020B0604020202020204" pitchFamily="34" charset="0"/>
+                <a:cs typeface="Helvetica" panose="020B0604020202020204" pitchFamily="34" charset="0"/>
               </a:rPr>
               <a:t>Databases</a:t>
             </a:r>
@@ -7842,6 +8072,8 @@
               <a:solidFill>
                 <a:schemeClr val="tx1"/>
               </a:solidFill>
+              <a:latin typeface="Helvetica" panose="020B0604020202020204" pitchFamily="34" charset="0"/>
+              <a:cs typeface="Helvetica" panose="020B0604020202020204" pitchFamily="34" charset="0"/>
             </a:endParaRPr>
           </a:p>
           <a:p>
@@ -7850,6 +8082,8 @@
               <a:solidFill>
                 <a:schemeClr val="tx1"/>
               </a:solidFill>
+              <a:latin typeface="Helvetica" panose="020B0604020202020204" pitchFamily="34" charset="0"/>
+              <a:cs typeface="Helvetica" panose="020B0604020202020204" pitchFamily="34" charset="0"/>
             </a:endParaRPr>
           </a:p>
           <a:p>
@@ -7858,6 +8092,8 @@
               <a:solidFill>
                 <a:schemeClr val="tx1"/>
               </a:solidFill>
+              <a:latin typeface="Helvetica" panose="020B0604020202020204" pitchFamily="34" charset="0"/>
+              <a:cs typeface="Helvetica" panose="020B0604020202020204" pitchFamily="34" charset="0"/>
             </a:endParaRPr>
           </a:p>
           <a:p>
@@ -7866,6 +8102,8 @@
               <a:solidFill>
                 <a:schemeClr val="tx1"/>
               </a:solidFill>
+              <a:latin typeface="Helvetica" panose="020B0604020202020204" pitchFamily="34" charset="0"/>
+              <a:cs typeface="Helvetica" panose="020B0604020202020204" pitchFamily="34" charset="0"/>
             </a:endParaRPr>
           </a:p>
           <a:p>
@@ -7874,6 +8112,8 @@
               <a:solidFill>
                 <a:schemeClr val="tx1"/>
               </a:solidFill>
+              <a:latin typeface="Helvetica" panose="020B0604020202020204" pitchFamily="34" charset="0"/>
+              <a:cs typeface="Helvetica" panose="020B0604020202020204" pitchFamily="34" charset="0"/>
             </a:endParaRPr>
           </a:p>
           <a:p>
@@ -7882,14 +8122,8 @@
               <a:solidFill>
                 <a:schemeClr val="tx1"/>
               </a:solidFill>
-            </a:endParaRPr>
-          </a:p>
-          <a:p>
-            <a:pPr algn="ctr"/>
-            <a:endParaRPr lang="it-IT" dirty="0">
-              <a:solidFill>
-                <a:schemeClr val="tx1"/>
-              </a:solidFill>
+              <a:latin typeface="Helvetica" panose="020B0604020202020204" pitchFamily="34" charset="0"/>
+              <a:cs typeface="Helvetica" panose="020B0604020202020204" pitchFamily="34" charset="0"/>
             </a:endParaRPr>
           </a:p>
         </p:txBody>
@@ -7908,8 +8142,8 @@
         </p:nvSpPr>
         <p:spPr>
           <a:xfrm>
-            <a:off x="1235836" y="3173528"/>
-            <a:ext cx="914400" cy="1216152"/>
+            <a:off x="5632492" y="1997578"/>
+            <a:ext cx="1005840" cy="1216152"/>
           </a:xfrm>
           <a:prstGeom prst="can">
             <a:avLst/>
@@ -7942,11 +8176,17 @@
           <a:p>
             <a:pPr algn="ctr"/>
             <a:r>
-              <a:rPr lang="it-IT" sz="1300" dirty="0" err="1"/>
+              <a:rPr lang="it-IT" sz="1300" dirty="0" err="1">
+                <a:latin typeface="Helvetica" panose="020B0604020202020204" pitchFamily="34" charset="0"/>
+                <a:cs typeface="Helvetica" panose="020B0604020202020204" pitchFamily="34" charset="0"/>
+              </a:rPr>
               <a:t>Relational</a:t>
             </a:r>
             <a:r>
-              <a:rPr lang="it-IT" sz="1300" dirty="0"/>
+              <a:rPr lang="it-IT" sz="1300" dirty="0">
+                <a:latin typeface="Helvetica" panose="020B0604020202020204" pitchFamily="34" charset="0"/>
+                <a:cs typeface="Helvetica" panose="020B0604020202020204" pitchFamily="34" charset="0"/>
+              </a:rPr>
               <a:t> DB</a:t>
             </a:r>
           </a:p>
@@ -7967,7 +8207,7 @@
         <p:spPr>
           <a:xfrm>
             <a:off x="4460835" y="4392728"/>
-            <a:ext cx="914400" cy="1216152"/>
+            <a:ext cx="1005840" cy="1216152"/>
           </a:xfrm>
           <a:prstGeom prst="can">
             <a:avLst/>
@@ -8000,11 +8240,17 @@
           <a:p>
             <a:pPr algn="ctr"/>
             <a:r>
-              <a:rPr lang="it-IT" sz="1300" dirty="0" err="1"/>
+              <a:rPr lang="it-IT" sz="1300" dirty="0" err="1">
+                <a:latin typeface="Helvetica" panose="020B0604020202020204" pitchFamily="34" charset="0"/>
+                <a:cs typeface="Helvetica" panose="020B0604020202020204" pitchFamily="34" charset="0"/>
+              </a:rPr>
               <a:t>NoSQL</a:t>
             </a:r>
             <a:r>
-              <a:rPr lang="it-IT" sz="1300" dirty="0"/>
+              <a:rPr lang="it-IT" sz="1300" dirty="0">
+                <a:latin typeface="Helvetica" panose="020B0604020202020204" pitchFamily="34" charset="0"/>
+                <a:cs typeface="Helvetica" panose="020B0604020202020204" pitchFamily="34" charset="0"/>
+              </a:rPr>
               <a:t> DB</a:t>
             </a:r>
           </a:p>
@@ -8024,8 +8270,8 @@
         </p:nvSpPr>
         <p:spPr>
           <a:xfrm>
-            <a:off x="6671616" y="4392728"/>
-            <a:ext cx="914400" cy="1216152"/>
+            <a:off x="6638600" y="4392728"/>
+            <a:ext cx="1005840" cy="1216152"/>
           </a:xfrm>
           <a:prstGeom prst="can">
             <a:avLst/>
@@ -8058,14 +8304,23 @@
           <a:p>
             <a:pPr algn="ctr"/>
             <a:r>
-              <a:rPr lang="it-IT" sz="1300" dirty="0"/>
+              <a:rPr lang="it-IT" sz="1300" dirty="0">
+                <a:latin typeface="Helvetica" panose="020B0604020202020204" pitchFamily="34" charset="0"/>
+                <a:cs typeface="Helvetica" panose="020B0604020202020204" pitchFamily="34" charset="0"/>
+              </a:rPr>
               <a:t>Data</a:t>
             </a:r>
             <a:br>
-              <a:rPr lang="it-IT" sz="1300" dirty="0"/>
+              <a:rPr lang="it-IT" sz="1300" dirty="0">
+                <a:latin typeface="Helvetica" panose="020B0604020202020204" pitchFamily="34" charset="0"/>
+                <a:cs typeface="Helvetica" panose="020B0604020202020204" pitchFamily="34" charset="0"/>
+              </a:rPr>
             </a:br>
             <a:r>
-              <a:rPr lang="it-IT" sz="1300" dirty="0"/>
+              <a:rPr lang="it-IT" sz="1300" dirty="0">
+                <a:latin typeface="Helvetica" panose="020B0604020202020204" pitchFamily="34" charset="0"/>
+                <a:cs typeface="Helvetica" panose="020B0604020202020204" pitchFamily="34" charset="0"/>
+              </a:rPr>
               <a:t>Lake</a:t>
             </a:r>
           </a:p>
@@ -8085,8 +8340,8 @@
         </p:nvSpPr>
         <p:spPr>
           <a:xfrm>
-            <a:off x="8882397" y="4392728"/>
-            <a:ext cx="914400" cy="1216152"/>
+            <a:off x="8816364" y="4392728"/>
+            <a:ext cx="1005840" cy="1216152"/>
           </a:xfrm>
           <a:prstGeom prst="can">
             <a:avLst/>
@@ -8119,17 +8374,29 @@
           <a:p>
             <a:pPr algn="ctr"/>
             <a:r>
-              <a:rPr lang="it-IT" sz="1300" dirty="0"/>
+              <a:rPr lang="it-IT" sz="1300" dirty="0">
+                <a:latin typeface="Helvetica" panose="020B0604020202020204" pitchFamily="34" charset="0"/>
+                <a:cs typeface="Helvetica" panose="020B0604020202020204" pitchFamily="34" charset="0"/>
+              </a:rPr>
               <a:t>Data</a:t>
             </a:r>
             <a:br>
-              <a:rPr lang="it-IT" sz="1300" dirty="0"/>
+              <a:rPr lang="it-IT" sz="1300" dirty="0">
+                <a:latin typeface="Helvetica" panose="020B0604020202020204" pitchFamily="34" charset="0"/>
+                <a:cs typeface="Helvetica" panose="020B0604020202020204" pitchFamily="34" charset="0"/>
+              </a:rPr>
             </a:br>
             <a:r>
-              <a:rPr lang="it-IT" sz="1300" dirty="0" err="1"/>
+              <a:rPr lang="it-IT" sz="1300" dirty="0" err="1">
+                <a:latin typeface="Helvetica" panose="020B0604020202020204" pitchFamily="34" charset="0"/>
+                <a:cs typeface="Helvetica" panose="020B0604020202020204" pitchFamily="34" charset="0"/>
+              </a:rPr>
               <a:t>Lakehouse</a:t>
             </a:r>
-            <a:endParaRPr lang="it-IT" sz="1300" dirty="0"/>
+            <a:endParaRPr lang="it-IT" sz="1300" dirty="0">
+              <a:latin typeface="Helvetica" panose="020B0604020202020204" pitchFamily="34" charset="0"/>
+              <a:cs typeface="Helvetica" panose="020B0604020202020204" pitchFamily="34" charset="0"/>
+            </a:endParaRPr>
           </a:p>
         </p:txBody>
       </p:sp>
@@ -8147,8 +8414,8 @@
         </p:nvSpPr>
         <p:spPr>
           <a:xfrm>
-            <a:off x="4318354" y="2103539"/>
-            <a:ext cx="914400" cy="1216152"/>
+            <a:off x="8816364" y="1997578"/>
+            <a:ext cx="1005840" cy="1216152"/>
           </a:xfrm>
           <a:prstGeom prst="can">
             <a:avLst/>
@@ -8181,7 +8448,10 @@
           <a:p>
             <a:pPr algn="ctr"/>
             <a:r>
-              <a:rPr lang="it-IT" sz="1300" dirty="0"/>
+              <a:rPr lang="it-IT" sz="1300" dirty="0">
+                <a:latin typeface="Helvetica" panose="020B0604020202020204" pitchFamily="34" charset="0"/>
+                <a:cs typeface="Helvetica" panose="020B0604020202020204" pitchFamily="34" charset="0"/>
+              </a:rPr>
               <a:t>DWH</a:t>
             </a:r>
           </a:p>
@@ -8230,9 +8500,9 @@
           <p:nvPr/>
         </p:nvSpPr>
         <p:spPr>
-          <a:xfrm rot="1650588">
-            <a:off x="2312858" y="4226669"/>
-            <a:ext cx="1684638" cy="484632"/>
+          <a:xfrm>
+            <a:off x="7210930" y="2343570"/>
+            <a:ext cx="1061013" cy="484632"/>
           </a:xfrm>
           <a:prstGeom prst="rightArrow">
             <a:avLst/>
@@ -8267,7 +8537,10 @@
           <a:lstStyle/>
           <a:p>
             <a:pPr algn="ctr"/>
-            <a:endParaRPr lang="it-IT"/>
+            <a:endParaRPr lang="it-IT">
+              <a:latin typeface="Helvetica" panose="020B0604020202020204" pitchFamily="34" charset="0"/>
+              <a:cs typeface="Helvetica" panose="020B0604020202020204" pitchFamily="34" charset="0"/>
+            </a:endParaRPr>
           </a:p>
         </p:txBody>
       </p:sp>
@@ -8284,9 +8557,9 @@
           <p:nvPr/>
         </p:nvSpPr>
         <p:spPr>
-          <a:xfrm rot="20390566">
-            <a:off x="2328081" y="2859555"/>
-            <a:ext cx="1684638" cy="484632"/>
+          <a:xfrm rot="7200000">
+            <a:off x="4898977" y="3580972"/>
+            <a:ext cx="1109262" cy="484632"/>
           </a:xfrm>
           <a:prstGeom prst="rightArrow">
             <a:avLst/>
@@ -8321,7 +8594,10 @@
           <a:lstStyle/>
           <a:p>
             <a:pPr algn="ctr"/>
-            <a:endParaRPr lang="it-IT"/>
+            <a:endParaRPr lang="it-IT">
+              <a:latin typeface="Helvetica" panose="020B0604020202020204" pitchFamily="34" charset="0"/>
+              <a:cs typeface="Helvetica" panose="020B0604020202020204" pitchFamily="34" charset="0"/>
+            </a:endParaRPr>
           </a:p>
         </p:txBody>
       </p:sp>
@@ -8382,6 +8658,8 @@
                 <a:solidFill>
                   <a:schemeClr val="tx1"/>
                 </a:solidFill>
+                <a:latin typeface="Helvetica" panose="020B0604020202020204" pitchFamily="34" charset="0"/>
+                <a:cs typeface="Helvetica" panose="020B0604020202020204" pitchFamily="34" charset="0"/>
               </a:rPr>
               <a:t>Data Mining and Machine Learning</a:t>
             </a:r>
@@ -8402,7 +8680,7 @@
         </p:nvSpPr>
         <p:spPr>
           <a:xfrm>
-            <a:off x="5641247" y="4758488"/>
+            <a:off x="5670459" y="4758488"/>
             <a:ext cx="764357" cy="484632"/>
           </a:xfrm>
           <a:prstGeom prst="rightArrow">
@@ -8438,7 +8716,10 @@
           <a:lstStyle/>
           <a:p>
             <a:pPr algn="ctr"/>
-            <a:endParaRPr lang="it-IT"/>
+            <a:endParaRPr lang="it-IT">
+              <a:latin typeface="Helvetica" panose="020B0604020202020204" pitchFamily="34" charset="0"/>
+              <a:cs typeface="Helvetica" panose="020B0604020202020204" pitchFamily="34" charset="0"/>
+            </a:endParaRPr>
           </a:p>
         </p:txBody>
       </p:sp>
@@ -8456,7 +8737,7 @@
         </p:nvSpPr>
         <p:spPr>
           <a:xfrm>
-            <a:off x="7852028" y="4758488"/>
+            <a:off x="7848224" y="4758488"/>
             <a:ext cx="764357" cy="484632"/>
           </a:xfrm>
           <a:prstGeom prst="rightArrow">
@@ -8492,7 +8773,67 @@
           <a:lstStyle/>
           <a:p>
             <a:pPr algn="ctr"/>
-            <a:endParaRPr lang="it-IT"/>
+            <a:endParaRPr lang="it-IT">
+              <a:latin typeface="Helvetica" panose="020B0604020202020204" pitchFamily="34" charset="0"/>
+              <a:cs typeface="Helvetica" panose="020B0604020202020204" pitchFamily="34" charset="0"/>
+            </a:endParaRPr>
+          </a:p>
+        </p:txBody>
+      </p:sp>
+      <p:sp>
+        <p:nvSpPr>
+          <p:cNvPr id="18" name="Freccia a destra 17">
+            <a:extLst>
+              <a:ext uri="{FF2B5EF4-FFF2-40B4-BE49-F238E27FC236}">
+                <a16:creationId xmlns:a16="http://schemas.microsoft.com/office/drawing/2014/main" id="{94AD2BB9-69D4-4BD6-962F-2E40CEE96F30}"/>
+              </a:ext>
+            </a:extLst>
+          </p:cNvPr>
+          <p:cNvSpPr/>
+          <p:nvPr/>
+        </p:nvSpPr>
+        <p:spPr>
+          <a:xfrm rot="5400000">
+            <a:off x="8788778" y="3559316"/>
+            <a:ext cx="1061013" cy="484632"/>
+          </a:xfrm>
+          <a:prstGeom prst="rightArrow">
+            <a:avLst/>
+          </a:prstGeom>
+          <a:solidFill>
+            <a:schemeClr val="bg1"/>
+          </a:solidFill>
+          <a:ln>
+            <a:solidFill>
+              <a:schemeClr val="tx1"/>
+            </a:solidFill>
+          </a:ln>
+        </p:spPr>
+        <p:style>
+          <a:lnRef idx="2">
+            <a:schemeClr val="accent1">
+              <a:shade val="50000"/>
+            </a:schemeClr>
+          </a:lnRef>
+          <a:fillRef idx="1">
+            <a:schemeClr val="accent1"/>
+          </a:fillRef>
+          <a:effectRef idx="0">
+            <a:schemeClr val="accent1"/>
+          </a:effectRef>
+          <a:fontRef idx="minor">
+            <a:schemeClr val="lt1"/>
+          </a:fontRef>
+        </p:style>
+        <p:txBody>
+          <a:bodyPr rtlCol="0" anchor="ctr"/>
+          <a:lstStyle/>
+          <a:p>
+            <a:pPr algn="ctr"/>
+            <a:endParaRPr lang="it-IT">
+              <a:latin typeface="Helvetica" panose="020B0604020202020204" pitchFamily="34" charset="0"/>
+              <a:cs typeface="Helvetica" panose="020B0604020202020204" pitchFamily="34" charset="0"/>
+            </a:endParaRPr>
           </a:p>
         </p:txBody>
       </p:sp>
